--- a/Chanco_STA623_BDA_2022_Henrion_Session2.pptx
+++ b/Chanco_STA623_BDA_2022_Henrion_Session2.pptx
@@ -84,10 +84,6 @@
     <p:sldId id="332" r:id="rId78"/>
     <p:sldId id="333" r:id="rId79"/>
     <p:sldId id="334" r:id="rId80"/>
-    <p:sldId id="335" r:id="rId81"/>
-    <p:sldId id="336" r:id="rId82"/>
-    <p:sldId id="337" r:id="rId83"/>
-    <p:sldId id="338" r:id="rId84"/>
   </p:sldIdLst>
   <p:sldSz cx="12192000" cy="6858000"/>
   <p:notesSz cx="6858000" cy="9144000"/>
@@ -6470,62 +6466,6 @@
           </a:p>
         </p:txBody>
       </p:sp>
-      <p:sp>
-        <p:nvSpPr>
-          <p:cNvPr id="3" name="Content Placeholder 2">
-            <a:extLst>
-              <a:ext uri="{FF2B5EF4-FFF2-40B4-BE49-F238E27FC236}">
-                <a16:creationId xmlns:a16="http://schemas.microsoft.com/office/drawing/2014/main" id="{288BC91F-1C76-43AE-8B2A-956D48B768BE}"/>
-              </a:ext>
-            </a:extLst>
-          </p:cNvPr>
-          <p:cNvSpPr>
-            <a:spLocks noGrp="1"/>
-          </p:cNvSpPr>
-          <p:nvPr>
-            <p:ph idx="1"/>
-          </p:nvPr>
-        </p:nvSpPr>
-        <p:spPr/>
-        <p:txBody>
-          <a:bodyPr/>
-          <a:lstStyle/>
-          <a:p>
-            <a:pPr lvl="0" indent="0">
-              <a:buNone/>
-            </a:pPr>
-            <a:r>
-              <a:rPr>
-                <a:latin typeface="Courier"/>
-              </a:rPr>
-              <a:t>## Warning: `guides(&lt;scale&gt; = FALSE)` is deprecated. Please use `guides(&lt;scale&gt; =
-## "none")` instead.</a:t>
-            </a:r>
-          </a:p>
-        </p:txBody>
-      </p:sp>
-    </p:spTree>
-  </p:cSld>
-</p:sld>
-</file>
-
-<file path=ppt/slides/slide19.xml><?xml version="1.0" encoding="utf-8"?>
-<p:sld xmlns:a="http://schemas.openxmlformats.org/drawingml/2006/main" xmlns:r="http://schemas.openxmlformats.org/officeDocument/2006/relationships" xmlns:p="http://schemas.openxmlformats.org/presentationml/2006/main">
-  <p:cSld>
-    <p:spTree>
-      <p:nvGrpSpPr>
-        <p:cNvPr id="1" name=""/>
-        <p:cNvGrpSpPr/>
-        <p:nvPr/>
-      </p:nvGrpSpPr>
-      <p:grpSpPr>
-        <a:xfrm>
-          <a:off x="0" y="0"/>
-          <a:ext cx="0" cy="0"/>
-          <a:chOff x="0" y="0"/>
-          <a:chExt cx="0" cy="0"/>
-        </a:xfrm>
-      </p:grpSpPr>
       <p:pic>
         <p:nvPicPr>
           <p:cNvPr descr="Chanco_STA623_BDA_2022_Henrion_Session2_files/figure-pptx/unnamed-chunk-1-1.png" id="0" name="Picture 1"/>
@@ -6556,6 +6496,368 @@
           </a:ln>
         </p:spPr>
       </p:pic>
+    </p:spTree>
+  </p:cSld>
+</p:sld>
+</file>
+
+<file path=ppt/slides/slide19.xml><?xml version="1.0" encoding="utf-8"?>
+<p:sld xmlns:a="http://schemas.openxmlformats.org/drawingml/2006/main" xmlns:r="http://schemas.openxmlformats.org/officeDocument/2006/relationships" xmlns:p="http://schemas.openxmlformats.org/presentationml/2006/main">
+  <p:cSld>
+    <p:spTree>
+      <p:nvGrpSpPr>
+        <p:cNvPr id="1" name=""/>
+        <p:cNvGrpSpPr/>
+        <p:nvPr/>
+      </p:nvGrpSpPr>
+      <p:grpSpPr>
+        <a:xfrm>
+          <a:off x="0" y="0"/>
+          <a:ext cx="0" cy="0"/>
+          <a:chOff x="0" y="0"/>
+          <a:chExt cx="0" cy="0"/>
+        </a:xfrm>
+      </p:grpSpPr>
+      <p:sp>
+        <p:nvSpPr>
+          <p:cNvPr id="2" name="Title 1">
+            <a:extLst>
+              <a:ext uri="{FF2B5EF4-FFF2-40B4-BE49-F238E27FC236}">
+                <a16:creationId xmlns:a16="http://schemas.microsoft.com/office/drawing/2014/main" id="{D6AA89D5-560C-4369-A313-7C24EDF028A0}"/>
+              </a:ext>
+            </a:extLst>
+          </p:cNvPr>
+          <p:cNvSpPr>
+            <a:spLocks noGrp="1"/>
+          </p:cNvSpPr>
+          <p:nvPr>
+            <p:ph type="title"/>
+          </p:nvPr>
+        </p:nvSpPr>
+        <p:spPr/>
+        <p:txBody>
+          <a:bodyPr/>
+          <a:lstStyle/>
+          <a:p>
+            <a:pPr lvl="0" marL="0" indent="0">
+              <a:buNone/>
+            </a:pPr>
+            <a:r>
+              <a:rPr/>
+              <a:t>Example</a:t>
+            </a:r>
+            <a:r>
+              <a:rPr/>
+              <a:t> </a:t>
+            </a:r>
+            <a:r>
+              <a:rPr/>
+              <a:t>(cont’d)</a:t>
+            </a:r>
+          </a:p>
+        </p:txBody>
+      </p:sp>
+      <mc:AlternateContent xmlns:mc="http://schemas.openxmlformats.org/markup-compatibility/2006">
+        <mc:Choice xmlns:a14="http://schemas.microsoft.com/office/drawing/2010/main" Requires="a14">
+          <p:sp>
+            <p:nvSpPr>
+              <p:cNvPr id="3" name="Content Placeholder 2">
+                <a:extLst>
+                  <a:ext uri="{FF2B5EF4-FFF2-40B4-BE49-F238E27FC236}">
+                    <a16:creationId xmlns:a16="http://schemas.microsoft.com/office/drawing/2014/main" id="{288BC91F-1C76-43AE-8B2A-956D48B768BE}"/>
+                  </a:ext>
+                </a:extLst>
+              </p:cNvPr>
+              <p:cNvSpPr>
+                <a:spLocks noGrp="1"/>
+              </p:cNvSpPr>
+              <p:nvPr>
+                <p:ph idx="1"/>
+              </p:nvPr>
+            </p:nvSpPr>
+            <p:spPr/>
+            <p:txBody>
+              <a:bodyPr/>
+              <a:lstStyle/>
+              <a:p>
+                <a:pPr lvl="0" marL="0" indent="0">
+                  <a:buNone/>
+                </a:pPr>
+                <a14:m>
+                  <m:oMathPara xmlns:m="http://schemas.openxmlformats.org/officeDocument/2006/math">
+                    <m:oMathParaPr>
+                      <m:jc m:val="center"/>
+                    </m:oMathParaPr>
+                    <m:oMath>
+                      <m:r>
+                        <m:t> </m:t>
+                      </m:r>
+                    </m:oMath>
+                  </m:oMathPara>
+                </a14:m>
+              </a:p>
+              <a:p>
+                <a:pPr lvl="0" marL="0" indent="0">
+                  <a:buNone/>
+                </a:pPr>
+                <a:r>
+                  <a:rPr/>
+                  <a:t>With </a:t>
+                </a:r>
+                <a14:m>
+                  <m:oMath xmlns:m="http://schemas.openxmlformats.org/officeDocument/2006/math">
+                    <m:r>
+                      <m:t>a</m:t>
+                    </m:r>
+                    <m:r>
+                      <m:rPr>
+                        <m:sty m:val="p"/>
+                      </m:rPr>
+                      <m:t>=</m:t>
+                    </m:r>
+                    <m:r>
+                      <m:t>4</m:t>
+                    </m:r>
+                  </m:oMath>
+                </a14:m>
+                <a:r>
+                  <a:rPr/>
+                  <a:t> and </a:t>
+                </a:r>
+                <a14:m>
+                  <m:oMath xmlns:m="http://schemas.openxmlformats.org/officeDocument/2006/math">
+                    <m:r>
+                      <m:t>b</m:t>
+                    </m:r>
+                    <m:r>
+                      <m:rPr>
+                        <m:sty m:val="p"/>
+                      </m:rPr>
+                      <m:t>=</m:t>
+                    </m:r>
+                    <m:r>
+                      <m:t>4</m:t>
+                    </m:r>
+                  </m:oMath>
+                </a14:m>
+                <a:r>
+                  <a:rPr/>
+                  <a:t>, in our case the prior distribution becomes</a:t>
+                </a:r>
+              </a:p>
+              <a:p>
+                <a:pPr lvl="0" marL="0" indent="0">
+                  <a:buNone/>
+                </a:pPr>
+                <a14:m>
+                  <m:oMathPara xmlns:m="http://schemas.openxmlformats.org/officeDocument/2006/math">
+                    <m:oMathParaPr>
+                      <m:jc m:val="center"/>
+                    </m:oMathParaPr>
+                    <m:oMath>
+                      <m:r>
+                        <m:t> </m:t>
+                      </m:r>
+                    </m:oMath>
+                  </m:oMathPara>
+                </a14:m>
+              </a:p>
+              <a:p>
+                <a:pPr lvl="0" marL="0" indent="0">
+                  <a:buNone/>
+                </a:pPr>
+                <a14:m>
+                  <m:oMathPara xmlns:m="http://schemas.openxmlformats.org/officeDocument/2006/math">
+                    <m:oMathParaPr>
+                      <m:jc m:val="center"/>
+                    </m:oMathParaPr>
+                    <m:oMath>
+                      <m:r>
+                        <m:t>p</m:t>
+                      </m:r>
+                      <m:d>
+                        <m:dPr>
+                          <m:begChr m:val="("/>
+                          <m:endChr m:val=")"/>
+                          <m:sepChr m:val=""/>
+                          <m:grow/>
+                        </m:dPr>
+                        <m:e>
+                          <m:r>
+                            <m:t>π</m:t>
+                          </m:r>
+                        </m:e>
+                      </m:d>
+                      <m:r>
+                        <m:rPr>
+                          <m:sty m:val="p"/>
+                        </m:rPr>
+                        <m:t>=</m:t>
+                      </m:r>
+                      <m:r>
+                        <m:t>140</m:t>
+                      </m:r>
+                      <m:r>
+                        <m:rPr>
+                          <m:sty m:val="p"/>
+                        </m:rPr>
+                        <m:t>⋅</m:t>
+                      </m:r>
+                      <m:sSup>
+                        <m:e>
+                          <m:r>
+                            <m:t>π</m:t>
+                          </m:r>
+                        </m:e>
+                        <m:sup>
+                          <m:r>
+                            <m:t>3</m:t>
+                          </m:r>
+                        </m:sup>
+                      </m:sSup>
+                      <m:r>
+                        <m:rPr>
+                          <m:sty m:val="p"/>
+                        </m:rPr>
+                        <m:t>⋅</m:t>
+                      </m:r>
+                      <m:sSup>
+                        <m:e>
+                          <m:d>
+                            <m:dPr>
+                              <m:begChr m:val="("/>
+                              <m:endChr m:val=")"/>
+                              <m:sepChr m:val=""/>
+                              <m:grow/>
+                            </m:dPr>
+                            <m:e>
+                              <m:r>
+                                <m:t>1</m:t>
+                              </m:r>
+                              <m:r>
+                                <m:rPr>
+                                  <m:sty m:val="p"/>
+                                </m:rPr>
+                                <m:t>−</m:t>
+                              </m:r>
+                              <m:r>
+                                <m:t>π</m:t>
+                              </m:r>
+                            </m:e>
+                          </m:d>
+                        </m:e>
+                        <m:sup>
+                          <m:r>
+                            <m:t>3</m:t>
+                          </m:r>
+                        </m:sup>
+                      </m:sSup>
+                    </m:oMath>
+                  </m:oMathPara>
+                </a14:m>
+              </a:p>
+              <a:p>
+                <a:pPr lvl="0" marL="0" indent="0">
+                  <a:buNone/>
+                </a:pPr>
+                <a14:m>
+                  <m:oMathPara xmlns:m="http://schemas.openxmlformats.org/officeDocument/2006/math">
+                    <m:oMathParaPr>
+                      <m:jc m:val="center"/>
+                    </m:oMathParaPr>
+                    <m:oMath>
+                      <m:r>
+                        <m:t> </m:t>
+                      </m:r>
+                    </m:oMath>
+                  </m:oMathPara>
+                </a14:m>
+              </a:p>
+              <a:p>
+                <a:pPr lvl="0" marL="0" indent="0">
+                  <a:buNone/>
+                </a:pPr>
+                <a:r>
+                  <a:rPr/>
+                  <a:t>if </a:t>
+                </a:r>
+                <a14:m>
+                  <m:oMath xmlns:m="http://schemas.openxmlformats.org/officeDocument/2006/math">
+                    <m:r>
+                      <m:t>π</m:t>
+                    </m:r>
+                    <m:r>
+                      <m:rPr>
+                        <m:sty m:val="p"/>
+                      </m:rPr>
+                      <m:t>∈</m:t>
+                    </m:r>
+                    <m:d>
+                      <m:dPr>
+                        <m:begChr m:val="["/>
+                        <m:endChr m:val="]"/>
+                        <m:sepChr m:val=""/>
+                        <m:grow/>
+                      </m:dPr>
+                      <m:e>
+                        <m:r>
+                          <m:t>0</m:t>
+                        </m:r>
+                        <m:r>
+                          <m:rPr>
+                            <m:sty m:val="p"/>
+                          </m:rPr>
+                          <m:t>,</m:t>
+                        </m:r>
+                        <m:r>
+                          <m:t>1</m:t>
+                        </m:r>
+                      </m:e>
+                    </m:d>
+                  </m:oMath>
+                </a14:m>
+                <a:r>
+                  <a:rPr/>
+                  <a:t> and </a:t>
+                </a:r>
+                <a14:m>
+                  <m:oMath xmlns:m="http://schemas.openxmlformats.org/officeDocument/2006/math">
+                    <m:r>
+                      <m:t>p</m:t>
+                    </m:r>
+                    <m:d>
+                      <m:dPr>
+                        <m:begChr m:val="("/>
+                        <m:endChr m:val=")"/>
+                        <m:sepChr m:val=""/>
+                        <m:grow/>
+                      </m:dPr>
+                      <m:e>
+                        <m:r>
+                          <m:t>π</m:t>
+                        </m:r>
+                      </m:e>
+                    </m:d>
+                    <m:r>
+                      <m:rPr>
+                        <m:sty m:val="p"/>
+                      </m:rPr>
+                      <m:t>=</m:t>
+                    </m:r>
+                    <m:r>
+                      <m:t>0</m:t>
+                    </m:r>
+                  </m:oMath>
+                </a14:m>
+                <a:r>
+                  <a:rPr/>
+                  <a:t> otherwise.</a:t>
+                </a:r>
+              </a:p>
+            </p:txBody>
+          </p:sp>
+        </mc:Choice>
+      </mc:AlternateContent>
     </p:spTree>
   </p:cSld>
 </p:sld>
@@ -6689,368 +6991,6 @@
 </file>
 
 <file path=ppt/slides/slide20.xml><?xml version="1.0" encoding="utf-8"?>
-<p:sld xmlns:a="http://schemas.openxmlformats.org/drawingml/2006/main" xmlns:r="http://schemas.openxmlformats.org/officeDocument/2006/relationships" xmlns:p="http://schemas.openxmlformats.org/presentationml/2006/main">
-  <p:cSld>
-    <p:spTree>
-      <p:nvGrpSpPr>
-        <p:cNvPr id="1" name=""/>
-        <p:cNvGrpSpPr/>
-        <p:nvPr/>
-      </p:nvGrpSpPr>
-      <p:grpSpPr>
-        <a:xfrm>
-          <a:off x="0" y="0"/>
-          <a:ext cx="0" cy="0"/>
-          <a:chOff x="0" y="0"/>
-          <a:chExt cx="0" cy="0"/>
-        </a:xfrm>
-      </p:grpSpPr>
-      <p:sp>
-        <p:nvSpPr>
-          <p:cNvPr id="2" name="Title 1">
-            <a:extLst>
-              <a:ext uri="{FF2B5EF4-FFF2-40B4-BE49-F238E27FC236}">
-                <a16:creationId xmlns:a16="http://schemas.microsoft.com/office/drawing/2014/main" id="{D6AA89D5-560C-4369-A313-7C24EDF028A0}"/>
-              </a:ext>
-            </a:extLst>
-          </p:cNvPr>
-          <p:cNvSpPr>
-            <a:spLocks noGrp="1"/>
-          </p:cNvSpPr>
-          <p:nvPr>
-            <p:ph type="title"/>
-          </p:nvPr>
-        </p:nvSpPr>
-        <p:spPr/>
-        <p:txBody>
-          <a:bodyPr/>
-          <a:lstStyle/>
-          <a:p>
-            <a:pPr lvl="0" marL="0" indent="0">
-              <a:buNone/>
-            </a:pPr>
-            <a:r>
-              <a:rPr/>
-              <a:t>Example</a:t>
-            </a:r>
-            <a:r>
-              <a:rPr/>
-              <a:t> </a:t>
-            </a:r>
-            <a:r>
-              <a:rPr/>
-              <a:t>(cont’d)</a:t>
-            </a:r>
-          </a:p>
-        </p:txBody>
-      </p:sp>
-      <mc:AlternateContent xmlns:mc="http://schemas.openxmlformats.org/markup-compatibility/2006">
-        <mc:Choice xmlns:a14="http://schemas.microsoft.com/office/drawing/2010/main" Requires="a14">
-          <p:sp>
-            <p:nvSpPr>
-              <p:cNvPr id="3" name="Content Placeholder 2">
-                <a:extLst>
-                  <a:ext uri="{FF2B5EF4-FFF2-40B4-BE49-F238E27FC236}">
-                    <a16:creationId xmlns:a16="http://schemas.microsoft.com/office/drawing/2014/main" id="{288BC91F-1C76-43AE-8B2A-956D48B768BE}"/>
-                  </a:ext>
-                </a:extLst>
-              </p:cNvPr>
-              <p:cNvSpPr>
-                <a:spLocks noGrp="1"/>
-              </p:cNvSpPr>
-              <p:nvPr>
-                <p:ph idx="1"/>
-              </p:nvPr>
-            </p:nvSpPr>
-            <p:spPr/>
-            <p:txBody>
-              <a:bodyPr/>
-              <a:lstStyle/>
-              <a:p>
-                <a:pPr lvl="0" marL="0" indent="0">
-                  <a:buNone/>
-                </a:pPr>
-                <a14:m>
-                  <m:oMathPara xmlns:m="http://schemas.openxmlformats.org/officeDocument/2006/math">
-                    <m:oMathParaPr>
-                      <m:jc m:val="center"/>
-                    </m:oMathParaPr>
-                    <m:oMath>
-                      <m:r>
-                        <m:t> </m:t>
-                      </m:r>
-                    </m:oMath>
-                  </m:oMathPara>
-                </a14:m>
-              </a:p>
-              <a:p>
-                <a:pPr lvl="0" marL="0" indent="0">
-                  <a:buNone/>
-                </a:pPr>
-                <a:r>
-                  <a:rPr/>
-                  <a:t>With </a:t>
-                </a:r>
-                <a14:m>
-                  <m:oMath xmlns:m="http://schemas.openxmlformats.org/officeDocument/2006/math">
-                    <m:r>
-                      <m:t>a</m:t>
-                    </m:r>
-                    <m:r>
-                      <m:rPr>
-                        <m:sty m:val="p"/>
-                      </m:rPr>
-                      <m:t>=</m:t>
-                    </m:r>
-                    <m:r>
-                      <m:t>4</m:t>
-                    </m:r>
-                  </m:oMath>
-                </a14:m>
-                <a:r>
-                  <a:rPr/>
-                  <a:t> and </a:t>
-                </a:r>
-                <a14:m>
-                  <m:oMath xmlns:m="http://schemas.openxmlformats.org/officeDocument/2006/math">
-                    <m:r>
-                      <m:t>b</m:t>
-                    </m:r>
-                    <m:r>
-                      <m:rPr>
-                        <m:sty m:val="p"/>
-                      </m:rPr>
-                      <m:t>=</m:t>
-                    </m:r>
-                    <m:r>
-                      <m:t>4</m:t>
-                    </m:r>
-                  </m:oMath>
-                </a14:m>
-                <a:r>
-                  <a:rPr/>
-                  <a:t>, in our case the prior distribution becomes</a:t>
-                </a:r>
-              </a:p>
-              <a:p>
-                <a:pPr lvl="0" marL="0" indent="0">
-                  <a:buNone/>
-                </a:pPr>
-                <a14:m>
-                  <m:oMathPara xmlns:m="http://schemas.openxmlformats.org/officeDocument/2006/math">
-                    <m:oMathParaPr>
-                      <m:jc m:val="center"/>
-                    </m:oMathParaPr>
-                    <m:oMath>
-                      <m:r>
-                        <m:t> </m:t>
-                      </m:r>
-                    </m:oMath>
-                  </m:oMathPara>
-                </a14:m>
-              </a:p>
-              <a:p>
-                <a:pPr lvl="0" marL="0" indent="0">
-                  <a:buNone/>
-                </a:pPr>
-                <a14:m>
-                  <m:oMathPara xmlns:m="http://schemas.openxmlformats.org/officeDocument/2006/math">
-                    <m:oMathParaPr>
-                      <m:jc m:val="center"/>
-                    </m:oMathParaPr>
-                    <m:oMath>
-                      <m:r>
-                        <m:t>p</m:t>
-                      </m:r>
-                      <m:d>
-                        <m:dPr>
-                          <m:begChr m:val="("/>
-                          <m:endChr m:val=")"/>
-                          <m:sepChr m:val=""/>
-                          <m:grow/>
-                        </m:dPr>
-                        <m:e>
-                          <m:r>
-                            <m:t>π</m:t>
-                          </m:r>
-                        </m:e>
-                      </m:d>
-                      <m:r>
-                        <m:rPr>
-                          <m:sty m:val="p"/>
-                        </m:rPr>
-                        <m:t>=</m:t>
-                      </m:r>
-                      <m:r>
-                        <m:t>140</m:t>
-                      </m:r>
-                      <m:r>
-                        <m:rPr>
-                          <m:sty m:val="p"/>
-                        </m:rPr>
-                        <m:t>⋅</m:t>
-                      </m:r>
-                      <m:sSup>
-                        <m:e>
-                          <m:r>
-                            <m:t>π</m:t>
-                          </m:r>
-                        </m:e>
-                        <m:sup>
-                          <m:r>
-                            <m:t>3</m:t>
-                          </m:r>
-                        </m:sup>
-                      </m:sSup>
-                      <m:r>
-                        <m:rPr>
-                          <m:sty m:val="p"/>
-                        </m:rPr>
-                        <m:t>⋅</m:t>
-                      </m:r>
-                      <m:sSup>
-                        <m:e>
-                          <m:d>
-                            <m:dPr>
-                              <m:begChr m:val="("/>
-                              <m:endChr m:val=")"/>
-                              <m:sepChr m:val=""/>
-                              <m:grow/>
-                            </m:dPr>
-                            <m:e>
-                              <m:r>
-                                <m:t>1</m:t>
-                              </m:r>
-                              <m:r>
-                                <m:rPr>
-                                  <m:sty m:val="p"/>
-                                </m:rPr>
-                                <m:t>−</m:t>
-                              </m:r>
-                              <m:r>
-                                <m:t>π</m:t>
-                              </m:r>
-                            </m:e>
-                          </m:d>
-                        </m:e>
-                        <m:sup>
-                          <m:r>
-                            <m:t>3</m:t>
-                          </m:r>
-                        </m:sup>
-                      </m:sSup>
-                    </m:oMath>
-                  </m:oMathPara>
-                </a14:m>
-              </a:p>
-              <a:p>
-                <a:pPr lvl="0" marL="0" indent="0">
-                  <a:buNone/>
-                </a:pPr>
-                <a14:m>
-                  <m:oMathPara xmlns:m="http://schemas.openxmlformats.org/officeDocument/2006/math">
-                    <m:oMathParaPr>
-                      <m:jc m:val="center"/>
-                    </m:oMathParaPr>
-                    <m:oMath>
-                      <m:r>
-                        <m:t> </m:t>
-                      </m:r>
-                    </m:oMath>
-                  </m:oMathPara>
-                </a14:m>
-              </a:p>
-              <a:p>
-                <a:pPr lvl="0" marL="0" indent="0">
-                  <a:buNone/>
-                </a:pPr>
-                <a:r>
-                  <a:rPr/>
-                  <a:t>if </a:t>
-                </a:r>
-                <a14:m>
-                  <m:oMath xmlns:m="http://schemas.openxmlformats.org/officeDocument/2006/math">
-                    <m:r>
-                      <m:t>π</m:t>
-                    </m:r>
-                    <m:r>
-                      <m:rPr>
-                        <m:sty m:val="p"/>
-                      </m:rPr>
-                      <m:t>∈</m:t>
-                    </m:r>
-                    <m:d>
-                      <m:dPr>
-                        <m:begChr m:val="["/>
-                        <m:endChr m:val="]"/>
-                        <m:sepChr m:val=""/>
-                        <m:grow/>
-                      </m:dPr>
-                      <m:e>
-                        <m:r>
-                          <m:t>0</m:t>
-                        </m:r>
-                        <m:r>
-                          <m:rPr>
-                            <m:sty m:val="p"/>
-                          </m:rPr>
-                          <m:t>,</m:t>
-                        </m:r>
-                        <m:r>
-                          <m:t>1</m:t>
-                        </m:r>
-                      </m:e>
-                    </m:d>
-                  </m:oMath>
-                </a14:m>
-                <a:r>
-                  <a:rPr/>
-                  <a:t> and </a:t>
-                </a:r>
-                <a14:m>
-                  <m:oMath xmlns:m="http://schemas.openxmlformats.org/officeDocument/2006/math">
-                    <m:r>
-                      <m:t>p</m:t>
-                    </m:r>
-                    <m:d>
-                      <m:dPr>
-                        <m:begChr m:val="("/>
-                        <m:endChr m:val=")"/>
-                        <m:sepChr m:val=""/>
-                        <m:grow/>
-                      </m:dPr>
-                      <m:e>
-                        <m:r>
-                          <m:t>π</m:t>
-                        </m:r>
-                      </m:e>
-                    </m:d>
-                    <m:r>
-                      <m:rPr>
-                        <m:sty m:val="p"/>
-                      </m:rPr>
-                      <m:t>=</m:t>
-                    </m:r>
-                    <m:r>
-                      <m:t>0</m:t>
-                    </m:r>
-                  </m:oMath>
-                </a14:m>
-                <a:r>
-                  <a:rPr/>
-                  <a:t> otherwise.</a:t>
-                </a:r>
-              </a:p>
-            </p:txBody>
-          </p:sp>
-        </mc:Choice>
-      </mc:AlternateContent>
-    </p:spTree>
-  </p:cSld>
-</p:sld>
-</file>
-
-<file path=ppt/slides/slide21.xml><?xml version="1.0" encoding="utf-8"?>
 <p:sld xmlns:a="http://schemas.openxmlformats.org/drawingml/2006/main" xmlns:r="http://schemas.openxmlformats.org/officeDocument/2006/relationships" xmlns:p="http://schemas.openxmlformats.org/presentationml/2006/main">
   <p:cSld>
     <p:spTree>
@@ -7817,6 +7757,97 @@
 </p:sld>
 </file>
 
+<file path=ppt/slides/slide21.xml><?xml version="1.0" encoding="utf-8"?>
+<p:sld xmlns:a="http://schemas.openxmlformats.org/drawingml/2006/main" xmlns:r="http://schemas.openxmlformats.org/officeDocument/2006/relationships" xmlns:p="http://schemas.openxmlformats.org/presentationml/2006/main">
+  <p:cSld>
+    <p:spTree>
+      <p:nvGrpSpPr>
+        <p:cNvPr id="1" name=""/>
+        <p:cNvGrpSpPr/>
+        <p:nvPr/>
+      </p:nvGrpSpPr>
+      <p:grpSpPr>
+        <a:xfrm>
+          <a:off x="0" y="0"/>
+          <a:ext cx="0" cy="0"/>
+          <a:chOff x="0" y="0"/>
+          <a:chExt cx="0" cy="0"/>
+        </a:xfrm>
+      </p:grpSpPr>
+      <p:sp>
+        <p:nvSpPr>
+          <p:cNvPr id="2" name="Title 1">
+            <a:extLst>
+              <a:ext uri="{FF2B5EF4-FFF2-40B4-BE49-F238E27FC236}">
+                <a16:creationId xmlns:a16="http://schemas.microsoft.com/office/drawing/2014/main" id="{D6AA89D5-560C-4369-A313-7C24EDF028A0}"/>
+              </a:ext>
+            </a:extLst>
+          </p:cNvPr>
+          <p:cNvSpPr>
+            <a:spLocks noGrp="1"/>
+          </p:cNvSpPr>
+          <p:nvPr>
+            <p:ph type="title"/>
+          </p:nvPr>
+        </p:nvSpPr>
+        <p:spPr/>
+        <p:txBody>
+          <a:bodyPr/>
+          <a:lstStyle/>
+          <a:p>
+            <a:pPr lvl="0" marL="0" indent="0">
+              <a:buNone/>
+            </a:pPr>
+            <a:r>
+              <a:rPr/>
+              <a:t>Example</a:t>
+            </a:r>
+            <a:r>
+              <a:rPr/>
+              <a:t> </a:t>
+            </a:r>
+            <a:r>
+              <a:rPr/>
+              <a:t>(cont’d)</a:t>
+            </a:r>
+          </a:p>
+        </p:txBody>
+      </p:sp>
+      <p:pic>
+        <p:nvPicPr>
+          <p:cNvPr descr="Chanco_STA623_BDA_2022_Henrion_Session2_files/figure-pptx/unnamed-chunk-2-1.png" id="0" name="Picture 1"/>
+          <p:cNvPicPr>
+            <a:picLocks noGrp="1" noChangeAspect="1"/>
+          </p:cNvPicPr>
+          <p:nvPr/>
+        </p:nvPicPr>
+        <p:blipFill>
+          <a:blip r:embed="rId2"/>
+          <a:stretch>
+            <a:fillRect/>
+          </a:stretch>
+        </p:blipFill>
+        <p:spPr bwMode="auto">
+          <a:xfrm>
+            <a:off x="1955800" y="1816100"/>
+            <a:ext cx="8280400" cy="4660900"/>
+          </a:xfrm>
+          <a:prstGeom prst="rect">
+            <a:avLst/>
+          </a:prstGeom>
+          <a:noFill/>
+          <a:ln w="9525">
+            <a:noFill/>
+            <a:headEnd/>
+            <a:tailEnd/>
+          </a:ln>
+        </p:spPr>
+      </p:pic>
+    </p:spTree>
+  </p:cSld>
+</p:sld>
+</file>
+
 <file path=ppt/slides/slide22.xml><?xml version="1.0" encoding="utf-8"?>
 <p:sld xmlns:a="http://schemas.openxmlformats.org/drawingml/2006/main" xmlns:r="http://schemas.openxmlformats.org/officeDocument/2006/relationships" xmlns:p="http://schemas.openxmlformats.org/presentationml/2006/main">
   <p:cSld>
@@ -7873,36 +7904,237 @@
           </a:p>
         </p:txBody>
       </p:sp>
-      <p:pic>
-        <p:nvPicPr>
-          <p:cNvPr descr="Chanco_STA623_BDA_2022_Henrion_Session2_files/figure-pptx/unnamed-chunk-2-1.png" id="0" name="Picture 1"/>
-          <p:cNvPicPr>
-            <a:picLocks noGrp="1" noChangeAspect="1"/>
-          </p:cNvPicPr>
-          <p:nvPr/>
-        </p:nvPicPr>
-        <p:blipFill>
-          <a:blip r:embed="rId2"/>
-          <a:stretch>
-            <a:fillRect/>
-          </a:stretch>
-        </p:blipFill>
-        <p:spPr bwMode="auto">
-          <a:xfrm>
-            <a:off x="1955800" y="1816100"/>
-            <a:ext cx="8280400" cy="4660900"/>
-          </a:xfrm>
-          <a:prstGeom prst="rect">
-            <a:avLst/>
-          </a:prstGeom>
-          <a:noFill/>
-          <a:ln w="9525">
-            <a:noFill/>
-            <a:headEnd/>
-            <a:tailEnd/>
-          </a:ln>
-        </p:spPr>
-      </p:pic>
+      <mc:AlternateContent xmlns:mc="http://schemas.openxmlformats.org/markup-compatibility/2006">
+        <mc:Choice xmlns:a14="http://schemas.microsoft.com/office/drawing/2010/main" Requires="a14">
+          <p:sp>
+            <p:nvSpPr>
+              <p:cNvPr id="3" name="Content Placeholder 2">
+                <a:extLst>
+                  <a:ext uri="{FF2B5EF4-FFF2-40B4-BE49-F238E27FC236}">
+                    <a16:creationId xmlns:a16="http://schemas.microsoft.com/office/drawing/2014/main" id="{288BC91F-1C76-43AE-8B2A-956D48B768BE}"/>
+                  </a:ext>
+                </a:extLst>
+              </p:cNvPr>
+              <p:cNvSpPr>
+                <a:spLocks noGrp="1"/>
+              </p:cNvSpPr>
+              <p:nvPr>
+                <p:ph idx="1"/>
+              </p:nvPr>
+            </p:nvSpPr>
+            <p:spPr/>
+            <p:txBody>
+              <a:bodyPr/>
+              <a:lstStyle/>
+              <a:p>
+                <a:pPr lvl="0" marL="0" indent="0">
+                  <a:buNone/>
+                </a:pPr>
+                <a14:m>
+                  <m:oMathPara xmlns:m="http://schemas.openxmlformats.org/officeDocument/2006/math">
+                    <m:oMathParaPr>
+                      <m:jc m:val="center"/>
+                    </m:oMathParaPr>
+                    <m:oMath>
+                      <m:r>
+                        <m:t> </m:t>
+                      </m:r>
+                    </m:oMath>
+                  </m:oMathPara>
+                </a14:m>
+              </a:p>
+              <a:p>
+                <a:pPr lvl="0" marL="0" indent="0">
+                  <a:buNone/>
+                </a:pPr>
+                <a:r>
+                  <a:rPr/>
+                  <a:t>Suppose </a:t>
+                </a:r>
+                <a14:m>
+                  <m:oMath xmlns:m="http://schemas.openxmlformats.org/officeDocument/2006/math">
+                    <m:r>
+                      <m:t>n</m:t>
+                    </m:r>
+                    <m:r>
+                      <m:rPr>
+                        <m:sty m:val="p"/>
+                      </m:rPr>
+                      <m:t>=</m:t>
+                    </m:r>
+                    <m:r>
+                      <m:t>6</m:t>
+                    </m:r>
+                  </m:oMath>
+                </a14:m>
+                <a:r>
+                  <a:rPr/>
+                  <a:t>, </a:t>
+                </a:r>
+                <a14:m>
+                  <m:oMath xmlns:m="http://schemas.openxmlformats.org/officeDocument/2006/math">
+                    <m:r>
+                      <m:t>k</m:t>
+                    </m:r>
+                    <m:r>
+                      <m:rPr>
+                        <m:sty m:val="p"/>
+                      </m:rPr>
+                      <m:t>=</m:t>
+                    </m:r>
+                    <m:r>
+                      <m:t>2</m:t>
+                    </m:r>
+                  </m:oMath>
+                </a14:m>
+                <a:r>
+                  <a:rPr/>
+                  <a:t>, then the likelihood becomes</a:t>
+                </a:r>
+              </a:p>
+              <a:p>
+                <a:pPr lvl="0" marL="0" indent="0">
+                  <a:buNone/>
+                </a:pPr>
+                <a14:m>
+                  <m:oMathPara xmlns:m="http://schemas.openxmlformats.org/officeDocument/2006/math">
+                    <m:oMathParaPr>
+                      <m:jc m:val="center"/>
+                    </m:oMathParaPr>
+                    <m:oMath>
+                      <m:r>
+                        <m:t> </m:t>
+                      </m:r>
+                    </m:oMath>
+                  </m:oMathPara>
+                </a14:m>
+              </a:p>
+              <a:p>
+                <a:pPr lvl="0" marL="0" indent="0">
+                  <a:buNone/>
+                </a:pPr>
+                <a14:m>
+                  <m:oMathPara xmlns:m="http://schemas.openxmlformats.org/officeDocument/2006/math">
+                    <m:oMathParaPr>
+                      <m:jc m:val="center"/>
+                    </m:oMathParaPr>
+                    <m:oMath>
+                      <m:r>
+                        <m:t>p</m:t>
+                      </m:r>
+                      <m:d>
+                        <m:dPr>
+                          <m:begChr m:val="("/>
+                          <m:endChr m:val=")"/>
+                          <m:sepChr m:val=""/>
+                          <m:grow/>
+                        </m:dPr>
+                        <m:e>
+                          <m:r>
+                            <m:t>k</m:t>
+                          </m:r>
+                          <m:r>
+                            <m:rPr>
+                              <m:sty m:val="p"/>
+                            </m:rPr>
+                            <m:t>=</m:t>
+                          </m:r>
+                          <m:r>
+                            <m:t>2</m:t>
+                          </m:r>
+                          <m:r>
+                            <m:rPr>
+                              <m:sty m:val="p"/>
+                            </m:rPr>
+                            <m:t>|</m:t>
+                          </m:r>
+                          <m:r>
+                            <m:t>π</m:t>
+                          </m:r>
+                        </m:e>
+                      </m:d>
+                      <m:r>
+                        <m:rPr>
+                          <m:sty m:val="p"/>
+                        </m:rPr>
+                        <m:t>=</m:t>
+                      </m:r>
+                      <m:d>
+                        <m:dPr>
+                          <m:begChr m:val="("/>
+                          <m:endChr m:val=")"/>
+                          <m:sepChr m:val=""/>
+                          <m:grow/>
+                        </m:dPr>
+                        <m:e>
+                          <m:f>
+                            <m:fPr>
+                              <m:type m:val="noBar"/>
+                            </m:fPr>
+                            <m:num>
+                              <m:r>
+                                <m:t>6</m:t>
+                              </m:r>
+                            </m:num>
+                            <m:den>
+                              <m:r>
+                                <m:t>2</m:t>
+                              </m:r>
+                            </m:den>
+                          </m:f>
+                        </m:e>
+                      </m:d>
+                      <m:sSup>
+                        <m:e>
+                          <m:r>
+                            <m:t>π</m:t>
+                          </m:r>
+                        </m:e>
+                        <m:sup>
+                          <m:r>
+                            <m:t>2</m:t>
+                          </m:r>
+                        </m:sup>
+                      </m:sSup>
+                      <m:sSup>
+                        <m:e>
+                          <m:d>
+                            <m:dPr>
+                              <m:begChr m:val="("/>
+                              <m:endChr m:val=")"/>
+                              <m:sepChr m:val=""/>
+                              <m:grow/>
+                            </m:dPr>
+                            <m:e>
+                              <m:r>
+                                <m:t>1</m:t>
+                              </m:r>
+                              <m:r>
+                                <m:rPr>
+                                  <m:sty m:val="p"/>
+                                </m:rPr>
+                                <m:t>−</m:t>
+                              </m:r>
+                              <m:r>
+                                <m:t>π</m:t>
+                              </m:r>
+                            </m:e>
+                          </m:d>
+                        </m:e>
+                        <m:sup>
+                          <m:r>
+                            <m:t>4</m:t>
+                          </m:r>
+                        </m:sup>
+                      </m:sSup>
+                    </m:oMath>
+                  </m:oMathPara>
+                </a14:m>
+              </a:p>
+            </p:txBody>
+          </p:sp>
+        </mc:Choice>
+      </mc:AlternateContent>
     </p:spTree>
   </p:cSld>
 </p:sld>
@@ -7990,298 +8222,6 @@
                 <a:pPr lvl="0" marL="0" indent="0">
                   <a:buNone/>
                 </a:pPr>
-                <a14:m>
-                  <m:oMathPara xmlns:m="http://schemas.openxmlformats.org/officeDocument/2006/math">
-                    <m:oMathParaPr>
-                      <m:jc m:val="center"/>
-                    </m:oMathParaPr>
-                    <m:oMath>
-                      <m:r>
-                        <m:t> </m:t>
-                      </m:r>
-                    </m:oMath>
-                  </m:oMathPara>
-                </a14:m>
-              </a:p>
-              <a:p>
-                <a:pPr lvl="0" marL="0" indent="0">
-                  <a:buNone/>
-                </a:pPr>
-                <a:r>
-                  <a:rPr/>
-                  <a:t>Suppose </a:t>
-                </a:r>
-                <a14:m>
-                  <m:oMath xmlns:m="http://schemas.openxmlformats.org/officeDocument/2006/math">
-                    <m:r>
-                      <m:t>n</m:t>
-                    </m:r>
-                    <m:r>
-                      <m:rPr>
-                        <m:sty m:val="p"/>
-                      </m:rPr>
-                      <m:t>=</m:t>
-                    </m:r>
-                    <m:r>
-                      <m:t>6</m:t>
-                    </m:r>
-                  </m:oMath>
-                </a14:m>
-                <a:r>
-                  <a:rPr/>
-                  <a:t>, </a:t>
-                </a:r>
-                <a14:m>
-                  <m:oMath xmlns:m="http://schemas.openxmlformats.org/officeDocument/2006/math">
-                    <m:r>
-                      <m:t>k</m:t>
-                    </m:r>
-                    <m:r>
-                      <m:rPr>
-                        <m:sty m:val="p"/>
-                      </m:rPr>
-                      <m:t>=</m:t>
-                    </m:r>
-                    <m:r>
-                      <m:t>2</m:t>
-                    </m:r>
-                  </m:oMath>
-                </a14:m>
-                <a:r>
-                  <a:rPr/>
-                  <a:t>, then the likelihood becomes</a:t>
-                </a:r>
-              </a:p>
-              <a:p>
-                <a:pPr lvl="0" marL="0" indent="0">
-                  <a:buNone/>
-                </a:pPr>
-                <a14:m>
-                  <m:oMathPara xmlns:m="http://schemas.openxmlformats.org/officeDocument/2006/math">
-                    <m:oMathParaPr>
-                      <m:jc m:val="center"/>
-                    </m:oMathParaPr>
-                    <m:oMath>
-                      <m:r>
-                        <m:t> </m:t>
-                      </m:r>
-                    </m:oMath>
-                  </m:oMathPara>
-                </a14:m>
-              </a:p>
-              <a:p>
-                <a:pPr lvl="0" marL="0" indent="0">
-                  <a:buNone/>
-                </a:pPr>
-                <a14:m>
-                  <m:oMathPara xmlns:m="http://schemas.openxmlformats.org/officeDocument/2006/math">
-                    <m:oMathParaPr>
-                      <m:jc m:val="center"/>
-                    </m:oMathParaPr>
-                    <m:oMath>
-                      <m:r>
-                        <m:t>p</m:t>
-                      </m:r>
-                      <m:d>
-                        <m:dPr>
-                          <m:begChr m:val="("/>
-                          <m:endChr m:val=")"/>
-                          <m:sepChr m:val=""/>
-                          <m:grow/>
-                        </m:dPr>
-                        <m:e>
-                          <m:r>
-                            <m:t>k</m:t>
-                          </m:r>
-                          <m:r>
-                            <m:rPr>
-                              <m:sty m:val="p"/>
-                            </m:rPr>
-                            <m:t>=</m:t>
-                          </m:r>
-                          <m:r>
-                            <m:t>2</m:t>
-                          </m:r>
-                          <m:r>
-                            <m:rPr>
-                              <m:sty m:val="p"/>
-                            </m:rPr>
-                            <m:t>|</m:t>
-                          </m:r>
-                          <m:r>
-                            <m:t>π</m:t>
-                          </m:r>
-                        </m:e>
-                      </m:d>
-                      <m:r>
-                        <m:rPr>
-                          <m:sty m:val="p"/>
-                        </m:rPr>
-                        <m:t>=</m:t>
-                      </m:r>
-                      <m:d>
-                        <m:dPr>
-                          <m:begChr m:val="("/>
-                          <m:endChr m:val=")"/>
-                          <m:sepChr m:val=""/>
-                          <m:grow/>
-                        </m:dPr>
-                        <m:e>
-                          <m:f>
-                            <m:fPr>
-                              <m:type m:val="noBar"/>
-                            </m:fPr>
-                            <m:num>
-                              <m:r>
-                                <m:t>6</m:t>
-                              </m:r>
-                            </m:num>
-                            <m:den>
-                              <m:r>
-                                <m:t>2</m:t>
-                              </m:r>
-                            </m:den>
-                          </m:f>
-                        </m:e>
-                      </m:d>
-                      <m:sSup>
-                        <m:e>
-                          <m:r>
-                            <m:t>π</m:t>
-                          </m:r>
-                        </m:e>
-                        <m:sup>
-                          <m:r>
-                            <m:t>2</m:t>
-                          </m:r>
-                        </m:sup>
-                      </m:sSup>
-                      <m:sSup>
-                        <m:e>
-                          <m:d>
-                            <m:dPr>
-                              <m:begChr m:val="("/>
-                              <m:endChr m:val=")"/>
-                              <m:sepChr m:val=""/>
-                              <m:grow/>
-                            </m:dPr>
-                            <m:e>
-                              <m:r>
-                                <m:t>1</m:t>
-                              </m:r>
-                              <m:r>
-                                <m:rPr>
-                                  <m:sty m:val="p"/>
-                                </m:rPr>
-                                <m:t>−</m:t>
-                              </m:r>
-                              <m:r>
-                                <m:t>π</m:t>
-                              </m:r>
-                            </m:e>
-                          </m:d>
-                        </m:e>
-                        <m:sup>
-                          <m:r>
-                            <m:t>4</m:t>
-                          </m:r>
-                        </m:sup>
-                      </m:sSup>
-                    </m:oMath>
-                  </m:oMathPara>
-                </a14:m>
-              </a:p>
-            </p:txBody>
-          </p:sp>
-        </mc:Choice>
-      </mc:AlternateContent>
-    </p:spTree>
-  </p:cSld>
-</p:sld>
-</file>
-
-<file path=ppt/slides/slide24.xml><?xml version="1.0" encoding="utf-8"?>
-<p:sld xmlns:a="http://schemas.openxmlformats.org/drawingml/2006/main" xmlns:r="http://schemas.openxmlformats.org/officeDocument/2006/relationships" xmlns:p="http://schemas.openxmlformats.org/presentationml/2006/main">
-  <p:cSld>
-    <p:spTree>
-      <p:nvGrpSpPr>
-        <p:cNvPr id="1" name=""/>
-        <p:cNvGrpSpPr/>
-        <p:nvPr/>
-      </p:nvGrpSpPr>
-      <p:grpSpPr>
-        <a:xfrm>
-          <a:off x="0" y="0"/>
-          <a:ext cx="0" cy="0"/>
-          <a:chOff x="0" y="0"/>
-          <a:chExt cx="0" cy="0"/>
-        </a:xfrm>
-      </p:grpSpPr>
-      <p:sp>
-        <p:nvSpPr>
-          <p:cNvPr id="2" name="Title 1">
-            <a:extLst>
-              <a:ext uri="{FF2B5EF4-FFF2-40B4-BE49-F238E27FC236}">
-                <a16:creationId xmlns:a16="http://schemas.microsoft.com/office/drawing/2014/main" id="{D6AA89D5-560C-4369-A313-7C24EDF028A0}"/>
-              </a:ext>
-            </a:extLst>
-          </p:cNvPr>
-          <p:cNvSpPr>
-            <a:spLocks noGrp="1"/>
-          </p:cNvSpPr>
-          <p:nvPr>
-            <p:ph type="title"/>
-          </p:nvPr>
-        </p:nvSpPr>
-        <p:spPr/>
-        <p:txBody>
-          <a:bodyPr/>
-          <a:lstStyle/>
-          <a:p>
-            <a:pPr lvl="0" marL="0" indent="0">
-              <a:buNone/>
-            </a:pPr>
-            <a:r>
-              <a:rPr/>
-              <a:t>Example</a:t>
-            </a:r>
-            <a:r>
-              <a:rPr/>
-              <a:t> </a:t>
-            </a:r>
-            <a:r>
-              <a:rPr/>
-              <a:t>(cont’d)</a:t>
-            </a:r>
-          </a:p>
-        </p:txBody>
-      </p:sp>
-      <mc:AlternateContent xmlns:mc="http://schemas.openxmlformats.org/markup-compatibility/2006">
-        <mc:Choice xmlns:a14="http://schemas.microsoft.com/office/drawing/2010/main" Requires="a14">
-          <p:sp>
-            <p:nvSpPr>
-              <p:cNvPr id="3" name="Content Placeholder 2">
-                <a:extLst>
-                  <a:ext uri="{FF2B5EF4-FFF2-40B4-BE49-F238E27FC236}">
-                    <a16:creationId xmlns:a16="http://schemas.microsoft.com/office/drawing/2014/main" id="{288BC91F-1C76-43AE-8B2A-956D48B768BE}"/>
-                  </a:ext>
-                </a:extLst>
-              </p:cNvPr>
-              <p:cNvSpPr>
-                <a:spLocks noGrp="1"/>
-              </p:cNvSpPr>
-              <p:nvPr>
-                <p:ph idx="1"/>
-              </p:nvPr>
-            </p:nvSpPr>
-            <p:spPr/>
-            <p:txBody>
-              <a:bodyPr/>
-              <a:lstStyle/>
-              <a:p>
-                <a:pPr lvl="0" marL="0" indent="0">
-                  <a:buNone/>
-                </a:pPr>
                 <a:r>
                   <a:rPr/>
                   <a:t>Given the prior distribution</a:t>
@@ -8652,7 +8592,7 @@
 </p:sld>
 </file>
 
-<file path=ppt/slides/slide25.xml><?xml version="1.0" encoding="utf-8"?>
+<file path=ppt/slides/slide24.xml><?xml version="1.0" encoding="utf-8"?>
 <p:sld xmlns:a="http://schemas.openxmlformats.org/drawingml/2006/main" xmlns:r="http://schemas.openxmlformats.org/officeDocument/2006/relationships" xmlns:p="http://schemas.openxmlformats.org/presentationml/2006/main">
   <p:cSld>
     <p:spTree>
@@ -9600,7 +9540,7 @@
 </p:sld>
 </file>
 
-<file path=ppt/slides/slide26.xml><?xml version="1.0" encoding="utf-8"?>
+<file path=ppt/slides/slide25.xml><?xml version="1.0" encoding="utf-8"?>
 <p:sld xmlns:a="http://schemas.openxmlformats.org/drawingml/2006/main" xmlns:r="http://schemas.openxmlformats.org/officeDocument/2006/relationships" xmlns:p="http://schemas.openxmlformats.org/presentationml/2006/main">
   <p:cSld>
     <p:spTree>
@@ -10428,7 +10368,7 @@
 </p:sld>
 </file>
 
-<file path=ppt/slides/slide27.xml><?xml version="1.0" encoding="utf-8"?>
+<file path=ppt/slides/slide26.xml><?xml version="1.0" encoding="utf-8"?>
 <p:sld xmlns:a="http://schemas.openxmlformats.org/drawingml/2006/main" xmlns:r="http://schemas.openxmlformats.org/officeDocument/2006/relationships" xmlns:p="http://schemas.openxmlformats.org/presentationml/2006/main">
   <p:cSld>
     <p:spTree>
@@ -11230,7 +11170,7 @@
 </p:sld>
 </file>
 
-<file path=ppt/slides/slide28.xml><?xml version="1.0" encoding="utf-8"?>
+<file path=ppt/slides/slide27.xml><?xml version="1.0" encoding="utf-8"?>
 <p:sld xmlns:a="http://schemas.openxmlformats.org/drawingml/2006/main" xmlns:r="http://schemas.openxmlformats.org/officeDocument/2006/relationships" xmlns:p="http://schemas.openxmlformats.org/presentationml/2006/main">
   <p:cSld>
     <p:spTree>
@@ -11717,7 +11657,7 @@
 </p:sld>
 </file>
 
-<file path=ppt/slides/slide29.xml><?xml version="1.0" encoding="utf-8"?>
+<file path=ppt/slides/slide28.xml><?xml version="1.0" encoding="utf-8"?>
 <p:sld xmlns:a="http://schemas.openxmlformats.org/drawingml/2006/main" xmlns:r="http://schemas.openxmlformats.org/officeDocument/2006/relationships" xmlns:p="http://schemas.openxmlformats.org/presentationml/2006/main">
   <p:cSld>
     <p:spTree>
@@ -12154,6 +12094,97 @@
 </p:sld>
 </file>
 
+<file path=ppt/slides/slide29.xml><?xml version="1.0" encoding="utf-8"?>
+<p:sld xmlns:a="http://schemas.openxmlformats.org/drawingml/2006/main" xmlns:r="http://schemas.openxmlformats.org/officeDocument/2006/relationships" xmlns:p="http://schemas.openxmlformats.org/presentationml/2006/main">
+  <p:cSld>
+    <p:spTree>
+      <p:nvGrpSpPr>
+        <p:cNvPr id="1" name=""/>
+        <p:cNvGrpSpPr/>
+        <p:nvPr/>
+      </p:nvGrpSpPr>
+      <p:grpSpPr>
+        <a:xfrm>
+          <a:off x="0" y="0"/>
+          <a:ext cx="0" cy="0"/>
+          <a:chOff x="0" y="0"/>
+          <a:chExt cx="0" cy="0"/>
+        </a:xfrm>
+      </p:grpSpPr>
+      <p:sp>
+        <p:nvSpPr>
+          <p:cNvPr id="2" name="Title 1">
+            <a:extLst>
+              <a:ext uri="{FF2B5EF4-FFF2-40B4-BE49-F238E27FC236}">
+                <a16:creationId xmlns:a16="http://schemas.microsoft.com/office/drawing/2014/main" id="{D6AA89D5-560C-4369-A313-7C24EDF028A0}"/>
+              </a:ext>
+            </a:extLst>
+          </p:cNvPr>
+          <p:cNvSpPr>
+            <a:spLocks noGrp="1"/>
+          </p:cNvSpPr>
+          <p:nvPr>
+            <p:ph type="title"/>
+          </p:nvPr>
+        </p:nvSpPr>
+        <p:spPr/>
+        <p:txBody>
+          <a:bodyPr/>
+          <a:lstStyle/>
+          <a:p>
+            <a:pPr lvl="0" marL="0" indent="0">
+              <a:buNone/>
+            </a:pPr>
+            <a:r>
+              <a:rPr/>
+              <a:t>Example</a:t>
+            </a:r>
+            <a:r>
+              <a:rPr/>
+              <a:t> </a:t>
+            </a:r>
+            <a:r>
+              <a:rPr/>
+              <a:t>(cont’d)</a:t>
+            </a:r>
+          </a:p>
+        </p:txBody>
+      </p:sp>
+      <p:pic>
+        <p:nvPicPr>
+          <p:cNvPr descr="Chanco_STA623_BDA_2022_Henrion_Session2_files/figure-pptx/unnamed-chunk-3-1.png" id="0" name="Picture 1"/>
+          <p:cNvPicPr>
+            <a:picLocks noGrp="1" noChangeAspect="1"/>
+          </p:cNvPicPr>
+          <p:nvPr/>
+        </p:nvPicPr>
+        <p:blipFill>
+          <a:blip r:embed="rId2"/>
+          <a:stretch>
+            <a:fillRect/>
+          </a:stretch>
+        </p:blipFill>
+        <p:spPr bwMode="auto">
+          <a:xfrm>
+            <a:off x="1955800" y="1816100"/>
+            <a:ext cx="8280400" cy="4660900"/>
+          </a:xfrm>
+          <a:prstGeom prst="rect">
+            <a:avLst/>
+          </a:prstGeom>
+          <a:noFill/>
+          <a:ln w="9525">
+            <a:noFill/>
+            <a:headEnd/>
+            <a:tailEnd/>
+          </a:ln>
+        </p:spPr>
+      </p:pic>
+    </p:spTree>
+  </p:cSld>
+</p:sld>
+</file>
+
 <file path=ppt/slides/slide3.xml><?xml version="1.0" encoding="utf-8"?>
 <p:sld xmlns:a="http://schemas.openxmlformats.org/drawingml/2006/main" xmlns:r="http://schemas.openxmlformats.org/officeDocument/2006/relationships" xmlns:p="http://schemas.openxmlformats.org/presentationml/2006/main">
   <p:cSld>
@@ -12380,36 +12411,187 @@
           </a:p>
         </p:txBody>
       </p:sp>
-      <p:pic>
-        <p:nvPicPr>
-          <p:cNvPr descr="Chanco_STA623_BDA_2022_Henrion_Session2_files/figure-pptx/unnamed-chunk-3-1.png" id="0" name="Picture 1"/>
-          <p:cNvPicPr>
-            <a:picLocks noGrp="1" noChangeAspect="1"/>
-          </p:cNvPicPr>
-          <p:nvPr/>
-        </p:nvPicPr>
-        <p:blipFill>
-          <a:blip r:embed="rId2"/>
-          <a:stretch>
-            <a:fillRect/>
-          </a:stretch>
-        </p:blipFill>
-        <p:spPr bwMode="auto">
-          <a:xfrm>
-            <a:off x="1955800" y="1816100"/>
-            <a:ext cx="8280400" cy="4660900"/>
-          </a:xfrm>
-          <a:prstGeom prst="rect">
-            <a:avLst/>
-          </a:prstGeom>
-          <a:noFill/>
-          <a:ln w="9525">
-            <a:noFill/>
-            <a:headEnd/>
-            <a:tailEnd/>
-          </a:ln>
-        </p:spPr>
-      </p:pic>
+      <mc:AlternateContent xmlns:mc="http://schemas.openxmlformats.org/markup-compatibility/2006">
+        <mc:Choice xmlns:a14="http://schemas.microsoft.com/office/drawing/2010/main" Requires="a14">
+          <p:sp>
+            <p:nvSpPr>
+              <p:cNvPr id="3" name="Content Placeholder 2">
+                <a:extLst>
+                  <a:ext uri="{FF2B5EF4-FFF2-40B4-BE49-F238E27FC236}">
+                    <a16:creationId xmlns:a16="http://schemas.microsoft.com/office/drawing/2014/main" id="{288BC91F-1C76-43AE-8B2A-956D48B768BE}"/>
+                  </a:ext>
+                </a:extLst>
+              </p:cNvPr>
+              <p:cNvSpPr>
+                <a:spLocks noGrp="1"/>
+              </p:cNvSpPr>
+              <p:nvPr>
+                <p:ph idx="1"/>
+              </p:nvPr>
+            </p:nvSpPr>
+            <p:spPr/>
+            <p:txBody>
+              <a:bodyPr/>
+              <a:lstStyle/>
+              <a:p>
+                <a:pPr lvl="0" marL="0" indent="0">
+                  <a:buNone/>
+                </a:pPr>
+                <a:r>
+                  <a:rPr/>
+                  <a:t>Unlike frequentist statistics, where we would have obtained a point estimate </a:t>
+                </a:r>
+                <a14:m>
+                  <m:oMath xmlns:m="http://schemas.openxmlformats.org/officeDocument/2006/math">
+                    <m:acc>
+                      <m:accPr>
+                        <m:chr m:val="̂"/>
+                      </m:accPr>
+                      <m:e>
+                        <m:r>
+                          <m:t>π</m:t>
+                        </m:r>
+                      </m:e>
+                    </m:acc>
+                  </m:oMath>
+                </a14:m>
+                <a:r>
+                  <a:rPr/>
+                  <a:t>, Bayesian statistics yield a posterior </a:t>
+                </a:r>
+                <a:r>
+                  <a:rPr i="1"/>
+                  <a:t>distribution</a:t>
+                </a:r>
+                <a:r>
+                  <a:rPr/>
+                  <a:t> for </a:t>
+                </a:r>
+                <a14:m>
+                  <m:oMath xmlns:m="http://schemas.openxmlformats.org/officeDocument/2006/math">
+                    <m:r>
+                      <m:t>π</m:t>
+                    </m:r>
+                  </m:oMath>
+                </a14:m>
+                <a:r>
+                  <a:rPr/>
+                  <a:t>.</a:t>
+                </a:r>
+              </a:p>
+              <a:p>
+                <a:pPr lvl="0" marL="0" indent="0">
+                  <a:buNone/>
+                </a:pPr>
+                <a14:m>
+                  <m:oMathPara xmlns:m="http://schemas.openxmlformats.org/officeDocument/2006/math">
+                    <m:oMathParaPr>
+                      <m:jc m:val="center"/>
+                    </m:oMathParaPr>
+                    <m:oMath>
+                      <m:r>
+                        <m:t> </m:t>
+                      </m:r>
+                    </m:oMath>
+                  </m:oMathPara>
+                </a14:m>
+              </a:p>
+              <a:p>
+                <a:pPr lvl="0" marL="0" indent="0">
+                  <a:buNone/>
+                </a:pPr>
+                <a:r>
+                  <a:rPr/>
+                  <a:t>We can still come up with a point estimate by, e.g., finding the value of </a:t>
+                </a:r>
+                <a14:m>
+                  <m:oMath xmlns:m="http://schemas.openxmlformats.org/officeDocument/2006/math">
+                    <m:r>
+                      <m:t>π</m:t>
+                    </m:r>
+                  </m:oMath>
+                </a14:m>
+                <a:r>
+                  <a:rPr/>
+                  <a:t> for which the posterior distribution achieves its maximum (assuming this exists and is unique). This is called </a:t>
+                </a:r>
+                <a:r>
+                  <a:rPr b="1"/>
+                  <a:t>maximum a posteriori</a:t>
+                </a:r>
+                <a:r>
+                  <a:rPr/>
+                  <a:t> (MAP) estimation.</a:t>
+                </a:r>
+              </a:p>
+              <a:p>
+                <a:pPr lvl="0" marL="0" indent="0">
+                  <a:buNone/>
+                </a:pPr>
+                <a:r>
+                  <a:rPr/>
+                  <a:t>There are other point estimators we could use: e.g. the expectation of the posterior distribution </a:t>
+                </a:r>
+                <a14:m>
+                  <m:oMath xmlns:m="http://schemas.openxmlformats.org/officeDocument/2006/math">
+                    <m:r>
+                      <m:t>E</m:t>
+                    </m:r>
+                    <m:d>
+                      <m:dPr>
+                        <m:begChr m:val="["/>
+                        <m:endChr m:val="]"/>
+                        <m:sepChr m:val=""/>
+                        <m:grow/>
+                      </m:dPr>
+                      <m:e>
+                        <m:r>
+                          <m:t>p</m:t>
+                        </m:r>
+                        <m:d>
+                          <m:dPr>
+                            <m:begChr m:val="("/>
+                            <m:endChr m:val=")"/>
+                            <m:sepChr m:val=""/>
+                            <m:grow/>
+                          </m:dPr>
+                          <m:e>
+                            <m:r>
+                              <m:t>π</m:t>
+                            </m:r>
+                            <m:r>
+                              <m:rPr>
+                                <m:sty m:val="p"/>
+                              </m:rPr>
+                              <m:t>|</m:t>
+                            </m:r>
+                            <m:r>
+                              <m:t>k</m:t>
+                            </m:r>
+                          </m:e>
+                        </m:d>
+                      </m:e>
+                    </m:d>
+                  </m:oMath>
+                </a14:m>
+                <a:r>
+                  <a:rPr/>
+                  <a:t>.</a:t>
+                </a:r>
+              </a:p>
+              <a:p>
+                <a:pPr lvl="0" marL="0" indent="0">
+                  <a:buNone/>
+                </a:pPr>
+                <a:r>
+                  <a:rPr/>
+                  <a:t>We will get back to this later.</a:t>
+                </a:r>
+              </a:p>
+            </p:txBody>
+          </p:sp>
+        </mc:Choice>
+      </mc:AlternateContent>
     </p:spTree>
   </p:cSld>
 </p:sld>
@@ -12499,7 +12681,621 @@
                 </a:pPr>
                 <a:r>
                   <a:rPr/>
-                  <a:t>Unlike frequentist statistics, where we would have obtained a point estimate </a:t>
+                  <a:t>For our example the MAP is achieved for </a:t>
+                </a:r>
+                <a14:m>
+                  <m:oMath xmlns:m="http://schemas.openxmlformats.org/officeDocument/2006/math">
+                    <m:r>
+                      <m:t>π</m:t>
+                    </m:r>
+                    <m:r>
+                      <m:rPr>
+                        <m:sty m:val="p"/>
+                      </m:rPr>
+                      <m:t>=</m:t>
+                    </m:r>
+                    <m:sSub>
+                      <m:e>
+                        <m:acc>
+                          <m:accPr>
+                            <m:chr m:val="̂"/>
+                          </m:accPr>
+                          <m:e>
+                            <m:r>
+                              <m:t>π</m:t>
+                            </m:r>
+                          </m:e>
+                        </m:acc>
+                      </m:e>
+                      <m:sub>
+                        <m:r>
+                          <m:t>M</m:t>
+                        </m:r>
+                        <m:r>
+                          <m:t>A</m:t>
+                        </m:r>
+                        <m:r>
+                          <m:t>P</m:t>
+                        </m:r>
+                      </m:sub>
+                    </m:sSub>
+                  </m:oMath>
+                </a14:m>
+                <a:r>
+                  <a:rPr/>
+                  <a:t> so that </a:t>
+                </a:r>
+                <a14:m>
+                  <m:oMath xmlns:m="http://schemas.openxmlformats.org/officeDocument/2006/math">
+                    <m:f>
+                      <m:fPr>
+                        <m:type m:val="bar"/>
+                      </m:fPr>
+                      <m:num>
+                        <m:r>
+                          <m:t>d</m:t>
+                        </m:r>
+                      </m:num>
+                      <m:den>
+                        <m:r>
+                          <m:t>d</m:t>
+                        </m:r>
+                        <m:r>
+                          <m:t>π</m:t>
+                        </m:r>
+                      </m:den>
+                    </m:f>
+                    <m:r>
+                      <m:t>p</m:t>
+                    </m:r>
+                    <m:d>
+                      <m:dPr>
+                        <m:begChr m:val="("/>
+                        <m:endChr m:val=")"/>
+                        <m:sepChr m:val=""/>
+                        <m:grow/>
+                      </m:dPr>
+                      <m:e>
+                        <m:r>
+                          <m:t>π</m:t>
+                        </m:r>
+                        <m:r>
+                          <m:rPr>
+                            <m:sty m:val="p"/>
+                          </m:rPr>
+                          <m:t>|</m:t>
+                        </m:r>
+                        <m:r>
+                          <m:t>k</m:t>
+                        </m:r>
+                      </m:e>
+                    </m:d>
+                    <m:r>
+                      <m:rPr>
+                        <m:sty m:val="p"/>
+                      </m:rPr>
+                      <m:t>=</m:t>
+                    </m:r>
+                    <m:r>
+                      <m:t>0</m:t>
+                    </m:r>
+                  </m:oMath>
+                </a14:m>
+                <a:r>
+                  <a:rPr/>
+                  <a:t>.</a:t>
+                </a:r>
+              </a:p>
+              <a:p>
+                <a:pPr lvl="0" marL="0" indent="0">
+                  <a:buNone/>
+                </a:pPr>
+                <a14:m>
+                  <m:oMathPara xmlns:m="http://schemas.openxmlformats.org/officeDocument/2006/math">
+                    <m:oMathParaPr>
+                      <m:jc m:val="center"/>
+                    </m:oMathParaPr>
+                    <m:oMath>
+                      <m:f>
+                        <m:fPr>
+                          <m:type m:val="bar"/>
+                        </m:fPr>
+                        <m:num>
+                          <m:r>
+                            <m:t>d</m:t>
+                          </m:r>
+                        </m:num>
+                        <m:den>
+                          <m:r>
+                            <m:t>d</m:t>
+                          </m:r>
+                          <m:r>
+                            <m:t>π</m:t>
+                          </m:r>
+                        </m:den>
+                      </m:f>
+                      <m:r>
+                        <m:t>p</m:t>
+                      </m:r>
+                      <m:d>
+                        <m:dPr>
+                          <m:begChr m:val="("/>
+                          <m:endChr m:val=")"/>
+                          <m:sepChr m:val=""/>
+                          <m:grow/>
+                        </m:dPr>
+                        <m:e>
+                          <m:r>
+                            <m:t>π</m:t>
+                          </m:r>
+                          <m:r>
+                            <m:rPr>
+                              <m:sty m:val="p"/>
+                            </m:rPr>
+                            <m:t>|</m:t>
+                          </m:r>
+                          <m:r>
+                            <m:t>k</m:t>
+                          </m:r>
+                        </m:e>
+                      </m:d>
+                      <m:r>
+                        <m:rPr>
+                          <m:sty m:val="p"/>
+                        </m:rPr>
+                        <m:t>=</m:t>
+                      </m:r>
+                      <m:r>
+                        <m:t>0</m:t>
+                      </m:r>
+                      <m:r>
+                        <m:rPr>
+                          <m:sty m:val="p"/>
+                        </m:rPr>
+                        <m:t>⇔</m:t>
+                      </m:r>
+                      <m:r>
+                        <m:t>π</m:t>
+                      </m:r>
+                      <m:r>
+                        <m:rPr>
+                          <m:sty m:val="p"/>
+                        </m:rPr>
+                        <m:t>=</m:t>
+                      </m:r>
+                      <m:sSub>
+                        <m:e>
+                          <m:r>
+                            <m:t>π</m:t>
+                          </m:r>
+                        </m:e>
+                        <m:sub>
+                          <m:r>
+                            <m:t>M</m:t>
+                          </m:r>
+                          <m:r>
+                            <m:t>A</m:t>
+                          </m:r>
+                          <m:r>
+                            <m:t>P</m:t>
+                          </m:r>
+                        </m:sub>
+                      </m:sSub>
+                      <m:r>
+                        <m:rPr>
+                          <m:sty m:val="p"/>
+                        </m:rPr>
+                        <m:t>=</m:t>
+                      </m:r>
+                      <m:f>
+                        <m:fPr>
+                          <m:type m:val="bar"/>
+                        </m:fPr>
+                        <m:num>
+                          <m:r>
+                            <m:t>a</m:t>
+                          </m:r>
+                          <m:r>
+                            <m:rPr>
+                              <m:sty m:val="p"/>
+                            </m:rPr>
+                            <m:t>+</m:t>
+                          </m:r>
+                          <m:r>
+                            <m:t>k</m:t>
+                          </m:r>
+                          <m:r>
+                            <m:rPr>
+                              <m:sty m:val="p"/>
+                            </m:rPr>
+                            <m:t>−</m:t>
+                          </m:r>
+                          <m:r>
+                            <m:t>1</m:t>
+                          </m:r>
+                        </m:num>
+                        <m:den>
+                          <m:r>
+                            <m:t>a</m:t>
+                          </m:r>
+                          <m:r>
+                            <m:rPr>
+                              <m:sty m:val="p"/>
+                            </m:rPr>
+                            <m:t>+</m:t>
+                          </m:r>
+                          <m:r>
+                            <m:t>b</m:t>
+                          </m:r>
+                          <m:r>
+                            <m:rPr>
+                              <m:sty m:val="p"/>
+                            </m:rPr>
+                            <m:t>+</m:t>
+                          </m:r>
+                          <m:r>
+                            <m:t>n</m:t>
+                          </m:r>
+                          <m:r>
+                            <m:rPr>
+                              <m:sty m:val="p"/>
+                            </m:rPr>
+                            <m:t>−</m:t>
+                          </m:r>
+                          <m:r>
+                            <m:t>2</m:t>
+                          </m:r>
+                        </m:den>
+                      </m:f>
+                    </m:oMath>
+                  </m:oMathPara>
+                </a14:m>
+              </a:p>
+              <a:p>
+                <a:pPr lvl="0" marL="0" indent="0">
+                  <a:buNone/>
+                </a:pPr>
+                <a:r>
+                  <a:rPr/>
+                  <a:t>For </a:t>
+                </a:r>
+                <a14:m>
+                  <m:oMath xmlns:m="http://schemas.openxmlformats.org/officeDocument/2006/math">
+                    <m:r>
+                      <m:t>n</m:t>
+                    </m:r>
+                    <m:r>
+                      <m:rPr>
+                        <m:sty m:val="p"/>
+                      </m:rPr>
+                      <m:t>=</m:t>
+                    </m:r>
+                    <m:r>
+                      <m:t>6</m:t>
+                    </m:r>
+                  </m:oMath>
+                </a14:m>
+                <a:r>
+                  <a:rPr/>
+                  <a:t>, </a:t>
+                </a:r>
+                <a14:m>
+                  <m:oMath xmlns:m="http://schemas.openxmlformats.org/officeDocument/2006/math">
+                    <m:r>
+                      <m:t>k</m:t>
+                    </m:r>
+                    <m:r>
+                      <m:rPr>
+                        <m:sty m:val="p"/>
+                      </m:rPr>
+                      <m:t>=</m:t>
+                    </m:r>
+                    <m:r>
+                      <m:t>2</m:t>
+                    </m:r>
+                  </m:oMath>
+                </a14:m>
+                <a:r>
+                  <a:rPr/>
+                  <a:t>, </a:t>
+                </a:r>
+                <a14:m>
+                  <m:oMath xmlns:m="http://schemas.openxmlformats.org/officeDocument/2006/math">
+                    <m:r>
+                      <m:t>a</m:t>
+                    </m:r>
+                    <m:r>
+                      <m:rPr>
+                        <m:sty m:val="p"/>
+                      </m:rPr>
+                      <m:t>=</m:t>
+                    </m:r>
+                    <m:r>
+                      <m:t>4</m:t>
+                    </m:r>
+                  </m:oMath>
+                </a14:m>
+                <a:r>
+                  <a:rPr/>
+                  <a:t>, </a:t>
+                </a:r>
+                <a14:m>
+                  <m:oMath xmlns:m="http://schemas.openxmlformats.org/officeDocument/2006/math">
+                    <m:r>
+                      <m:t>b</m:t>
+                    </m:r>
+                    <m:r>
+                      <m:rPr>
+                        <m:sty m:val="p"/>
+                      </m:rPr>
+                      <m:t>=</m:t>
+                    </m:r>
+                    <m:r>
+                      <m:t>4</m:t>
+                    </m:r>
+                  </m:oMath>
+                </a14:m>
+                <a:r>
+                  <a:rPr/>
+                  <a:t> this yields </a:t>
+                </a:r>
+                <a14:m>
+                  <m:oMath xmlns:m="http://schemas.openxmlformats.org/officeDocument/2006/math">
+                    <m:sSub>
+                      <m:e>
+                        <m:acc>
+                          <m:accPr>
+                            <m:chr m:val="̂"/>
+                          </m:accPr>
+                          <m:e>
+                            <m:r>
+                              <m:t>π</m:t>
+                            </m:r>
+                          </m:e>
+                        </m:acc>
+                      </m:e>
+                      <m:sub>
+                        <m:r>
+                          <m:t>M</m:t>
+                        </m:r>
+                        <m:r>
+                          <m:t>A</m:t>
+                        </m:r>
+                        <m:r>
+                          <m:t>P</m:t>
+                        </m:r>
+                      </m:sub>
+                    </m:sSub>
+                    <m:r>
+                      <m:rPr>
+                        <m:sty m:val="p"/>
+                      </m:rPr>
+                      <m:t>=</m:t>
+                    </m:r>
+                    <m:r>
+                      <m:t>5</m:t>
+                    </m:r>
+                    <m:r>
+                      <m:rPr>
+                        <m:sty m:val="p"/>
+                      </m:rPr>
+                      <m:t>/</m:t>
+                    </m:r>
+                    <m:r>
+                      <m:t>12</m:t>
+                    </m:r>
+                    <m:r>
+                      <m:rPr>
+                        <m:sty m:val="p"/>
+                      </m:rPr>
+                      <m:t>=</m:t>
+                    </m:r>
+                    <m:r>
+                      <m:t>0.41</m:t>
+                    </m:r>
+                    <m:acc>
+                      <m:accPr>
+                        <m:chr m:val="‾"/>
+                      </m:accPr>
+                      <m:e>
+                        <m:r>
+                          <m:t>66</m:t>
+                        </m:r>
+                      </m:e>
+                    </m:acc>
+                  </m:oMath>
+                </a14:m>
+                <a:r>
+                  <a:rPr/>
+                  <a:t>.</a:t>
+                </a:r>
+              </a:p>
+              <a:p>
+                <a:pPr lvl="0" marL="0" indent="0">
+                  <a:buNone/>
+                </a:pPr>
+                <a:r>
+                  <a:rPr/>
+                  <a:t>The likelihood is maximised at the (frequentist) maximum likelihood estimate </a:t>
+                </a:r>
+                <a14:m>
+                  <m:oMath xmlns:m="http://schemas.openxmlformats.org/officeDocument/2006/math">
+                    <m:sSub>
+                      <m:e>
+                        <m:acc>
+                          <m:accPr>
+                            <m:chr m:val="̂"/>
+                          </m:accPr>
+                          <m:e>
+                            <m:r>
+                              <m:t>π</m:t>
+                            </m:r>
+                          </m:e>
+                        </m:acc>
+                      </m:e>
+                      <m:sub>
+                        <m:r>
+                          <m:t>M</m:t>
+                        </m:r>
+                        <m:r>
+                          <m:t>L</m:t>
+                        </m:r>
+                        <m:r>
+                          <m:t>E</m:t>
+                        </m:r>
+                      </m:sub>
+                    </m:sSub>
+                    <m:r>
+                      <m:rPr>
+                        <m:sty m:val="p"/>
+                      </m:rPr>
+                      <m:t>=</m:t>
+                    </m:r>
+                    <m:f>
+                      <m:fPr>
+                        <m:type m:val="bar"/>
+                      </m:fPr>
+                      <m:num>
+                        <m:r>
+                          <m:t>k</m:t>
+                        </m:r>
+                      </m:num>
+                      <m:den>
+                        <m:r>
+                          <m:t>n</m:t>
+                        </m:r>
+                      </m:den>
+                    </m:f>
+                  </m:oMath>
+                </a14:m>
+                <a:r>
+                  <a:rPr/>
+                  <a:t> which for </a:t>
+                </a:r>
+                <a14:m>
+                  <m:oMath xmlns:m="http://schemas.openxmlformats.org/officeDocument/2006/math">
+                    <m:r>
+                      <m:t>n</m:t>
+                    </m:r>
+                    <m:r>
+                      <m:rPr>
+                        <m:sty m:val="p"/>
+                      </m:rPr>
+                      <m:t>=</m:t>
+                    </m:r>
+                    <m:r>
+                      <m:t>6</m:t>
+                    </m:r>
+                  </m:oMath>
+                </a14:m>
+                <a:r>
+                  <a:rPr/>
+                  <a:t>, </a:t>
+                </a:r>
+                <a14:m>
+                  <m:oMath xmlns:m="http://schemas.openxmlformats.org/officeDocument/2006/math">
+                    <m:r>
+                      <m:t>k</m:t>
+                    </m:r>
+                    <m:r>
+                      <m:rPr>
+                        <m:sty m:val="p"/>
+                      </m:rPr>
+                      <m:t>=</m:t>
+                    </m:r>
+                    <m:r>
+                      <m:t>2</m:t>
+                    </m:r>
+                  </m:oMath>
+                </a14:m>
+                <a:r>
+                  <a:rPr/>
+                  <a:t> is </a:t>
+                </a:r>
+                <a14:m>
+                  <m:oMath xmlns:m="http://schemas.openxmlformats.org/officeDocument/2006/math">
+                    <m:sSub>
+                      <m:e>
+                        <m:acc>
+                          <m:accPr>
+                            <m:chr m:val="̂"/>
+                          </m:accPr>
+                          <m:e>
+                            <m:r>
+                              <m:t>π</m:t>
+                            </m:r>
+                          </m:e>
+                        </m:acc>
+                      </m:e>
+                      <m:sub>
+                        <m:r>
+                          <m:t>M</m:t>
+                        </m:r>
+                        <m:r>
+                          <m:t>L</m:t>
+                        </m:r>
+                        <m:r>
+                          <m:t>E</m:t>
+                        </m:r>
+                      </m:sub>
+                    </m:sSub>
+                    <m:r>
+                      <m:rPr>
+                        <m:sty m:val="p"/>
+                      </m:rPr>
+                      <m:t>=</m:t>
+                    </m:r>
+                    <m:r>
+                      <m:t>2</m:t>
+                    </m:r>
+                    <m:r>
+                      <m:rPr>
+                        <m:sty m:val="p"/>
+                      </m:rPr>
+                      <m:t>/</m:t>
+                    </m:r>
+                    <m:r>
+                      <m:t>6</m:t>
+                    </m:r>
+                    <m:r>
+                      <m:rPr>
+                        <m:sty m:val="p"/>
+                      </m:rPr>
+                      <m:t>=</m:t>
+                    </m:r>
+                    <m:r>
+                      <m:t>0</m:t>
+                    </m:r>
+                    <m:r>
+                      <m:rPr>
+                        <m:sty m:val="p"/>
+                      </m:rPr>
+                      <m:t>.</m:t>
+                    </m:r>
+                    <m:acc>
+                      <m:accPr>
+                        <m:chr m:val="‾"/>
+                      </m:accPr>
+                      <m:e>
+                        <m:r>
+                          <m:t>33</m:t>
+                        </m:r>
+                      </m:e>
+                    </m:acc>
+                  </m:oMath>
+                </a14:m>
+                <a:r>
+                  <a:rPr/>
+                  <a:t>.</a:t>
+                </a:r>
+              </a:p>
+              <a:p>
+                <a:pPr lvl="0" marL="0" indent="0">
+                  <a:buNone/>
+                </a:pPr>
+                <a:r>
+                  <a:rPr/>
+                  <a:t>The prior distribution for this example is maximised at </a:t>
                 </a:r>
                 <a14:m>
                   <m:oMath xmlns:m="http://schemas.openxmlformats.org/officeDocument/2006/math">
@@ -12513,24 +13309,14 @@
                         </m:r>
                       </m:e>
                     </m:acc>
-                  </m:oMath>
-                </a14:m>
-                <a:r>
-                  <a:rPr/>
-                  <a:t>, Bayesian statistics yield a posterior </a:t>
-                </a:r>
-                <a:r>
-                  <a:rPr i="1"/>
-                  <a:t>distribution</a:t>
-                </a:r>
-                <a:r>
-                  <a:rPr/>
-                  <a:t> for </a:t>
-                </a:r>
-                <a14:m>
-                  <m:oMath xmlns:m="http://schemas.openxmlformats.org/officeDocument/2006/math">
-                    <m:r>
-                      <m:t>π</m:t>
+                    <m:r>
+                      <m:rPr>
+                        <m:sty m:val="p"/>
+                      </m:rPr>
+                      <m:t>=</m:t>
+                    </m:r>
+                    <m:r>
+                      <m:t>0.5</m:t>
                     </m:r>
                   </m:oMath>
                 </a14:m>
@@ -12543,109 +13329,9 @@
                 <a:pPr lvl="0" marL="0" indent="0">
                   <a:buNone/>
                 </a:pPr>
-                <a14:m>
-                  <m:oMathPara xmlns:m="http://schemas.openxmlformats.org/officeDocument/2006/math">
-                    <m:oMathParaPr>
-                      <m:jc m:val="center"/>
-                    </m:oMathParaPr>
-                    <m:oMath>
-                      <m:r>
-                        <m:t> </m:t>
-                      </m:r>
-                    </m:oMath>
-                  </m:oMathPara>
-                </a14:m>
-              </a:p>
-              <a:p>
-                <a:pPr lvl="0" marL="0" indent="0">
-                  <a:buNone/>
-                </a:pPr>
-                <a:r>
-                  <a:rPr/>
-                  <a:t>We can still come up with a point estimate by, e.g., finding the value of </a:t>
-                </a:r>
-                <a14:m>
-                  <m:oMath xmlns:m="http://schemas.openxmlformats.org/officeDocument/2006/math">
-                    <m:r>
-                      <m:t>π</m:t>
-                    </m:r>
-                  </m:oMath>
-                </a14:m>
-                <a:r>
-                  <a:rPr/>
-                  <a:t> for which the posterior distribution achieves its maximum (assuming this exists and is unique). This is called </a:t>
-                </a:r>
-                <a:r>
-                  <a:rPr b="1"/>
-                  <a:t>maximum a posteriori</a:t>
-                </a:r>
-                <a:r>
-                  <a:rPr/>
-                  <a:t> (MAP) estimation.</a:t>
-                </a:r>
-              </a:p>
-              <a:p>
-                <a:pPr lvl="0" marL="0" indent="0">
-                  <a:buNone/>
-                </a:pPr>
-                <a:r>
-                  <a:rPr/>
-                  <a:t>There are other point estimators we could use: e.g. the expectation of the posterior distribution </a:t>
-                </a:r>
-                <a14:m>
-                  <m:oMath xmlns:m="http://schemas.openxmlformats.org/officeDocument/2006/math">
-                    <m:r>
-                      <m:t>E</m:t>
-                    </m:r>
-                    <m:d>
-                      <m:dPr>
-                        <m:begChr m:val="["/>
-                        <m:endChr m:val="]"/>
-                        <m:sepChr m:val=""/>
-                        <m:grow/>
-                      </m:dPr>
-                      <m:e>
-                        <m:r>
-                          <m:t>p</m:t>
-                        </m:r>
-                        <m:d>
-                          <m:dPr>
-                            <m:begChr m:val="("/>
-                            <m:endChr m:val=")"/>
-                            <m:sepChr m:val=""/>
-                            <m:grow/>
-                          </m:dPr>
-                          <m:e>
-                            <m:r>
-                              <m:t>π</m:t>
-                            </m:r>
-                            <m:r>
-                              <m:rPr>
-                                <m:sty m:val="p"/>
-                              </m:rPr>
-                              <m:t>|</m:t>
-                            </m:r>
-                            <m:r>
-                              <m:t>k</m:t>
-                            </m:r>
-                          </m:e>
-                        </m:d>
-                      </m:e>
-                    </m:d>
-                  </m:oMath>
-                </a14:m>
-                <a:r>
-                  <a:rPr/>
-                  <a:t>.</a:t>
-                </a:r>
-              </a:p>
-              <a:p>
-                <a:pPr lvl="0" marL="0" indent="0">
-                  <a:buNone/>
-                </a:pPr>
-                <a:r>
-                  <a:rPr/>
-                  <a:t>We will get back to this later.</a:t>
+                <a:r>
+                  <a:rPr/>
+                  <a:t>The data “pushes” the prior distribution towards the likelihood function.</a:t>
                 </a:r>
               </a:p>
             </p:txBody>
@@ -12741,109 +13427,7 @@
                 </a:pPr>
                 <a:r>
                   <a:rPr/>
-                  <a:t>For our example the MAP is achieved for </a:t>
-                </a:r>
-                <a14:m>
-                  <m:oMath xmlns:m="http://schemas.openxmlformats.org/officeDocument/2006/math">
-                    <m:r>
-                      <m:t>π</m:t>
-                    </m:r>
-                    <m:r>
-                      <m:rPr>
-                        <m:sty m:val="p"/>
-                      </m:rPr>
-                      <m:t>=</m:t>
-                    </m:r>
-                    <m:sSub>
-                      <m:e>
-                        <m:acc>
-                          <m:accPr>
-                            <m:chr m:val="̂"/>
-                          </m:accPr>
-                          <m:e>
-                            <m:r>
-                              <m:t>π</m:t>
-                            </m:r>
-                          </m:e>
-                        </m:acc>
-                      </m:e>
-                      <m:sub>
-                        <m:r>
-                          <m:t>M</m:t>
-                        </m:r>
-                        <m:r>
-                          <m:t>A</m:t>
-                        </m:r>
-                        <m:r>
-                          <m:t>P</m:t>
-                        </m:r>
-                      </m:sub>
-                    </m:sSub>
-                  </m:oMath>
-                </a14:m>
-                <a:r>
-                  <a:rPr/>
-                  <a:t> so that </a:t>
-                </a:r>
-                <a14:m>
-                  <m:oMath xmlns:m="http://schemas.openxmlformats.org/officeDocument/2006/math">
-                    <m:f>
-                      <m:fPr>
-                        <m:type m:val="bar"/>
-                      </m:fPr>
-                      <m:num>
-                        <m:r>
-                          <m:t>d</m:t>
-                        </m:r>
-                      </m:num>
-                      <m:den>
-                        <m:r>
-                          <m:t>d</m:t>
-                        </m:r>
-                        <m:r>
-                          <m:t>π</m:t>
-                        </m:r>
-                      </m:den>
-                    </m:f>
-                    <m:r>
-                      <m:t>p</m:t>
-                    </m:r>
-                    <m:d>
-                      <m:dPr>
-                        <m:begChr m:val="("/>
-                        <m:endChr m:val=")"/>
-                        <m:sepChr m:val=""/>
-                        <m:grow/>
-                      </m:dPr>
-                      <m:e>
-                        <m:r>
-                          <m:t>π</m:t>
-                        </m:r>
-                        <m:r>
-                          <m:rPr>
-                            <m:sty m:val="p"/>
-                          </m:rPr>
-                          <m:t>|</m:t>
-                        </m:r>
-                        <m:r>
-                          <m:t>k</m:t>
-                        </m:r>
-                      </m:e>
-                    </m:d>
-                    <m:r>
-                      <m:rPr>
-                        <m:sty m:val="p"/>
-                      </m:rPr>
-                      <m:t>=</m:t>
-                    </m:r>
-                    <m:r>
-                      <m:t>0</m:t>
-                    </m:r>
-                  </m:oMath>
-                </a14:m>
-                <a:r>
-                  <a:rPr/>
-                  <a:t>.</a:t>
+                  <a:t>Now, see what happens if we increase the amount of data, i.e. the number of repeated experiments, assuming the proportion of heads remains the same and keeping the same Beta(4,4) prior.</a:t>
                 </a:r>
               </a:p>
               <a:p>
@@ -12856,157 +13440,167 @@
                       <m:jc m:val="center"/>
                     </m:oMathParaPr>
                     <m:oMath>
-                      <m:f>
-                        <m:fPr>
-                          <m:type m:val="bar"/>
-                        </m:fPr>
-                        <m:num>
-                          <m:r>
-                            <m:t>d</m:t>
-                          </m:r>
-                        </m:num>
-                        <m:den>
-                          <m:r>
-                            <m:t>d</m:t>
-                          </m:r>
-                          <m:r>
-                            <m:t>π</m:t>
-                          </m:r>
-                        </m:den>
-                      </m:f>
                       <m:r>
-                        <m:t>p</m:t>
+                        <m:t> </m:t>
                       </m:r>
-                      <m:d>
-                        <m:dPr>
-                          <m:begChr m:val="("/>
-                          <m:endChr m:val=")"/>
-                          <m:sepChr m:val=""/>
-                          <m:grow/>
-                        </m:dPr>
-                        <m:e>
-                          <m:r>
-                            <m:t>π</m:t>
-                          </m:r>
-                          <m:r>
-                            <m:rPr>
-                              <m:sty m:val="p"/>
-                            </m:rPr>
-                            <m:t>|</m:t>
-                          </m:r>
-                          <m:r>
-                            <m:t>k</m:t>
-                          </m:r>
-                        </m:e>
-                      </m:d>
+                    </m:oMath>
+                  </m:oMathPara>
+                </a14:m>
+              </a:p>
+              <a:p>
+                <a:pPr lvl="1"/>
+                <a:r>
+                  <a:rPr/>
+                  <a:t>For </a:t>
+                </a:r>
+                <a14:m>
+                  <m:oMath xmlns:m="http://schemas.openxmlformats.org/officeDocument/2006/math">
+                    <m:r>
+                      <m:t>n</m:t>
+                    </m:r>
+                    <m:r>
+                      <m:rPr>
+                        <m:sty m:val="p"/>
+                      </m:rPr>
+                      <m:t>=</m:t>
+                    </m:r>
+                    <m:r>
+                      <m:t>6</m:t>
+                    </m:r>
+                  </m:oMath>
+                </a14:m>
+                <a:r>
+                  <a:rPr/>
+                  <a:t>, </a:t>
+                </a:r>
+                <a14:m>
+                  <m:oMath xmlns:m="http://schemas.openxmlformats.org/officeDocument/2006/math">
+                    <m:r>
+                      <m:t>k</m:t>
+                    </m:r>
+                    <m:r>
+                      <m:rPr>
+                        <m:sty m:val="p"/>
+                      </m:rPr>
+                      <m:t>=</m:t>
+                    </m:r>
+                    <m:r>
+                      <m:t>2</m:t>
+                    </m:r>
+                  </m:oMath>
+                </a14:m>
+                <a:r>
+                  <a:rPr/>
+                  <a:t>, the posterior is a Beta(6,8) distribution.</a:t>
+                </a:r>
+              </a:p>
+              <a:p>
+                <a:pPr lvl="1"/>
+                <a:r>
+                  <a:rPr/>
+                  <a:t>For </a:t>
+                </a:r>
+                <a14:m>
+                  <m:oMath xmlns:m="http://schemas.openxmlformats.org/officeDocument/2006/math">
+                    <m:r>
+                      <m:t>n</m:t>
+                    </m:r>
+                    <m:r>
+                      <m:rPr>
+                        <m:sty m:val="p"/>
+                      </m:rPr>
+                      <m:t>=</m:t>
+                    </m:r>
+                    <m:r>
+                      <m:t>12</m:t>
+                    </m:r>
+                  </m:oMath>
+                </a14:m>
+                <a:r>
+                  <a:rPr/>
+                  <a:t>, </a:t>
+                </a:r>
+                <a14:m>
+                  <m:oMath xmlns:m="http://schemas.openxmlformats.org/officeDocument/2006/math">
+                    <m:r>
+                      <m:t>k</m:t>
+                    </m:r>
+                    <m:r>
+                      <m:rPr>
+                        <m:sty m:val="p"/>
+                      </m:rPr>
+                      <m:t>=</m:t>
+                    </m:r>
+                    <m:r>
+                      <m:t>4</m:t>
+                    </m:r>
+                  </m:oMath>
+                </a14:m>
+                <a:r>
+                  <a:rPr/>
+                  <a:t>, the posterior is a Beta(8,12) distribution.</a:t>
+                </a:r>
+              </a:p>
+              <a:p>
+                <a:pPr lvl="1"/>
+                <a:r>
+                  <a:rPr/>
+                  <a:t>For </a:t>
+                </a:r>
+                <a14:m>
+                  <m:oMath xmlns:m="http://schemas.openxmlformats.org/officeDocument/2006/math">
+                    <m:r>
+                      <m:t>n</m:t>
+                    </m:r>
+                    <m:r>
+                      <m:rPr>
+                        <m:sty m:val="p"/>
+                      </m:rPr>
+                      <m:t>=</m:t>
+                    </m:r>
+                    <m:r>
+                      <m:t>60</m:t>
+                    </m:r>
+                  </m:oMath>
+                </a14:m>
+                <a:r>
+                  <a:rPr/>
+                  <a:t>, </a:t>
+                </a:r>
+                <a14:m>
+                  <m:oMath xmlns:m="http://schemas.openxmlformats.org/officeDocument/2006/math">
+                    <m:r>
+                      <m:t>k</m:t>
+                    </m:r>
+                    <m:r>
+                      <m:rPr>
+                        <m:sty m:val="p"/>
+                      </m:rPr>
+                      <m:t>=</m:t>
+                    </m:r>
+                    <m:r>
+                      <m:t>20</m:t>
+                    </m:r>
+                  </m:oMath>
+                </a14:m>
+                <a:r>
+                  <a:rPr/>
+                  <a:t>, the posterior is a Beta(24,44) distribution.</a:t>
+                </a:r>
+              </a:p>
+              <a:p>
+                <a:pPr lvl="0" marL="0" indent="0">
+                  <a:buNone/>
+                </a:pPr>
+                <a14:m>
+                  <m:oMathPara xmlns:m="http://schemas.openxmlformats.org/officeDocument/2006/math">
+                    <m:oMathParaPr>
+                      <m:jc m:val="center"/>
+                    </m:oMathParaPr>
+                    <m:oMath>
                       <m:r>
-                        <m:rPr>
-                          <m:sty m:val="p"/>
-                        </m:rPr>
-                        <m:t>=</m:t>
+                        <m:t> </m:t>
                       </m:r>
-                      <m:r>
-                        <m:t>0</m:t>
-                      </m:r>
-                      <m:r>
-                        <m:rPr>
-                          <m:sty m:val="p"/>
-                        </m:rPr>
-                        <m:t>⇔</m:t>
-                      </m:r>
-                      <m:r>
-                        <m:t>π</m:t>
-                      </m:r>
-                      <m:r>
-                        <m:rPr>
-                          <m:sty m:val="p"/>
-                        </m:rPr>
-                        <m:t>=</m:t>
-                      </m:r>
-                      <m:sSub>
-                        <m:e>
-                          <m:r>
-                            <m:t>π</m:t>
-                          </m:r>
-                        </m:e>
-                        <m:sub>
-                          <m:r>
-                            <m:t>M</m:t>
-                          </m:r>
-                          <m:r>
-                            <m:t>A</m:t>
-                          </m:r>
-                          <m:r>
-                            <m:t>P</m:t>
-                          </m:r>
-                        </m:sub>
-                      </m:sSub>
-                      <m:r>
-                        <m:rPr>
-                          <m:sty m:val="p"/>
-                        </m:rPr>
-                        <m:t>=</m:t>
-                      </m:r>
-                      <m:f>
-                        <m:fPr>
-                          <m:type m:val="bar"/>
-                        </m:fPr>
-                        <m:num>
-                          <m:r>
-                            <m:t>a</m:t>
-                          </m:r>
-                          <m:r>
-                            <m:rPr>
-                              <m:sty m:val="p"/>
-                            </m:rPr>
-                            <m:t>+</m:t>
-                          </m:r>
-                          <m:r>
-                            <m:t>k</m:t>
-                          </m:r>
-                          <m:r>
-                            <m:rPr>
-                              <m:sty m:val="p"/>
-                            </m:rPr>
-                            <m:t>−</m:t>
-                          </m:r>
-                          <m:r>
-                            <m:t>1</m:t>
-                          </m:r>
-                        </m:num>
-                        <m:den>
-                          <m:r>
-                            <m:t>a</m:t>
-                          </m:r>
-                          <m:r>
-                            <m:rPr>
-                              <m:sty m:val="p"/>
-                            </m:rPr>
-                            <m:t>+</m:t>
-                          </m:r>
-                          <m:r>
-                            <m:t>b</m:t>
-                          </m:r>
-                          <m:r>
-                            <m:rPr>
-                              <m:sty m:val="p"/>
-                            </m:rPr>
-                            <m:t>+</m:t>
-                          </m:r>
-                          <m:r>
-                            <m:t>n</m:t>
-                          </m:r>
-                          <m:r>
-                            <m:rPr>
-                              <m:sty m:val="p"/>
-                            </m:rPr>
-                            <m:t>−</m:t>
-                          </m:r>
-                          <m:r>
-                            <m:t>2</m:t>
-                          </m:r>
-                        </m:den>
-                      </m:f>
                     </m:oMath>
                   </m:oMathPara>
                 </a14:m>
@@ -13017,381 +13611,7 @@
                 </a:pPr>
                 <a:r>
                   <a:rPr/>
-                  <a:t>For </a:t>
-                </a:r>
-                <a14:m>
-                  <m:oMath xmlns:m="http://schemas.openxmlformats.org/officeDocument/2006/math">
-                    <m:r>
-                      <m:t>n</m:t>
-                    </m:r>
-                    <m:r>
-                      <m:rPr>
-                        <m:sty m:val="p"/>
-                      </m:rPr>
-                      <m:t>=</m:t>
-                    </m:r>
-                    <m:r>
-                      <m:t>6</m:t>
-                    </m:r>
-                  </m:oMath>
-                </a14:m>
-                <a:r>
-                  <a:rPr/>
-                  <a:t>, </a:t>
-                </a:r>
-                <a14:m>
-                  <m:oMath xmlns:m="http://schemas.openxmlformats.org/officeDocument/2006/math">
-                    <m:r>
-                      <m:t>k</m:t>
-                    </m:r>
-                    <m:r>
-                      <m:rPr>
-                        <m:sty m:val="p"/>
-                      </m:rPr>
-                      <m:t>=</m:t>
-                    </m:r>
-                    <m:r>
-                      <m:t>2</m:t>
-                    </m:r>
-                  </m:oMath>
-                </a14:m>
-                <a:r>
-                  <a:rPr/>
-                  <a:t>, </a:t>
-                </a:r>
-                <a14:m>
-                  <m:oMath xmlns:m="http://schemas.openxmlformats.org/officeDocument/2006/math">
-                    <m:r>
-                      <m:t>a</m:t>
-                    </m:r>
-                    <m:r>
-                      <m:rPr>
-                        <m:sty m:val="p"/>
-                      </m:rPr>
-                      <m:t>=</m:t>
-                    </m:r>
-                    <m:r>
-                      <m:t>4</m:t>
-                    </m:r>
-                  </m:oMath>
-                </a14:m>
-                <a:r>
-                  <a:rPr/>
-                  <a:t>, </a:t>
-                </a:r>
-                <a14:m>
-                  <m:oMath xmlns:m="http://schemas.openxmlformats.org/officeDocument/2006/math">
-                    <m:r>
-                      <m:t>b</m:t>
-                    </m:r>
-                    <m:r>
-                      <m:rPr>
-                        <m:sty m:val="p"/>
-                      </m:rPr>
-                      <m:t>=</m:t>
-                    </m:r>
-                    <m:r>
-                      <m:t>4</m:t>
-                    </m:r>
-                  </m:oMath>
-                </a14:m>
-                <a:r>
-                  <a:rPr/>
-                  <a:t> this yields </a:t>
-                </a:r>
-                <a14:m>
-                  <m:oMath xmlns:m="http://schemas.openxmlformats.org/officeDocument/2006/math">
-                    <m:sSub>
-                      <m:e>
-                        <m:acc>
-                          <m:accPr>
-                            <m:chr m:val="̂"/>
-                          </m:accPr>
-                          <m:e>
-                            <m:r>
-                              <m:t>π</m:t>
-                            </m:r>
-                          </m:e>
-                        </m:acc>
-                      </m:e>
-                      <m:sub>
-                        <m:r>
-                          <m:t>M</m:t>
-                        </m:r>
-                        <m:r>
-                          <m:t>A</m:t>
-                        </m:r>
-                        <m:r>
-                          <m:t>P</m:t>
-                        </m:r>
-                      </m:sub>
-                    </m:sSub>
-                    <m:r>
-                      <m:rPr>
-                        <m:sty m:val="p"/>
-                      </m:rPr>
-                      <m:t>=</m:t>
-                    </m:r>
-                    <m:r>
-                      <m:t>5</m:t>
-                    </m:r>
-                    <m:r>
-                      <m:rPr>
-                        <m:sty m:val="p"/>
-                      </m:rPr>
-                      <m:t>/</m:t>
-                    </m:r>
-                    <m:r>
-                      <m:t>12</m:t>
-                    </m:r>
-                    <m:r>
-                      <m:rPr>
-                        <m:sty m:val="p"/>
-                      </m:rPr>
-                      <m:t>=</m:t>
-                    </m:r>
-                    <m:r>
-                      <m:t>0.41</m:t>
-                    </m:r>
-                    <m:acc>
-                      <m:accPr>
-                        <m:chr m:val="‾"/>
-                      </m:accPr>
-                      <m:e>
-                        <m:r>
-                          <m:t>66</m:t>
-                        </m:r>
-                      </m:e>
-                    </m:acc>
-                  </m:oMath>
-                </a14:m>
-                <a:r>
-                  <a:rPr/>
-                  <a:t>.</a:t>
-                </a:r>
-              </a:p>
-              <a:p>
-                <a:pPr lvl="0" marL="0" indent="0">
-                  <a:buNone/>
-                </a:pPr>
-                <a:r>
-                  <a:rPr/>
-                  <a:t>The likelihood is maximised at the (frequentist) maximum likelihood estimate </a:t>
-                </a:r>
-                <a14:m>
-                  <m:oMath xmlns:m="http://schemas.openxmlformats.org/officeDocument/2006/math">
-                    <m:sSub>
-                      <m:e>
-                        <m:acc>
-                          <m:accPr>
-                            <m:chr m:val="̂"/>
-                          </m:accPr>
-                          <m:e>
-                            <m:r>
-                              <m:t>π</m:t>
-                            </m:r>
-                          </m:e>
-                        </m:acc>
-                      </m:e>
-                      <m:sub>
-                        <m:r>
-                          <m:t>M</m:t>
-                        </m:r>
-                        <m:r>
-                          <m:t>L</m:t>
-                        </m:r>
-                        <m:r>
-                          <m:t>E</m:t>
-                        </m:r>
-                      </m:sub>
-                    </m:sSub>
-                    <m:r>
-                      <m:rPr>
-                        <m:sty m:val="p"/>
-                      </m:rPr>
-                      <m:t>=</m:t>
-                    </m:r>
-                    <m:f>
-                      <m:fPr>
-                        <m:type m:val="bar"/>
-                      </m:fPr>
-                      <m:num>
-                        <m:r>
-                          <m:t>k</m:t>
-                        </m:r>
-                      </m:num>
-                      <m:den>
-                        <m:r>
-                          <m:t>n</m:t>
-                        </m:r>
-                      </m:den>
-                    </m:f>
-                  </m:oMath>
-                </a14:m>
-                <a:r>
-                  <a:rPr/>
-                  <a:t> which for </a:t>
-                </a:r>
-                <a14:m>
-                  <m:oMath xmlns:m="http://schemas.openxmlformats.org/officeDocument/2006/math">
-                    <m:r>
-                      <m:t>n</m:t>
-                    </m:r>
-                    <m:r>
-                      <m:rPr>
-                        <m:sty m:val="p"/>
-                      </m:rPr>
-                      <m:t>=</m:t>
-                    </m:r>
-                    <m:r>
-                      <m:t>6</m:t>
-                    </m:r>
-                  </m:oMath>
-                </a14:m>
-                <a:r>
-                  <a:rPr/>
-                  <a:t>, </a:t>
-                </a:r>
-                <a14:m>
-                  <m:oMath xmlns:m="http://schemas.openxmlformats.org/officeDocument/2006/math">
-                    <m:r>
-                      <m:t>k</m:t>
-                    </m:r>
-                    <m:r>
-                      <m:rPr>
-                        <m:sty m:val="p"/>
-                      </m:rPr>
-                      <m:t>=</m:t>
-                    </m:r>
-                    <m:r>
-                      <m:t>2</m:t>
-                    </m:r>
-                  </m:oMath>
-                </a14:m>
-                <a:r>
-                  <a:rPr/>
-                  <a:t> is </a:t>
-                </a:r>
-                <a14:m>
-                  <m:oMath xmlns:m="http://schemas.openxmlformats.org/officeDocument/2006/math">
-                    <m:sSub>
-                      <m:e>
-                        <m:acc>
-                          <m:accPr>
-                            <m:chr m:val="̂"/>
-                          </m:accPr>
-                          <m:e>
-                            <m:r>
-                              <m:t>π</m:t>
-                            </m:r>
-                          </m:e>
-                        </m:acc>
-                      </m:e>
-                      <m:sub>
-                        <m:r>
-                          <m:t>M</m:t>
-                        </m:r>
-                        <m:r>
-                          <m:t>L</m:t>
-                        </m:r>
-                        <m:r>
-                          <m:t>E</m:t>
-                        </m:r>
-                      </m:sub>
-                    </m:sSub>
-                    <m:r>
-                      <m:rPr>
-                        <m:sty m:val="p"/>
-                      </m:rPr>
-                      <m:t>=</m:t>
-                    </m:r>
-                    <m:r>
-                      <m:t>2</m:t>
-                    </m:r>
-                    <m:r>
-                      <m:rPr>
-                        <m:sty m:val="p"/>
-                      </m:rPr>
-                      <m:t>/</m:t>
-                    </m:r>
-                    <m:r>
-                      <m:t>6</m:t>
-                    </m:r>
-                    <m:r>
-                      <m:rPr>
-                        <m:sty m:val="p"/>
-                      </m:rPr>
-                      <m:t>=</m:t>
-                    </m:r>
-                    <m:r>
-                      <m:t>0</m:t>
-                    </m:r>
-                    <m:r>
-                      <m:rPr>
-                        <m:sty m:val="p"/>
-                      </m:rPr>
-                      <m:t>.</m:t>
-                    </m:r>
-                    <m:acc>
-                      <m:accPr>
-                        <m:chr m:val="‾"/>
-                      </m:accPr>
-                      <m:e>
-                        <m:r>
-                          <m:t>33</m:t>
-                        </m:r>
-                      </m:e>
-                    </m:acc>
-                  </m:oMath>
-                </a14:m>
-                <a:r>
-                  <a:rPr/>
-                  <a:t>.</a:t>
-                </a:r>
-              </a:p>
-              <a:p>
-                <a:pPr lvl="0" marL="0" indent="0">
-                  <a:buNone/>
-                </a:pPr>
-                <a:r>
-                  <a:rPr/>
-                  <a:t>The prior distribution for this example is maximised at </a:t>
-                </a:r>
-                <a14:m>
-                  <m:oMath xmlns:m="http://schemas.openxmlformats.org/officeDocument/2006/math">
-                    <m:acc>
-                      <m:accPr>
-                        <m:chr m:val="̂"/>
-                      </m:accPr>
-                      <m:e>
-                        <m:r>
-                          <m:t>π</m:t>
-                        </m:r>
-                      </m:e>
-                    </m:acc>
-                    <m:r>
-                      <m:rPr>
-                        <m:sty m:val="p"/>
-                      </m:rPr>
-                      <m:t>=</m:t>
-                    </m:r>
-                    <m:r>
-                      <m:t>0.5</m:t>
-                    </m:r>
-                  </m:oMath>
-                </a14:m>
-                <a:r>
-                  <a:rPr/>
-                  <a:t>.</a:t>
-                </a:r>
-              </a:p>
-              <a:p>
-                <a:pPr lvl="0" marL="0" indent="0">
-                  <a:buNone/>
-                </a:pPr>
-                <a:r>
-                  <a:rPr/>
-                  <a:t>The data “pushes” the prior distribution towards the likelihood function.</a:t>
+                  <a:t>The posterior becomes more and more indistinguishable from the likelihood: the more data there is, the less important the prior becomes – the likelihood dominates.</a:t>
                 </a:r>
               </a:p>
             </p:txBody>
@@ -13459,225 +13679,36 @@
           </a:p>
         </p:txBody>
       </p:sp>
-      <mc:AlternateContent xmlns:mc="http://schemas.openxmlformats.org/markup-compatibility/2006">
-        <mc:Choice xmlns:a14="http://schemas.microsoft.com/office/drawing/2010/main" Requires="a14">
-          <p:sp>
-            <p:nvSpPr>
-              <p:cNvPr id="3" name="Content Placeholder 2">
-                <a:extLst>
-                  <a:ext uri="{FF2B5EF4-FFF2-40B4-BE49-F238E27FC236}">
-                    <a16:creationId xmlns:a16="http://schemas.microsoft.com/office/drawing/2014/main" id="{288BC91F-1C76-43AE-8B2A-956D48B768BE}"/>
-                  </a:ext>
-                </a:extLst>
-              </p:cNvPr>
-              <p:cNvSpPr>
-                <a:spLocks noGrp="1"/>
-              </p:cNvSpPr>
-              <p:nvPr>
-                <p:ph idx="1"/>
-              </p:nvPr>
-            </p:nvSpPr>
-            <p:spPr/>
-            <p:txBody>
-              <a:bodyPr/>
-              <a:lstStyle/>
-              <a:p>
-                <a:pPr lvl="0" marL="0" indent="0">
-                  <a:buNone/>
-                </a:pPr>
-                <a:r>
-                  <a:rPr/>
-                  <a:t>Now, see what happens if we increase the amount of data, i.e. the number of repeated experiments, assuming the proportion of heads remains the same and keeping the same Beta(4,4) prior.</a:t>
-                </a:r>
-              </a:p>
-              <a:p>
-                <a:pPr lvl="0" marL="0" indent="0">
-                  <a:buNone/>
-                </a:pPr>
-                <a14:m>
-                  <m:oMathPara xmlns:m="http://schemas.openxmlformats.org/officeDocument/2006/math">
-                    <m:oMathParaPr>
-                      <m:jc m:val="center"/>
-                    </m:oMathParaPr>
-                    <m:oMath>
-                      <m:r>
-                        <m:t> </m:t>
-                      </m:r>
-                    </m:oMath>
-                  </m:oMathPara>
-                </a14:m>
-              </a:p>
-              <a:p>
-                <a:pPr lvl="1"/>
-                <a:r>
-                  <a:rPr/>
-                  <a:t>For </a:t>
-                </a:r>
-                <a14:m>
-                  <m:oMath xmlns:m="http://schemas.openxmlformats.org/officeDocument/2006/math">
-                    <m:r>
-                      <m:t>n</m:t>
-                    </m:r>
-                    <m:r>
-                      <m:rPr>
-                        <m:sty m:val="p"/>
-                      </m:rPr>
-                      <m:t>=</m:t>
-                    </m:r>
-                    <m:r>
-                      <m:t>6</m:t>
-                    </m:r>
-                  </m:oMath>
-                </a14:m>
-                <a:r>
-                  <a:rPr/>
-                  <a:t>, </a:t>
-                </a:r>
-                <a14:m>
-                  <m:oMath xmlns:m="http://schemas.openxmlformats.org/officeDocument/2006/math">
-                    <m:r>
-                      <m:t>k</m:t>
-                    </m:r>
-                    <m:r>
-                      <m:rPr>
-                        <m:sty m:val="p"/>
-                      </m:rPr>
-                      <m:t>=</m:t>
-                    </m:r>
-                    <m:r>
-                      <m:t>2</m:t>
-                    </m:r>
-                  </m:oMath>
-                </a14:m>
-                <a:r>
-                  <a:rPr/>
-                  <a:t>, the posterior is a Beta(6,8) distribution.</a:t>
-                </a:r>
-              </a:p>
-              <a:p>
-                <a:pPr lvl="1"/>
-                <a:r>
-                  <a:rPr/>
-                  <a:t>For </a:t>
-                </a:r>
-                <a14:m>
-                  <m:oMath xmlns:m="http://schemas.openxmlformats.org/officeDocument/2006/math">
-                    <m:r>
-                      <m:t>n</m:t>
-                    </m:r>
-                    <m:r>
-                      <m:rPr>
-                        <m:sty m:val="p"/>
-                      </m:rPr>
-                      <m:t>=</m:t>
-                    </m:r>
-                    <m:r>
-                      <m:t>12</m:t>
-                    </m:r>
-                  </m:oMath>
-                </a14:m>
-                <a:r>
-                  <a:rPr/>
-                  <a:t>, </a:t>
-                </a:r>
-                <a14:m>
-                  <m:oMath xmlns:m="http://schemas.openxmlformats.org/officeDocument/2006/math">
-                    <m:r>
-                      <m:t>k</m:t>
-                    </m:r>
-                    <m:r>
-                      <m:rPr>
-                        <m:sty m:val="p"/>
-                      </m:rPr>
-                      <m:t>=</m:t>
-                    </m:r>
-                    <m:r>
-                      <m:t>4</m:t>
-                    </m:r>
-                  </m:oMath>
-                </a14:m>
-                <a:r>
-                  <a:rPr/>
-                  <a:t>, the posterior is a Beta(8,12) distribution.</a:t>
-                </a:r>
-              </a:p>
-              <a:p>
-                <a:pPr lvl="1"/>
-                <a:r>
-                  <a:rPr/>
-                  <a:t>For </a:t>
-                </a:r>
-                <a14:m>
-                  <m:oMath xmlns:m="http://schemas.openxmlformats.org/officeDocument/2006/math">
-                    <m:r>
-                      <m:t>n</m:t>
-                    </m:r>
-                    <m:r>
-                      <m:rPr>
-                        <m:sty m:val="p"/>
-                      </m:rPr>
-                      <m:t>=</m:t>
-                    </m:r>
-                    <m:r>
-                      <m:t>60</m:t>
-                    </m:r>
-                  </m:oMath>
-                </a14:m>
-                <a:r>
-                  <a:rPr/>
-                  <a:t>, </a:t>
-                </a:r>
-                <a14:m>
-                  <m:oMath xmlns:m="http://schemas.openxmlformats.org/officeDocument/2006/math">
-                    <m:r>
-                      <m:t>k</m:t>
-                    </m:r>
-                    <m:r>
-                      <m:rPr>
-                        <m:sty m:val="p"/>
-                      </m:rPr>
-                      <m:t>=</m:t>
-                    </m:r>
-                    <m:r>
-                      <m:t>20</m:t>
-                    </m:r>
-                  </m:oMath>
-                </a14:m>
-                <a:r>
-                  <a:rPr/>
-                  <a:t>, the posterior is a Beta(24,44) distribution.</a:t>
-                </a:r>
-              </a:p>
-              <a:p>
-                <a:pPr lvl="0" marL="0" indent="0">
-                  <a:buNone/>
-                </a:pPr>
-                <a14:m>
-                  <m:oMathPara xmlns:m="http://schemas.openxmlformats.org/officeDocument/2006/math">
-                    <m:oMathParaPr>
-                      <m:jc m:val="center"/>
-                    </m:oMathParaPr>
-                    <m:oMath>
-                      <m:r>
-                        <m:t> </m:t>
-                      </m:r>
-                    </m:oMath>
-                  </m:oMathPara>
-                </a14:m>
-              </a:p>
-              <a:p>
-                <a:pPr lvl="0" marL="0" indent="0">
-                  <a:buNone/>
-                </a:pPr>
-                <a:r>
-                  <a:rPr/>
-                  <a:t>The posterior becomes more and more indistinguishable from the likelihood: the more data there is, the less important the prior becomes – the likelihood dominates.</a:t>
-                </a:r>
-              </a:p>
-            </p:txBody>
-          </p:sp>
-        </mc:Choice>
-      </mc:AlternateContent>
+      <p:pic>
+        <p:nvPicPr>
+          <p:cNvPr descr="Chanco_STA623_BDA_2022_Henrion_Session2_files/figure-pptx/unnamed-chunk-4-1.png" id="0" name="Picture 1"/>
+          <p:cNvPicPr>
+            <a:picLocks noGrp="1" noChangeAspect="1"/>
+          </p:cNvPicPr>
+          <p:nvPr/>
+        </p:nvPicPr>
+        <p:blipFill>
+          <a:blip r:embed="rId2"/>
+          <a:stretch>
+            <a:fillRect/>
+          </a:stretch>
+        </p:blipFill>
+        <p:spPr bwMode="auto">
+          <a:xfrm>
+            <a:off x="1955800" y="1816100"/>
+            <a:ext cx="8280400" cy="4660900"/>
+          </a:xfrm>
+          <a:prstGeom prst="rect">
+            <a:avLst/>
+          </a:prstGeom>
+          <a:noFill/>
+          <a:ln w="9525">
+            <a:noFill/>
+            <a:headEnd/>
+            <a:tailEnd/>
+          </a:ln>
+        </p:spPr>
+      </p:pic>
     </p:spTree>
   </p:cSld>
 </p:sld>
@@ -13734,14 +13765,86 @@
             </a:r>
             <a:r>
               <a:rPr/>
-              <a:t>(cont’d)</a:t>
+              <a:t>(cont’d):</a:t>
+            </a:r>
+            <a:r>
+              <a:rPr/>
+              <a:t> </a:t>
+            </a:r>
+            <a:r>
+              <a:rPr/>
+              <a:t>posteriors</a:t>
+            </a:r>
+            <a:r>
+              <a:rPr/>
+              <a:t> </a:t>
+            </a:r>
+            <a:r>
+              <a:rPr/>
+              <a:t>for</a:t>
+            </a:r>
+            <a:r>
+              <a:rPr/>
+              <a:t> </a:t>
+            </a:r>
+            <a:r>
+              <a:rPr/>
+              <a:t>4</a:t>
+            </a:r>
+            <a:r>
+              <a:rPr/>
+              <a:t> </a:t>
+            </a:r>
+            <a:r>
+              <a:rPr/>
+              <a:t>different</a:t>
+            </a:r>
+            <a:r>
+              <a:rPr/>
+              <a:t> </a:t>
+            </a:r>
+            <a:r>
+              <a:rPr/>
+              <a:t>prior</a:t>
+            </a:r>
+            <a:r>
+              <a:rPr/>
+              <a:t> </a:t>
+            </a:r>
+            <a:r>
+              <a:rPr/>
+              <a:t>&amp;</a:t>
+            </a:r>
+            <a:r>
+              <a:rPr/>
+              <a:t> </a:t>
+            </a:r>
+            <a:r>
+              <a:rPr/>
+              <a:t>sample</a:t>
+            </a:r>
+            <a:r>
+              <a:rPr/>
+              <a:t> </a:t>
+            </a:r>
+            <a:r>
+              <a:rPr/>
+              <a:t>size</a:t>
+            </a:r>
+            <a:r>
+              <a:rPr/>
+              <a:t> </a:t>
+            </a:r>
+            <a:r>
+              <a:rPr/>
+              <a:t>combinations</a:t>
             </a:r>
           </a:p>
         </p:txBody>
       </p:sp>
       <p:pic>
         <p:nvPicPr>
-          <p:cNvPr descr="Chanco_STA623_BDA_2022_Henrion_Session2_files/figure-pptx/unnamed-chunk-4-1.png" id="0" name="Picture 1"/>
+          <p:cNvPr descr="Chanco_STA623_BDA_2022_Henrion_Session2_files/figure-pptx/unnamed-chunk-5-1.png" id="0" name="Picture 1"/>
           <p:cNvPicPr>
             <a:picLocks noGrp="1" noChangeAspect="1"/>
           </p:cNvPicPr>
@@ -13819,119 +13922,61 @@
               <a:rPr/>
               <a:t>Example</a:t>
             </a:r>
-            <a:r>
-              <a:rPr/>
-              <a:t> </a:t>
-            </a:r>
-            <a:r>
-              <a:rPr/>
-              <a:t>(cont’d):</a:t>
-            </a:r>
-            <a:r>
-              <a:rPr/>
-              <a:t> </a:t>
-            </a:r>
-            <a:r>
-              <a:rPr/>
-              <a:t>posteriors</a:t>
-            </a:r>
-            <a:r>
-              <a:rPr/>
-              <a:t> </a:t>
-            </a:r>
-            <a:r>
-              <a:rPr/>
-              <a:t>for</a:t>
-            </a:r>
-            <a:r>
-              <a:rPr/>
-              <a:t> </a:t>
-            </a:r>
-            <a:r>
-              <a:rPr/>
-              <a:t>4</a:t>
-            </a:r>
-            <a:r>
-              <a:rPr/>
-              <a:t> </a:t>
-            </a:r>
-            <a:r>
-              <a:rPr/>
-              <a:t>different</a:t>
-            </a:r>
-            <a:r>
-              <a:rPr/>
-              <a:t> </a:t>
-            </a:r>
-            <a:r>
-              <a:rPr/>
-              <a:t>prior</a:t>
-            </a:r>
-            <a:r>
-              <a:rPr/>
-              <a:t> </a:t>
-            </a:r>
-            <a:r>
-              <a:rPr/>
-              <a:t>&amp;</a:t>
-            </a:r>
-            <a:r>
-              <a:rPr/>
-              <a:t> </a:t>
-            </a:r>
-            <a:r>
-              <a:rPr/>
-              <a:t>sample</a:t>
-            </a:r>
-            <a:r>
-              <a:rPr/>
-              <a:t> </a:t>
-            </a:r>
-            <a:r>
-              <a:rPr/>
-              <a:t>size</a:t>
-            </a:r>
-            <a:r>
-              <a:rPr/>
-              <a:t> </a:t>
-            </a:r>
-            <a:r>
-              <a:rPr/>
-              <a:t>combinations</a:t>
-            </a:r>
           </a:p>
         </p:txBody>
       </p:sp>
-      <p:pic>
-        <p:nvPicPr>
-          <p:cNvPr descr="Chanco_STA623_BDA_2022_Henrion_Session2_files/figure-pptx/unnamed-chunk-5-1.png" id="0" name="Picture 1"/>
-          <p:cNvPicPr>
-            <a:picLocks noGrp="1" noChangeAspect="1"/>
-          </p:cNvPicPr>
-          <p:nvPr/>
-        </p:nvPicPr>
-        <p:blipFill>
-          <a:blip r:embed="rId2"/>
-          <a:stretch>
-            <a:fillRect/>
-          </a:stretch>
-        </p:blipFill>
-        <p:spPr bwMode="auto">
-          <a:xfrm>
-            <a:off x="1955800" y="1816100"/>
-            <a:ext cx="8280400" cy="4660900"/>
-          </a:xfrm>
-          <a:prstGeom prst="rect">
-            <a:avLst/>
-          </a:prstGeom>
-          <a:noFill/>
-          <a:ln w="9525">
-            <a:noFill/>
-            <a:headEnd/>
-            <a:tailEnd/>
-          </a:ln>
-        </p:spPr>
-      </p:pic>
+      <mc:AlternateContent xmlns:mc="http://schemas.openxmlformats.org/markup-compatibility/2006">
+        <mc:Choice xmlns:a14="http://schemas.microsoft.com/office/drawing/2010/main" Requires="a14">
+          <p:sp>
+            <p:nvSpPr>
+              <p:cNvPr id="3" name="Content Placeholder 2">
+                <a:extLst>
+                  <a:ext uri="{FF2B5EF4-FFF2-40B4-BE49-F238E27FC236}">
+                    <a16:creationId xmlns:a16="http://schemas.microsoft.com/office/drawing/2014/main" id="{288BC91F-1C76-43AE-8B2A-956D48B768BE}"/>
+                  </a:ext>
+                </a:extLst>
+              </p:cNvPr>
+              <p:cNvSpPr>
+                <a:spLocks noGrp="1"/>
+              </p:cNvSpPr>
+              <p:nvPr>
+                <p:ph idx="1"/>
+              </p:nvPr>
+            </p:nvSpPr>
+            <p:spPr/>
+            <p:txBody>
+              <a:bodyPr/>
+              <a:lstStyle/>
+              <a:p>
+                <a:pPr lvl="0" marL="0" indent="0">
+                  <a:buNone/>
+                </a:pPr>
+                <a14:m>
+                  <m:oMathPara xmlns:m="http://schemas.openxmlformats.org/officeDocument/2006/math">
+                    <m:oMathParaPr>
+                      <m:jc m:val="center"/>
+                    </m:oMathParaPr>
+                    <m:oMath>
+                      <m:r>
+                        <m:t> </m:t>
+                      </m:r>
+                    </m:oMath>
+                  </m:oMathPara>
+                </a14:m>
+              </a:p>
+              <a:p>
+                <a:pPr lvl="0" marL="0" indent="0">
+                  <a:buNone/>
+                </a:pPr>
+                <a:r>
+                  <a:rPr b="1"/>
+                  <a:t>Discrete prior, binomial sampling model</a:t>
+                </a:r>
+              </a:p>
+            </p:txBody>
+          </p:sp>
+        </mc:Choice>
+      </mc:AlternateContent>
     </p:spTree>
   </p:cSld>
 </p:sld>
@@ -13982,6 +14027,14 @@
               <a:rPr/>
               <a:t>Example</a:t>
             </a:r>
+            <a:r>
+              <a:rPr/>
+              <a:t> </a:t>
+            </a:r>
+            <a:r>
+              <a:rPr/>
+              <a:t>(cont’d)</a:t>
+            </a:r>
           </a:p>
         </p:txBody>
       </p:sp>
@@ -14011,6 +14064,15 @@
                 <a:pPr lvl="0" marL="0" indent="0">
                   <a:buNone/>
                 </a:pPr>
+                <a:r>
+                  <a:rPr/>
+                  <a:t>That the likelihood dominates the prior for large datasets is not fully true: where the prior distribution (whether it’s a pdf or a pmf) is zero, the posterior distribution is also zero – no matter how much data. This follows from</a:t>
+                </a:r>
+              </a:p>
+              <a:p>
+                <a:pPr lvl="0" marL="0" indent="0">
+                  <a:buNone/>
+                </a:pPr>
                 <a14:m>
                   <m:oMathPara xmlns:m="http://schemas.openxmlformats.org/officeDocument/2006/math">
                     <m:oMathParaPr>
@@ -14028,9 +14090,115 @@
                 <a:pPr lvl="0" marL="0" indent="0">
                   <a:buNone/>
                 </a:pPr>
-                <a:r>
-                  <a:rPr b="1"/>
-                  <a:t>Discrete prior, binomial sampling model</a:t>
+                <a14:m>
+                  <m:oMathPara xmlns:m="http://schemas.openxmlformats.org/officeDocument/2006/math">
+                    <m:oMathParaPr>
+                      <m:jc m:val="center"/>
+                    </m:oMathParaPr>
+                    <m:oMath>
+                      <m:r>
+                        <m:t>p</m:t>
+                      </m:r>
+                      <m:d>
+                        <m:dPr>
+                          <m:begChr m:val="("/>
+                          <m:endChr m:val=")"/>
+                          <m:sepChr m:val=""/>
+                          <m:grow/>
+                        </m:dPr>
+                        <m:e>
+                          <m:r>
+                            <m:t>θ</m:t>
+                          </m:r>
+                          <m:r>
+                            <m:rPr>
+                              <m:sty m:val="p"/>
+                            </m:rPr>
+                            <m:t>|</m:t>
+                          </m:r>
+                          <m:r>
+                            <m:t>y</m:t>
+                          </m:r>
+                        </m:e>
+                      </m:d>
+                      <m:r>
+                        <m:rPr>
+                          <m:sty m:val="p"/>
+                        </m:rPr>
+                        <m:t>∝</m:t>
+                      </m:r>
+                      <m:r>
+                        <m:t>p</m:t>
+                      </m:r>
+                      <m:d>
+                        <m:dPr>
+                          <m:begChr m:val="("/>
+                          <m:endChr m:val=")"/>
+                          <m:sepChr m:val=""/>
+                          <m:grow/>
+                        </m:dPr>
+                        <m:e>
+                          <m:r>
+                            <m:t>y</m:t>
+                          </m:r>
+                          <m:r>
+                            <m:rPr>
+                              <m:sty m:val="p"/>
+                            </m:rPr>
+                            <m:t>|</m:t>
+                          </m:r>
+                          <m:r>
+                            <m:t>θ</m:t>
+                          </m:r>
+                        </m:e>
+                      </m:d>
+                      <m:r>
+                        <m:t> </m:t>
+                      </m:r>
+                      <m:r>
+                        <m:t>p</m:t>
+                      </m:r>
+                      <m:d>
+                        <m:dPr>
+                          <m:begChr m:val="("/>
+                          <m:endChr m:val=")"/>
+                          <m:sepChr m:val=""/>
+                          <m:grow/>
+                        </m:dPr>
+                        <m:e>
+                          <m:r>
+                            <m:t>θ</m:t>
+                          </m:r>
+                        </m:e>
+                      </m:d>
+                    </m:oMath>
+                  </m:oMathPara>
+                </a14:m>
+              </a:p>
+              <a:p>
+                <a:pPr lvl="0" marL="0" indent="0">
+                  <a:buNone/>
+                </a:pPr>
+                <a14:m>
+                  <m:oMathPara xmlns:m="http://schemas.openxmlformats.org/officeDocument/2006/math">
+                    <m:oMathParaPr>
+                      <m:jc m:val="center"/>
+                    </m:oMathParaPr>
+                    <m:oMath>
+                      <m:r>
+                        <m:t> </m:t>
+                      </m:r>
+                    </m:oMath>
+                  </m:oMathPara>
+                </a14:m>
+              </a:p>
+              <a:p>
+                <a:pPr lvl="0" marL="0" indent="0">
+                  <a:buNone/>
+                </a:pPr>
+                <a:r>
+                  <a:rPr/>
+                  <a:t>Among others, this means that a discrete prior leads to a discrete posterior distribution.</a:t>
                 </a:r>
               </a:p>
             </p:txBody>
@@ -14126,7 +14294,104 @@
                 </a:pPr>
                 <a:r>
                   <a:rPr/>
-                  <a:t>That the likelihood dominates the prior for large datasets is not fully true: where the prior distribution (whether it’s a pdf or a pmf) is zero, the posterior distribution is also zero – no matter how much data. This follows from</a:t>
+                  <a:t>Let’s return to the same coin throwing experiment. Suppose that rather than a Beta(a,b) prior, we know that the coin used for the experiment can only be one of 6 coins: 3 are biased towards heads with </a:t>
+                </a:r>
+                <a14:m>
+                  <m:oMath xmlns:m="http://schemas.openxmlformats.org/officeDocument/2006/math">
+                    <m:r>
+                      <m:t>π</m:t>
+                    </m:r>
+                    <m:r>
+                      <m:rPr>
+                        <m:sty m:val="p"/>
+                      </m:rPr>
+                      <m:t>=</m:t>
+                    </m:r>
+                    <m:r>
+                      <m:t>P</m:t>
+                    </m:r>
+                    <m:d>
+                      <m:dPr>
+                        <m:begChr m:val="("/>
+                        <m:endChr m:val=")"/>
+                        <m:sepChr m:val=""/>
+                        <m:grow/>
+                      </m:dPr>
+                      <m:e>
+                        <m:r>
+                          <m:rPr>
+                            <m:nor/>
+                            <m:sty m:val="p"/>
+                          </m:rPr>
+                          <m:t>heads</m:t>
+                        </m:r>
+                      </m:e>
+                    </m:d>
+                    <m:r>
+                      <m:rPr>
+                        <m:sty m:val="p"/>
+                      </m:rPr>
+                      <m:t>=</m:t>
+                    </m:r>
+                    <m:r>
+                      <m:t>0.8</m:t>
+                    </m:r>
+                  </m:oMath>
+                </a14:m>
+                <a:r>
+                  <a:rPr/>
+                  <a:t>, 2 are biased towards tails with </a:t>
+                </a:r>
+                <a14:m>
+                  <m:oMath xmlns:m="http://schemas.openxmlformats.org/officeDocument/2006/math">
+                    <m:r>
+                      <m:t>π</m:t>
+                    </m:r>
+                    <m:r>
+                      <m:rPr>
+                        <m:sty m:val="p"/>
+                      </m:rPr>
+                      <m:t>=</m:t>
+                    </m:r>
+                    <m:r>
+                      <m:t>0.3</m:t>
+                    </m:r>
+                  </m:oMath>
+                </a14:m>
+                <a:r>
+                  <a:rPr/>
+                  <a:t> and 1 coin is fair with </a:t>
+                </a:r>
+                <a14:m>
+                  <m:oMath xmlns:m="http://schemas.openxmlformats.org/officeDocument/2006/math">
+                    <m:r>
+                      <m:t>π</m:t>
+                    </m:r>
+                    <m:r>
+                      <m:rPr>
+                        <m:sty m:val="p"/>
+                      </m:rPr>
+                      <m:t>=</m:t>
+                    </m:r>
+                    <m:r>
+                      <m:t>0.5</m:t>
+                    </m:r>
+                  </m:oMath>
+                </a14:m>
+                <a:r>
+                  <a:rPr/>
+                  <a:t>. Assuming each coin to be equally likely to be picked, this gives the following prior distribution for </a:t>
+                </a:r>
+                <a14:m>
+                  <m:oMath xmlns:m="http://schemas.openxmlformats.org/officeDocument/2006/math">
+                    <m:r>
+                      <m:t>π</m:t>
+                    </m:r>
+                  </m:oMath>
+                </a14:m>
+                <a:r>
+                  <a:rPr/>
+                  <a:t>:</a:t>
                 </a:r>
               </a:p>
               <a:p>
@@ -14168,16 +14433,7 @@
                         </m:dPr>
                         <m:e>
                           <m:r>
-                            <m:t>θ</m:t>
-                          </m:r>
-                          <m:r>
-                            <m:rPr>
-                              <m:sty m:val="p"/>
-                            </m:rPr>
-                            <m:t>|</m:t>
-                          </m:r>
-                          <m:r>
-                            <m:t>y</m:t>
+                            <m:t>π</m:t>
                           </m:r>
                         </m:e>
                       </m:d>
@@ -14185,50 +14441,200 @@
                         <m:rPr>
                           <m:sty m:val="p"/>
                         </m:rPr>
-                        <m:t>∝</m:t>
-                      </m:r>
-                      <m:r>
-                        <m:t>p</m:t>
+                        <m:t>=</m:t>
                       </m:r>
                       <m:d>
                         <m:dPr>
-                          <m:begChr m:val="("/>
-                          <m:endChr m:val=")"/>
+                          <m:begChr m:val="{"/>
+                          <m:endChr m:val=""/>
                           <m:sepChr m:val=""/>
                           <m:grow/>
                         </m:dPr>
                         <m:e>
-                          <m:r>
-                            <m:t>y</m:t>
-                          </m:r>
-                          <m:r>
-                            <m:rPr>
-                              <m:sty m:val="p"/>
-                            </m:rPr>
-                            <m:t>|</m:t>
-                          </m:r>
-                          <m:r>
-                            <m:t>θ</m:t>
-                          </m:r>
-                        </m:e>
-                      </m:d>
-                      <m:r>
-                        <m:t> </m:t>
-                      </m:r>
-                      <m:r>
-                        <m:t>p</m:t>
-                      </m:r>
-                      <m:d>
-                        <m:dPr>
-                          <m:begChr m:val="("/>
-                          <m:endChr m:val=")"/>
-                          <m:sepChr m:val=""/>
-                          <m:grow/>
-                        </m:dPr>
-                        <m:e>
-                          <m:r>
-                            <m:t>θ</m:t>
-                          </m:r>
+                          <m:m>
+                            <m:mPr>
+                              <m:baseJc m:val="center"/>
+                              <m:plcHide m:val="1"/>
+                              <m:mcs>
+                                <m:mc>
+                                  <m:mcPr>
+                                    <m:mcJc m:val="left"/>
+                                    <m:count m:val="1"/>
+                                  </m:mcPr>
+                                </m:mc>
+                                <m:mc>
+                                  <m:mcPr>
+                                    <m:mcJc m:val="left"/>
+                                    <m:count m:val="1"/>
+                                  </m:mcPr>
+                                </m:mc>
+                              </m:mcs>
+                            </m:mPr>
+                            <m:mr>
+                              <m:e>
+                                <m:r>
+                                  <m:t>1</m:t>
+                                </m:r>
+                                <m:r>
+                                  <m:rPr>
+                                    <m:sty m:val="p"/>
+                                  </m:rPr>
+                                  <m:t>/</m:t>
+                                </m:r>
+                                <m:r>
+                                  <m:t>3</m:t>
+                                </m:r>
+                                <m:r>
+                                  <m:rPr>
+                                    <m:sty m:val="p"/>
+                                  </m:rPr>
+                                  <m:t>=</m:t>
+                                </m:r>
+                                <m:r>
+                                  <m:t>0</m:t>
+                                </m:r>
+                                <m:r>
+                                  <m:rPr>
+                                    <m:sty m:val="p"/>
+                                  </m:rPr>
+                                  <m:t>.</m:t>
+                                </m:r>
+                                <m:acc>
+                                  <m:accPr>
+                                    <m:chr m:val="‾"/>
+                                  </m:accPr>
+                                  <m:e>
+                                    <m:r>
+                                      <m:t>33</m:t>
+                                    </m:r>
+                                  </m:e>
+                                </m:acc>
+                              </m:e>
+                              <m:e>
+                                <m:r>
+                                  <m:rPr>
+                                    <m:nor/>
+                                    <m:sty m:val="p"/>
+                                  </m:rPr>
+                                  <m:t>if </m:t>
+                                </m:r>
+                                <m:r>
+                                  <m:t>π</m:t>
+                                </m:r>
+                                <m:r>
+                                  <m:rPr>
+                                    <m:sty m:val="p"/>
+                                  </m:rPr>
+                                  <m:t>=</m:t>
+                                </m:r>
+                                <m:r>
+                                  <m:t>0.3</m:t>
+                                </m:r>
+                              </m:e>
+                            </m:mr>
+                            <m:mr>
+                              <m:e>
+                                <m:r>
+                                  <m:t>1</m:t>
+                                </m:r>
+                                <m:r>
+                                  <m:rPr>
+                                    <m:sty m:val="p"/>
+                                  </m:rPr>
+                                  <m:t>/</m:t>
+                                </m:r>
+                                <m:r>
+                                  <m:t>6</m:t>
+                                </m:r>
+                                <m:r>
+                                  <m:rPr>
+                                    <m:sty m:val="p"/>
+                                  </m:rPr>
+                                  <m:t>=</m:t>
+                                </m:r>
+                                <m:r>
+                                  <m:t>0.1</m:t>
+                                </m:r>
+                                <m:acc>
+                                  <m:accPr>
+                                    <m:chr m:val="‾"/>
+                                  </m:accPr>
+                                  <m:e>
+                                    <m:r>
+                                      <m:t>66</m:t>
+                                    </m:r>
+                                  </m:e>
+                                </m:acc>
+                              </m:e>
+                              <m:e>
+                                <m:r>
+                                  <m:rPr>
+                                    <m:nor/>
+                                    <m:sty m:val="p"/>
+                                  </m:rPr>
+                                  <m:t>if </m:t>
+                                </m:r>
+                                <m:r>
+                                  <m:t>π</m:t>
+                                </m:r>
+                                <m:r>
+                                  <m:rPr>
+                                    <m:sty m:val="p"/>
+                                  </m:rPr>
+                                  <m:t>=</m:t>
+                                </m:r>
+                                <m:r>
+                                  <m:t>0.5</m:t>
+                                </m:r>
+                              </m:e>
+                            </m:mr>
+                            <m:mr>
+                              <m:e>
+                                <m:r>
+                                  <m:t>1</m:t>
+                                </m:r>
+                                <m:r>
+                                  <m:rPr>
+                                    <m:sty m:val="p"/>
+                                  </m:rPr>
+                                  <m:t>/</m:t>
+                                </m:r>
+                                <m:r>
+                                  <m:t>2</m:t>
+                                </m:r>
+                                <m:r>
+                                  <m:rPr>
+                                    <m:sty m:val="p"/>
+                                  </m:rPr>
+                                  <m:t>=</m:t>
+                                </m:r>
+                                <m:r>
+                                  <m:t>0.5</m:t>
+                                </m:r>
+                              </m:e>
+                              <m:e>
+                                <m:r>
+                                  <m:rPr>
+                                    <m:nor/>
+                                    <m:sty m:val="p"/>
+                                  </m:rPr>
+                                  <m:t>if </m:t>
+                                </m:r>
+                                <m:r>
+                                  <m:t>π</m:t>
+                                </m:r>
+                                <m:r>
+                                  <m:rPr>
+                                    <m:sty m:val="p"/>
+                                  </m:rPr>
+                                  <m:t>=</m:t>
+                                </m:r>
+                                <m:r>
+                                  <m:t>0.8</m:t>
+                                </m:r>
+                              </m:e>
+                            </m:mr>
+                          </m:m>
                         </m:e>
                       </m:d>
                     </m:oMath>
@@ -14251,15 +14657,6 @@
                     </m:oMath>
                   </m:oMathPara>
                 </a14:m>
-              </a:p>
-              <a:p>
-                <a:pPr lvl="0" marL="0" indent="0">
-                  <a:buNone/>
-                </a:pPr>
-                <a:r>
-                  <a:rPr/>
-                  <a:t>Among others, this means that a discrete prior leads to a discrete posterior distribution.</a:t>
-                </a:r>
               </a:p>
             </p:txBody>
           </p:sp>
@@ -14354,104 +14751,7 @@
                 </a:pPr>
                 <a:r>
                   <a:rPr/>
-                  <a:t>Let’s return to the same coin throwing experiment. Suppose that rather than a Beta(a,b) prior, we know that the coin used for the experiment can only be one of 6 coins: 3 are biased towards heads with </a:t>
-                </a:r>
-                <a14:m>
-                  <m:oMath xmlns:m="http://schemas.openxmlformats.org/officeDocument/2006/math">
-                    <m:r>
-                      <m:t>π</m:t>
-                    </m:r>
-                    <m:r>
-                      <m:rPr>
-                        <m:sty m:val="p"/>
-                      </m:rPr>
-                      <m:t>=</m:t>
-                    </m:r>
-                    <m:r>
-                      <m:t>P</m:t>
-                    </m:r>
-                    <m:d>
-                      <m:dPr>
-                        <m:begChr m:val="("/>
-                        <m:endChr m:val=")"/>
-                        <m:sepChr m:val=""/>
-                        <m:grow/>
-                      </m:dPr>
-                      <m:e>
-                        <m:r>
-                          <m:rPr>
-                            <m:nor/>
-                            <m:sty m:val="p"/>
-                          </m:rPr>
-                          <m:t>heads</m:t>
-                        </m:r>
-                      </m:e>
-                    </m:d>
-                    <m:r>
-                      <m:rPr>
-                        <m:sty m:val="p"/>
-                      </m:rPr>
-                      <m:t>=</m:t>
-                    </m:r>
-                    <m:r>
-                      <m:t>0.8</m:t>
-                    </m:r>
-                  </m:oMath>
-                </a14:m>
-                <a:r>
-                  <a:rPr/>
-                  <a:t>, 2 are biased towards tails with </a:t>
-                </a:r>
-                <a14:m>
-                  <m:oMath xmlns:m="http://schemas.openxmlformats.org/officeDocument/2006/math">
-                    <m:r>
-                      <m:t>π</m:t>
-                    </m:r>
-                    <m:r>
-                      <m:rPr>
-                        <m:sty m:val="p"/>
-                      </m:rPr>
-                      <m:t>=</m:t>
-                    </m:r>
-                    <m:r>
-                      <m:t>0.3</m:t>
-                    </m:r>
-                  </m:oMath>
-                </a14:m>
-                <a:r>
-                  <a:rPr/>
-                  <a:t> and 1 coin is fair with </a:t>
-                </a:r>
-                <a14:m>
-                  <m:oMath xmlns:m="http://schemas.openxmlformats.org/officeDocument/2006/math">
-                    <m:r>
-                      <m:t>π</m:t>
-                    </m:r>
-                    <m:r>
-                      <m:rPr>
-                        <m:sty m:val="p"/>
-                      </m:rPr>
-                      <m:t>=</m:t>
-                    </m:r>
-                    <m:r>
-                      <m:t>0.5</m:t>
-                    </m:r>
-                  </m:oMath>
-                </a14:m>
-                <a:r>
-                  <a:rPr/>
-                  <a:t>. Assuming each coin to be equally likely to be picked, this gives the following prior distribution for </a:t>
-                </a:r>
-                <a14:m>
-                  <m:oMath xmlns:m="http://schemas.openxmlformats.org/officeDocument/2006/math">
-                    <m:r>
-                      <m:t>π</m:t>
-                    </m:r>
-                  </m:oMath>
-                </a14:m>
-                <a:r>
-                  <a:rPr/>
-                  <a:t>:</a:t>
+                  <a:t>The likelihood is still given by the binomial distribution:</a:t>
                 </a:r>
               </a:p>
               <a:p>
@@ -14493,6 +14793,15 @@
                         </m:dPr>
                         <m:e>
                           <m:r>
+                            <m:t>k</m:t>
+                          </m:r>
+                          <m:r>
+                            <m:rPr>
+                              <m:sty m:val="p"/>
+                            </m:rPr>
+                            <m:t>|</m:t>
+                          </m:r>
+                          <m:r>
                             <m:t>π</m:t>
                           </m:r>
                         </m:e>
@@ -14505,198 +14814,81 @@
                       </m:r>
                       <m:d>
                         <m:dPr>
-                          <m:begChr m:val="{"/>
-                          <m:endChr m:val=""/>
+                          <m:begChr m:val="("/>
+                          <m:endChr m:val=")"/>
                           <m:sepChr m:val=""/>
                           <m:grow/>
                         </m:dPr>
                         <m:e>
-                          <m:m>
-                            <m:mPr>
-                              <m:baseJc m:val="center"/>
-                              <m:plcHide m:val="1"/>
-                              <m:mcs>
-                                <m:mc>
-                                  <m:mcPr>
-                                    <m:mcJc m:val="left"/>
-                                    <m:count m:val="1"/>
-                                  </m:mcPr>
-                                </m:mc>
-                                <m:mc>
-                                  <m:mcPr>
-                                    <m:mcJc m:val="left"/>
-                                    <m:count m:val="1"/>
-                                  </m:mcPr>
-                                </m:mc>
-                              </m:mcs>
-                            </m:mPr>
-                            <m:mr>
-                              <m:e>
-                                <m:r>
-                                  <m:t>1</m:t>
-                                </m:r>
-                                <m:r>
-                                  <m:rPr>
-                                    <m:sty m:val="p"/>
-                                  </m:rPr>
-                                  <m:t>/</m:t>
-                                </m:r>
-                                <m:r>
-                                  <m:t>3</m:t>
-                                </m:r>
-                                <m:r>
-                                  <m:rPr>
-                                    <m:sty m:val="p"/>
-                                  </m:rPr>
-                                  <m:t>=</m:t>
-                                </m:r>
-                                <m:r>
-                                  <m:t>0</m:t>
-                                </m:r>
-                                <m:r>
-                                  <m:rPr>
-                                    <m:sty m:val="p"/>
-                                  </m:rPr>
-                                  <m:t>.</m:t>
-                                </m:r>
-                                <m:acc>
-                                  <m:accPr>
-                                    <m:chr m:val="‾"/>
-                                  </m:accPr>
-                                  <m:e>
-                                    <m:r>
-                                      <m:t>33</m:t>
-                                    </m:r>
-                                  </m:e>
-                                </m:acc>
-                              </m:e>
-                              <m:e>
-                                <m:r>
-                                  <m:rPr>
-                                    <m:nor/>
-                                    <m:sty m:val="p"/>
-                                  </m:rPr>
-                                  <m:t>if </m:t>
-                                </m:r>
-                                <m:r>
-                                  <m:t>π</m:t>
-                                </m:r>
-                                <m:r>
-                                  <m:rPr>
-                                    <m:sty m:val="p"/>
-                                  </m:rPr>
-                                  <m:t>=</m:t>
-                                </m:r>
-                                <m:r>
-                                  <m:t>0.3</m:t>
-                                </m:r>
-                              </m:e>
-                            </m:mr>
-                            <m:mr>
-                              <m:e>
-                                <m:r>
-                                  <m:t>1</m:t>
-                                </m:r>
-                                <m:r>
-                                  <m:rPr>
-                                    <m:sty m:val="p"/>
-                                  </m:rPr>
-                                  <m:t>/</m:t>
-                                </m:r>
-                                <m:r>
-                                  <m:t>6</m:t>
-                                </m:r>
-                                <m:r>
-                                  <m:rPr>
-                                    <m:sty m:val="p"/>
-                                  </m:rPr>
-                                  <m:t>=</m:t>
-                                </m:r>
-                                <m:r>
-                                  <m:t>0.1</m:t>
-                                </m:r>
-                                <m:acc>
-                                  <m:accPr>
-                                    <m:chr m:val="‾"/>
-                                  </m:accPr>
-                                  <m:e>
-                                    <m:r>
-                                      <m:t>66</m:t>
-                                    </m:r>
-                                  </m:e>
-                                </m:acc>
-                              </m:e>
-                              <m:e>
-                                <m:r>
-                                  <m:rPr>
-                                    <m:nor/>
-                                    <m:sty m:val="p"/>
-                                  </m:rPr>
-                                  <m:t>if </m:t>
-                                </m:r>
-                                <m:r>
-                                  <m:t>π</m:t>
-                                </m:r>
-                                <m:r>
-                                  <m:rPr>
-                                    <m:sty m:val="p"/>
-                                  </m:rPr>
-                                  <m:t>=</m:t>
-                                </m:r>
-                                <m:r>
-                                  <m:t>0.5</m:t>
-                                </m:r>
-                              </m:e>
-                            </m:mr>
-                            <m:mr>
-                              <m:e>
-                                <m:r>
-                                  <m:t>1</m:t>
-                                </m:r>
-                                <m:r>
-                                  <m:rPr>
-                                    <m:sty m:val="p"/>
-                                  </m:rPr>
-                                  <m:t>/</m:t>
-                                </m:r>
-                                <m:r>
-                                  <m:t>2</m:t>
-                                </m:r>
-                                <m:r>
-                                  <m:rPr>
-                                    <m:sty m:val="p"/>
-                                  </m:rPr>
-                                  <m:t>=</m:t>
-                                </m:r>
-                                <m:r>
-                                  <m:t>0.5</m:t>
-                                </m:r>
-                              </m:e>
-                              <m:e>
-                                <m:r>
-                                  <m:rPr>
-                                    <m:nor/>
-                                    <m:sty m:val="p"/>
-                                  </m:rPr>
-                                  <m:t>if </m:t>
-                                </m:r>
-                                <m:r>
-                                  <m:t>π</m:t>
-                                </m:r>
-                                <m:r>
-                                  <m:rPr>
-                                    <m:sty m:val="p"/>
-                                  </m:rPr>
-                                  <m:t>=</m:t>
-                                </m:r>
-                                <m:r>
-                                  <m:t>0.8</m:t>
-                                </m:r>
-                              </m:e>
-                            </m:mr>
-                          </m:m>
+                          <m:f>
+                            <m:fPr>
+                              <m:type m:val="noBar"/>
+                            </m:fPr>
+                            <m:num>
+                              <m:r>
+                                <m:t>n</m:t>
+                              </m:r>
+                            </m:num>
+                            <m:den>
+                              <m:r>
+                                <m:t>k</m:t>
+                              </m:r>
+                            </m:den>
+                          </m:f>
                         </m:e>
                       </m:d>
+                      <m:sSup>
+                        <m:e>
+                          <m:r>
+                            <m:t>π</m:t>
+                          </m:r>
+                        </m:e>
+                        <m:sup>
+                          <m:r>
+                            <m:t>k</m:t>
+                          </m:r>
+                        </m:sup>
+                      </m:sSup>
+                      <m:sSup>
+                        <m:e>
+                          <m:d>
+                            <m:dPr>
+                              <m:begChr m:val="("/>
+                              <m:endChr m:val=")"/>
+                              <m:sepChr m:val=""/>
+                              <m:grow/>
+                            </m:dPr>
+                            <m:e>
+                              <m:r>
+                                <m:t>1</m:t>
+                              </m:r>
+                              <m:r>
+                                <m:rPr>
+                                  <m:sty m:val="p"/>
+                                </m:rPr>
+                                <m:t>−</m:t>
+                              </m:r>
+                              <m:r>
+                                <m:t>π</m:t>
+                              </m:r>
+                            </m:e>
+                          </m:d>
+                        </m:e>
+                        <m:sup>
+                          <m:r>
+                            <m:t>n</m:t>
+                          </m:r>
+                          <m:r>
+                            <m:rPr>
+                              <m:sty m:val="p"/>
+                            </m:rPr>
+                            <m:t>−</m:t>
+                          </m:r>
+                          <m:r>
+                            <m:t>k</m:t>
+                          </m:r>
+                        </m:sup>
+                      </m:sSup>
                     </m:oMath>
                   </m:oMathPara>
                 </a14:m>
@@ -14717,6 +14909,64 @@
                     </m:oMath>
                   </m:oMathPara>
                 </a14:m>
+              </a:p>
+              <a:p>
+                <a:pPr lvl="0" marL="0" indent="0">
+                  <a:buNone/>
+                </a:pPr>
+                <a:r>
+                  <a:rPr/>
+                  <a:t>Here we have </a:t>
+                </a:r>
+                <a14:m>
+                  <m:oMath xmlns:m="http://schemas.openxmlformats.org/officeDocument/2006/math">
+                    <m:r>
+                      <m:t>n</m:t>
+                    </m:r>
+                    <m:r>
+                      <m:rPr>
+                        <m:sty m:val="p"/>
+                      </m:rPr>
+                      <m:t>=</m:t>
+                    </m:r>
+                    <m:r>
+                      <m:t>6</m:t>
+                    </m:r>
+                  </m:oMath>
+                </a14:m>
+                <a:r>
+                  <a:rPr/>
+                  <a:t> and </a:t>
+                </a:r>
+                <a14:m>
+                  <m:oMath xmlns:m="http://schemas.openxmlformats.org/officeDocument/2006/math">
+                    <m:r>
+                      <m:t>k</m:t>
+                    </m:r>
+                    <m:r>
+                      <m:rPr>
+                        <m:sty m:val="p"/>
+                      </m:rPr>
+                      <m:t>=</m:t>
+                    </m:r>
+                    <m:r>
+                      <m:t>2</m:t>
+                    </m:r>
+                  </m:oMath>
+                </a14:m>
+                <a:r>
+                  <a:rPr/>
+                  <a:t>.</a:t>
+                </a:r>
+              </a:p>
+              <a:p>
+                <a:pPr lvl="0" marL="0" indent="0">
+                  <a:buNone/>
+                </a:pPr>
+                <a:r>
+                  <a:rPr/>
+                  <a:t>This can be written down / computed using tables.</a:t>
+                </a:r>
               </a:p>
             </p:txBody>
           </p:sp>
@@ -14783,255 +15033,36 @@
           </a:p>
         </p:txBody>
       </p:sp>
-      <mc:AlternateContent xmlns:mc="http://schemas.openxmlformats.org/markup-compatibility/2006">
-        <mc:Choice xmlns:a14="http://schemas.microsoft.com/office/drawing/2010/main" Requires="a14">
-          <p:sp>
-            <p:nvSpPr>
-              <p:cNvPr id="3" name="Content Placeholder 2">
-                <a:extLst>
-                  <a:ext uri="{FF2B5EF4-FFF2-40B4-BE49-F238E27FC236}">
-                    <a16:creationId xmlns:a16="http://schemas.microsoft.com/office/drawing/2014/main" id="{288BC91F-1C76-43AE-8B2A-956D48B768BE}"/>
-                  </a:ext>
-                </a:extLst>
-              </p:cNvPr>
-              <p:cNvSpPr>
-                <a:spLocks noGrp="1"/>
-              </p:cNvSpPr>
-              <p:nvPr>
-                <p:ph idx="1"/>
-              </p:nvPr>
-            </p:nvSpPr>
-            <p:spPr/>
-            <p:txBody>
-              <a:bodyPr/>
-              <a:lstStyle/>
-              <a:p>
-                <a:pPr lvl="0" marL="0" indent="0">
-                  <a:buNone/>
-                </a:pPr>
-                <a:r>
-                  <a:rPr/>
-                  <a:t>The likelihood is still given by the binomial distribution:</a:t>
-                </a:r>
-              </a:p>
-              <a:p>
-                <a:pPr lvl="0" marL="0" indent="0">
-                  <a:buNone/>
-                </a:pPr>
-                <a14:m>
-                  <m:oMathPara xmlns:m="http://schemas.openxmlformats.org/officeDocument/2006/math">
-                    <m:oMathParaPr>
-                      <m:jc m:val="center"/>
-                    </m:oMathParaPr>
-                    <m:oMath>
-                      <m:r>
-                        <m:t> </m:t>
-                      </m:r>
-                    </m:oMath>
-                  </m:oMathPara>
-                </a14:m>
-              </a:p>
-              <a:p>
-                <a:pPr lvl="0" marL="0" indent="0">
-                  <a:buNone/>
-                </a:pPr>
-                <a14:m>
-                  <m:oMathPara xmlns:m="http://schemas.openxmlformats.org/officeDocument/2006/math">
-                    <m:oMathParaPr>
-                      <m:jc m:val="center"/>
-                    </m:oMathParaPr>
-                    <m:oMath>
-                      <m:r>
-                        <m:t>p</m:t>
-                      </m:r>
-                      <m:d>
-                        <m:dPr>
-                          <m:begChr m:val="("/>
-                          <m:endChr m:val=")"/>
-                          <m:sepChr m:val=""/>
-                          <m:grow/>
-                        </m:dPr>
-                        <m:e>
-                          <m:r>
-                            <m:t>k</m:t>
-                          </m:r>
-                          <m:r>
-                            <m:rPr>
-                              <m:sty m:val="p"/>
-                            </m:rPr>
-                            <m:t>|</m:t>
-                          </m:r>
-                          <m:r>
-                            <m:t>π</m:t>
-                          </m:r>
-                        </m:e>
-                      </m:d>
-                      <m:r>
-                        <m:rPr>
-                          <m:sty m:val="p"/>
-                        </m:rPr>
-                        <m:t>=</m:t>
-                      </m:r>
-                      <m:d>
-                        <m:dPr>
-                          <m:begChr m:val="("/>
-                          <m:endChr m:val=")"/>
-                          <m:sepChr m:val=""/>
-                          <m:grow/>
-                        </m:dPr>
-                        <m:e>
-                          <m:f>
-                            <m:fPr>
-                              <m:type m:val="noBar"/>
-                            </m:fPr>
-                            <m:num>
-                              <m:r>
-                                <m:t>n</m:t>
-                              </m:r>
-                            </m:num>
-                            <m:den>
-                              <m:r>
-                                <m:t>k</m:t>
-                              </m:r>
-                            </m:den>
-                          </m:f>
-                        </m:e>
-                      </m:d>
-                      <m:sSup>
-                        <m:e>
-                          <m:r>
-                            <m:t>π</m:t>
-                          </m:r>
-                        </m:e>
-                        <m:sup>
-                          <m:r>
-                            <m:t>k</m:t>
-                          </m:r>
-                        </m:sup>
-                      </m:sSup>
-                      <m:sSup>
-                        <m:e>
-                          <m:d>
-                            <m:dPr>
-                              <m:begChr m:val="("/>
-                              <m:endChr m:val=")"/>
-                              <m:sepChr m:val=""/>
-                              <m:grow/>
-                            </m:dPr>
-                            <m:e>
-                              <m:r>
-                                <m:t>1</m:t>
-                              </m:r>
-                              <m:r>
-                                <m:rPr>
-                                  <m:sty m:val="p"/>
-                                </m:rPr>
-                                <m:t>−</m:t>
-                              </m:r>
-                              <m:r>
-                                <m:t>π</m:t>
-                              </m:r>
-                            </m:e>
-                          </m:d>
-                        </m:e>
-                        <m:sup>
-                          <m:r>
-                            <m:t>n</m:t>
-                          </m:r>
-                          <m:r>
-                            <m:rPr>
-                              <m:sty m:val="p"/>
-                            </m:rPr>
-                            <m:t>−</m:t>
-                          </m:r>
-                          <m:r>
-                            <m:t>k</m:t>
-                          </m:r>
-                        </m:sup>
-                      </m:sSup>
-                    </m:oMath>
-                  </m:oMathPara>
-                </a14:m>
-              </a:p>
-              <a:p>
-                <a:pPr lvl="0" marL="0" indent="0">
-                  <a:buNone/>
-                </a:pPr>
-                <a14:m>
-                  <m:oMathPara xmlns:m="http://schemas.openxmlformats.org/officeDocument/2006/math">
-                    <m:oMathParaPr>
-                      <m:jc m:val="center"/>
-                    </m:oMathParaPr>
-                    <m:oMath>
-                      <m:r>
-                        <m:t> </m:t>
-                      </m:r>
-                    </m:oMath>
-                  </m:oMathPara>
-                </a14:m>
-              </a:p>
-              <a:p>
-                <a:pPr lvl="0" marL="0" indent="0">
-                  <a:buNone/>
-                </a:pPr>
-                <a:r>
-                  <a:rPr/>
-                  <a:t>Here we have </a:t>
-                </a:r>
-                <a14:m>
-                  <m:oMath xmlns:m="http://schemas.openxmlformats.org/officeDocument/2006/math">
-                    <m:r>
-                      <m:t>n</m:t>
-                    </m:r>
-                    <m:r>
-                      <m:rPr>
-                        <m:sty m:val="p"/>
-                      </m:rPr>
-                      <m:t>=</m:t>
-                    </m:r>
-                    <m:r>
-                      <m:t>6</m:t>
-                    </m:r>
-                  </m:oMath>
-                </a14:m>
-                <a:r>
-                  <a:rPr/>
-                  <a:t> and </a:t>
-                </a:r>
-                <a14:m>
-                  <m:oMath xmlns:m="http://schemas.openxmlformats.org/officeDocument/2006/math">
-                    <m:r>
-                      <m:t>k</m:t>
-                    </m:r>
-                    <m:r>
-                      <m:rPr>
-                        <m:sty m:val="p"/>
-                      </m:rPr>
-                      <m:t>=</m:t>
-                    </m:r>
-                    <m:r>
-                      <m:t>2</m:t>
-                    </m:r>
-                  </m:oMath>
-                </a14:m>
-                <a:r>
-                  <a:rPr/>
-                  <a:t>.</a:t>
-                </a:r>
-              </a:p>
-              <a:p>
-                <a:pPr lvl="0" marL="0" indent="0">
-                  <a:buNone/>
-                </a:pPr>
-                <a:r>
-                  <a:rPr/>
-                  <a:t>This can be written down / computed using tables.</a:t>
-                </a:r>
-              </a:p>
-            </p:txBody>
-          </p:sp>
-        </mc:Choice>
-      </mc:AlternateContent>
+      <p:pic>
+        <p:nvPicPr>
+          <p:cNvPr descr="images/Example_DiscretePriorBinomialLikelihood_likelihood.png" id="0" name="Picture 1"/>
+          <p:cNvPicPr>
+            <a:picLocks noGrp="1" noChangeAspect="1"/>
+          </p:cNvPicPr>
+          <p:nvPr/>
+        </p:nvPicPr>
+        <p:blipFill>
+          <a:blip r:embed="rId2"/>
+          <a:stretch>
+            <a:fillRect/>
+          </a:stretch>
+        </p:blipFill>
+        <p:spPr bwMode="auto">
+          <a:xfrm>
+            <a:off x="838200" y="2514600"/>
+            <a:ext cx="10515600" cy="3263900"/>
+          </a:xfrm>
+          <a:prstGeom prst="rect">
+            <a:avLst/>
+          </a:prstGeom>
+          <a:noFill/>
+          <a:ln w="9525">
+            <a:noFill/>
+            <a:headEnd/>
+            <a:tailEnd/>
+          </a:ln>
+        </p:spPr>
+      </p:pic>
     </p:spTree>
   </p:cSld>
 </p:sld>
@@ -15720,7 +15751,7 @@
       </p:sp>
       <p:pic>
         <p:nvPicPr>
-          <p:cNvPr descr="images/Example_DiscretePriorBinomialLikelihood_likelihood.png" id="0" name="Picture 1"/>
+          <p:cNvPr descr="images/Example_DiscretePriorBinomialLikelihood_posterior.png" id="0" name="Picture 1"/>
           <p:cNvPicPr>
             <a:picLocks noGrp="1" noChangeAspect="1"/>
           </p:cNvPicPr>
@@ -15734,8 +15765,8 @@
         </p:blipFill>
         <p:spPr bwMode="auto">
           <a:xfrm>
-            <a:off x="838200" y="2514600"/>
-            <a:ext cx="10515600" cy="3263900"/>
+            <a:off x="838200" y="2501900"/>
+            <a:ext cx="10515600" cy="3289300"/>
           </a:xfrm>
           <a:prstGeom prst="rect">
             <a:avLst/>
@@ -15811,7 +15842,7 @@
       </p:sp>
       <p:pic>
         <p:nvPicPr>
-          <p:cNvPr descr="images/Example_DiscretePriorBinomialLikelihood_posterior.png" id="0" name="Picture 1"/>
+          <p:cNvPr descr="Chanco_STA623_BDA_2022_Henrion_Session2_files/figure-pptx/unnamed-chunk-6-1.png" id="0" name="Picture 1"/>
           <p:cNvPicPr>
             <a:picLocks noGrp="1" noChangeAspect="1"/>
           </p:cNvPicPr>
@@ -15825,8 +15856,8 @@
         </p:blipFill>
         <p:spPr bwMode="auto">
           <a:xfrm>
-            <a:off x="838200" y="2501900"/>
-            <a:ext cx="10515600" cy="3289300"/>
+            <a:off x="1955800" y="1816100"/>
+            <a:ext cx="8280400" cy="4660900"/>
           </a:xfrm>
           <a:prstGeom prst="rect">
             <a:avLst/>
@@ -15887,97 +15918,6 @@
             </a:pPr>
             <a:r>
               <a:rPr/>
-              <a:t>Example</a:t>
-            </a:r>
-            <a:r>
-              <a:rPr/>
-              <a:t> </a:t>
-            </a:r>
-            <a:r>
-              <a:rPr/>
-              <a:t>(cont’d)</a:t>
-            </a:r>
-          </a:p>
-        </p:txBody>
-      </p:sp>
-      <p:pic>
-        <p:nvPicPr>
-          <p:cNvPr descr="Chanco_STA623_BDA_2022_Henrion_Session2_files/figure-pptx/unnamed-chunk-6-1.png" id="0" name="Picture 1"/>
-          <p:cNvPicPr>
-            <a:picLocks noGrp="1" noChangeAspect="1"/>
-          </p:cNvPicPr>
-          <p:nvPr/>
-        </p:nvPicPr>
-        <p:blipFill>
-          <a:blip r:embed="rId2"/>
-          <a:stretch>
-            <a:fillRect/>
-          </a:stretch>
-        </p:blipFill>
-        <p:spPr bwMode="auto">
-          <a:xfrm>
-            <a:off x="1955800" y="1816100"/>
-            <a:ext cx="8280400" cy="4660900"/>
-          </a:xfrm>
-          <a:prstGeom prst="rect">
-            <a:avLst/>
-          </a:prstGeom>
-          <a:noFill/>
-          <a:ln w="9525">
-            <a:noFill/>
-            <a:headEnd/>
-            <a:tailEnd/>
-          </a:ln>
-        </p:spPr>
-      </p:pic>
-    </p:spTree>
-  </p:cSld>
-</p:sld>
-</file>
-
-<file path=ppt/slides/slide43.xml><?xml version="1.0" encoding="utf-8"?>
-<p:sld xmlns:a="http://schemas.openxmlformats.org/drawingml/2006/main" xmlns:r="http://schemas.openxmlformats.org/officeDocument/2006/relationships" xmlns:p="http://schemas.openxmlformats.org/presentationml/2006/main">
-  <p:cSld>
-    <p:spTree>
-      <p:nvGrpSpPr>
-        <p:cNvPr id="1" name=""/>
-        <p:cNvGrpSpPr/>
-        <p:nvPr/>
-      </p:nvGrpSpPr>
-      <p:grpSpPr>
-        <a:xfrm>
-          <a:off x="0" y="0"/>
-          <a:ext cx="0" cy="0"/>
-          <a:chOff x="0" y="0"/>
-          <a:chExt cx="0" cy="0"/>
-        </a:xfrm>
-      </p:grpSpPr>
-      <p:sp>
-        <p:nvSpPr>
-          <p:cNvPr id="2" name="Title 1">
-            <a:extLst>
-              <a:ext uri="{FF2B5EF4-FFF2-40B4-BE49-F238E27FC236}">
-                <a16:creationId xmlns:a16="http://schemas.microsoft.com/office/drawing/2014/main" id="{D6AA89D5-560C-4369-A313-7C24EDF028A0}"/>
-              </a:ext>
-            </a:extLst>
-          </p:cNvPr>
-          <p:cNvSpPr>
-            <a:spLocks noGrp="1"/>
-          </p:cNvSpPr>
-          <p:nvPr>
-            <p:ph type="title"/>
-          </p:nvPr>
-        </p:nvSpPr>
-        <p:spPr/>
-        <p:txBody>
-          <a:bodyPr/>
-          <a:lstStyle/>
-          <a:p>
-            <a:pPr lvl="0" marL="0" indent="0">
-              <a:buNone/>
-            </a:pPr>
-            <a:r>
-              <a:rPr/>
               <a:t>Binomial</a:t>
             </a:r>
             <a:r>
@@ -16149,7 +16089,7 @@
 </p:sld>
 </file>
 
-<file path=ppt/slides/slide44.xml><?xml version="1.0" encoding="utf-8"?>
+<file path=ppt/slides/slide43.xml><?xml version="1.0" encoding="utf-8"?>
 <p:sld xmlns:a="http://schemas.openxmlformats.org/drawingml/2006/main" xmlns:r="http://schemas.openxmlformats.org/officeDocument/2006/relationships" xmlns:p="http://schemas.openxmlformats.org/presentationml/2006/main">
   <p:cSld>
     <p:spTree>
@@ -16920,7 +16860,7 @@
 </p:sld>
 </file>
 
-<file path=ppt/slides/slide45.xml><?xml version="1.0" encoding="utf-8"?>
+<file path=ppt/slides/slide44.xml><?xml version="1.0" encoding="utf-8"?>
 <p:sld xmlns:a="http://schemas.openxmlformats.org/drawingml/2006/main" xmlns:r="http://schemas.openxmlformats.org/officeDocument/2006/relationships" xmlns:p="http://schemas.openxmlformats.org/presentationml/2006/main">
   <p:cSld>
     <p:spTree>
@@ -17492,7 +17432,7 @@
 </p:sld>
 </file>
 
-<file path=ppt/slides/slide46.xml><?xml version="1.0" encoding="utf-8"?>
+<file path=ppt/slides/slide45.xml><?xml version="1.0" encoding="utf-8"?>
 <p:sld xmlns:a="http://schemas.openxmlformats.org/drawingml/2006/main" xmlns:r="http://schemas.openxmlformats.org/officeDocument/2006/relationships" xmlns:p="http://schemas.openxmlformats.org/presentationml/2006/main">
   <p:cSld>
     <p:spTree>
@@ -18378,7 +18318,7 @@
 </p:sld>
 </file>
 
-<file path=ppt/slides/slide47.xml><?xml version="1.0" encoding="utf-8"?>
+<file path=ppt/slides/slide46.xml><?xml version="1.0" encoding="utf-8"?>
 <p:sld xmlns:a="http://schemas.openxmlformats.org/drawingml/2006/main" xmlns:r="http://schemas.openxmlformats.org/officeDocument/2006/relationships" xmlns:p="http://schemas.openxmlformats.org/presentationml/2006/main">
   <p:cSld>
     <p:spTree>
@@ -18819,7 +18759,7 @@
 </p:sld>
 </file>
 
-<file path=ppt/slides/slide48.xml><?xml version="1.0" encoding="utf-8"?>
+<file path=ppt/slides/slide47.xml><?xml version="1.0" encoding="utf-8"?>
 <p:sld xmlns:a="http://schemas.openxmlformats.org/drawingml/2006/main" xmlns:r="http://schemas.openxmlformats.org/officeDocument/2006/relationships" xmlns:p="http://schemas.openxmlformats.org/presentationml/2006/main">
   <p:cSld>
     <p:spTree>
@@ -19047,7 +18987,7 @@
 </p:sld>
 </file>
 
-<file path=ppt/slides/slide49.xml><?xml version="1.0" encoding="utf-8"?>
+<file path=ppt/slides/slide48.xml><?xml version="1.0" encoding="utf-8"?>
 <p:sld xmlns:a="http://schemas.openxmlformats.org/drawingml/2006/main" xmlns:r="http://schemas.openxmlformats.org/officeDocument/2006/relationships" xmlns:p="http://schemas.openxmlformats.org/presentationml/2006/main">
   <p:cSld>
     <p:spTree>
@@ -19127,6 +19067,163 @@
                 <a:r>
                   <a:rPr b="1"/>
                   <a:t>PRIOR DISTRIBUTIONS</a:t>
+                </a:r>
+              </a:p>
+            </p:txBody>
+          </p:sp>
+        </mc:Choice>
+      </mc:AlternateContent>
+    </p:spTree>
+  </p:cSld>
+</p:sld>
+</file>
+
+<file path=ppt/slides/slide49.xml><?xml version="1.0" encoding="utf-8"?>
+<p:sld xmlns:a="http://schemas.openxmlformats.org/drawingml/2006/main" xmlns:r="http://schemas.openxmlformats.org/officeDocument/2006/relationships" xmlns:p="http://schemas.openxmlformats.org/presentationml/2006/main">
+  <p:cSld>
+    <p:spTree>
+      <p:nvGrpSpPr>
+        <p:cNvPr id="1" name=""/>
+        <p:cNvGrpSpPr/>
+        <p:nvPr/>
+      </p:nvGrpSpPr>
+      <p:grpSpPr>
+        <a:xfrm>
+          <a:off x="0" y="0"/>
+          <a:ext cx="0" cy="0"/>
+          <a:chOff x="0" y="0"/>
+          <a:chExt cx="0" cy="0"/>
+        </a:xfrm>
+      </p:grpSpPr>
+      <p:sp>
+        <p:nvSpPr>
+          <p:cNvPr id="2" name="Title 1">
+            <a:extLst>
+              <a:ext uri="{FF2B5EF4-FFF2-40B4-BE49-F238E27FC236}">
+                <a16:creationId xmlns:a16="http://schemas.microsoft.com/office/drawing/2014/main" id="{D6AA89D5-560C-4369-A313-7C24EDF028A0}"/>
+              </a:ext>
+            </a:extLst>
+          </p:cNvPr>
+          <p:cNvSpPr>
+            <a:spLocks noGrp="1"/>
+          </p:cNvSpPr>
+          <p:nvPr>
+            <p:ph type="title"/>
+          </p:nvPr>
+        </p:nvSpPr>
+        <p:spPr/>
+        <p:txBody>
+          <a:bodyPr/>
+          <a:lstStyle/>
+          <a:p>
+            <a:pPr lvl="0" marL="0" indent="0">
+              <a:buNone/>
+            </a:pPr>
+            <a:r>
+              <a:rPr/>
+              <a:t>Prior</a:t>
+            </a:r>
+            <a:r>
+              <a:rPr/>
+              <a:t> </a:t>
+            </a:r>
+            <a:r>
+              <a:rPr/>
+              <a:t>distributions</a:t>
+            </a:r>
+          </a:p>
+        </p:txBody>
+      </p:sp>
+      <mc:AlternateContent xmlns:mc="http://schemas.openxmlformats.org/markup-compatibility/2006">
+        <mc:Choice xmlns:a14="http://schemas.microsoft.com/office/drawing/2010/main" Requires="a14">
+          <p:sp>
+            <p:nvSpPr>
+              <p:cNvPr id="3" name="Content Placeholder 2">
+                <a:extLst>
+                  <a:ext uri="{FF2B5EF4-FFF2-40B4-BE49-F238E27FC236}">
+                    <a16:creationId xmlns:a16="http://schemas.microsoft.com/office/drawing/2014/main" id="{288BC91F-1C76-43AE-8B2A-956D48B768BE}"/>
+                  </a:ext>
+                </a:extLst>
+              </p:cNvPr>
+              <p:cNvSpPr>
+                <a:spLocks noGrp="1"/>
+              </p:cNvSpPr>
+              <p:nvPr>
+                <p:ph idx="1"/>
+              </p:nvPr>
+            </p:nvSpPr>
+            <p:spPr/>
+            <p:txBody>
+              <a:bodyPr/>
+              <a:lstStyle/>
+              <a:p>
+                <a:pPr lvl="0" marL="0" indent="0">
+                  <a:buNone/>
+                </a:pPr>
+                <a14:m>
+                  <m:oMathPara xmlns:m="http://schemas.openxmlformats.org/officeDocument/2006/math">
+                    <m:oMathParaPr>
+                      <m:jc m:val="center"/>
+                    </m:oMathParaPr>
+                    <m:oMath>
+                      <m:r>
+                        <m:t> </m:t>
+                      </m:r>
+                    </m:oMath>
+                  </m:oMathPara>
+                </a14:m>
+              </a:p>
+              <a:p>
+                <a:pPr lvl="0" marL="0" indent="0">
+                  <a:buNone/>
+                </a:pPr>
+                <a:r>
+                  <a:rPr/>
+                  <a:t>The likelihood factor in Bayesian models appears familiar: you are familiar with this from other modules (e.g. GLM module).</a:t>
+                </a:r>
+              </a:p>
+              <a:p>
+                <a:pPr lvl="0" marL="0" indent="0">
+                  <a:buNone/>
+                </a:pPr>
+                <a14:m>
+                  <m:oMathPara xmlns:m="http://schemas.openxmlformats.org/officeDocument/2006/math">
+                    <m:oMathParaPr>
+                      <m:jc m:val="center"/>
+                    </m:oMathParaPr>
+                    <m:oMath>
+                      <m:r>
+                        <m:t> </m:t>
+                      </m:r>
+                    </m:oMath>
+                  </m:oMathPara>
+                </a14:m>
+              </a:p>
+              <a:p>
+                <a:pPr lvl="0" marL="0" indent="0">
+                  <a:buNone/>
+                </a:pPr>
+                <a:r>
+                  <a:rPr/>
+                  <a:t>You may struggle with the prior distribution: how do you decide what is a good prior distribution?</a:t>
+                </a:r>
+              </a:p>
+              <a:p>
+                <a:pPr lvl="0" marL="0" indent="0">
+                  <a:buNone/>
+                </a:pPr>
+                <a:r>
+                  <a:rPr/>
+                  <a:t>A good solution is to ask experts in the field you are working in. You can even combine priors from several experts through a mixture distribution of priors and this also allows you to specify different weights for different expert.</a:t>
+                </a:r>
+              </a:p>
+              <a:p>
+                <a:pPr lvl="0" marL="0" indent="0">
+                  <a:buNone/>
+                </a:pPr>
+                <a:r>
+                  <a:rPr/>
+                  <a:t>However, experts are not always available…</a:t>
                 </a:r>
               </a:p>
             </p:txBody>
@@ -19280,7 +19377,39 @@
             </a:r>
             <a:r>
               <a:rPr/>
-              <a:t>distributions</a:t>
+              <a:t>distributions:</a:t>
+            </a:r>
+            <a:r>
+              <a:rPr/>
+              <a:t> </a:t>
+            </a:r>
+            <a:r>
+              <a:rPr/>
+              <a:t>informative</a:t>
+            </a:r>
+            <a:r>
+              <a:rPr/>
+              <a:t> </a:t>
+            </a:r>
+            <a:r>
+              <a:rPr/>
+              <a:t>&amp;</a:t>
+            </a:r>
+            <a:r>
+              <a:rPr/>
+              <a:t> </a:t>
+            </a:r>
+            <a:r>
+              <a:rPr/>
+              <a:t>non-informative</a:t>
+            </a:r>
+            <a:r>
+              <a:rPr/>
+              <a:t> </a:t>
+            </a:r>
+            <a:r>
+              <a:rPr/>
+              <a:t>priors</a:t>
             </a:r>
           </a:p>
         </p:txBody>
@@ -19311,18 +19440,30 @@
                 <a:pPr lvl="0" marL="0" indent="0">
                   <a:buNone/>
                 </a:pPr>
+                <a:r>
+                  <a:rPr/>
+                  <a:t>In the first coin toss experiment we used a Beta(4,4) distribution. We argued this was appropriate since it had highest density at </a:t>
+                </a:r>
                 <a14:m>
-                  <m:oMathPara xmlns:m="http://schemas.openxmlformats.org/officeDocument/2006/math">
-                    <m:oMathParaPr>
-                      <m:jc m:val="center"/>
-                    </m:oMathParaPr>
-                    <m:oMath>
-                      <m:r>
-                        <m:t> </m:t>
-                      </m:r>
-                    </m:oMath>
-                  </m:oMathPara>
+                  <m:oMath xmlns:m="http://schemas.openxmlformats.org/officeDocument/2006/math">
+                    <m:r>
+                      <m:t>π</m:t>
+                    </m:r>
+                    <m:r>
+                      <m:rPr>
+                        <m:sty m:val="p"/>
+                      </m:rPr>
+                      <m:t>=</m:t>
+                    </m:r>
+                    <m:r>
+                      <m:t>0.5</m:t>
+                    </m:r>
+                  </m:oMath>
                 </a14:m>
+                <a:r>
+                  <a:rPr/>
+                  <a:t> which reflected our prior belief that there is little reason to assume the coin is not well balanced.</a:t>
+                </a:r>
               </a:p>
               <a:p>
                 <a:pPr lvl="0" marL="0" indent="0">
@@ -19330,51 +19471,75 @@
                 </a:pPr>
                 <a:r>
                   <a:rPr/>
-                  <a:t>The likelihood factor in Bayesian models appears familiar: you are familiar with this from other modules (e.g. GLM module).</a:t>
+                  <a:t>Clearly this was </a:t>
+                </a:r>
+                <a:r>
+                  <a:rPr b="1"/>
+                  <a:t>informative</a:t>
+                </a:r>
+                <a:r>
+                  <a:rPr/>
+                  <a:t>: the prior distribution the prior expressed specific, definite information about </a:t>
+                </a:r>
+                <a14:m>
+                  <m:oMath xmlns:m="http://schemas.openxmlformats.org/officeDocument/2006/math">
+                    <m:r>
+                      <m:t>π</m:t>
+                    </m:r>
+                  </m:oMath>
+                </a14:m>
+                <a:r>
+                  <a:rPr/>
+                  <a:t> and favoured </a:t>
+                </a:r>
+                <a14:m>
+                  <m:oMath xmlns:m="http://schemas.openxmlformats.org/officeDocument/2006/math">
+                    <m:r>
+                      <m:t>π</m:t>
+                    </m:r>
+                    <m:r>
+                      <m:rPr>
+                        <m:sty m:val="p"/>
+                      </m:rPr>
+                      <m:t>=</m:t>
+                    </m:r>
+                    <m:r>
+                      <m:t>0.5</m:t>
+                    </m:r>
+                  </m:oMath>
+                </a14:m>
+                <a:r>
+                  <a:rPr/>
+                  <a:t>.</a:t>
                 </a:r>
               </a:p>
               <a:p>
                 <a:pPr lvl="0" marL="0" indent="0">
                   <a:buNone/>
                 </a:pPr>
+                <a:r>
+                  <a:rPr/>
+                  <a:t>But a Beta(2,2) and a Beta(8,8) would also have had highest density at </a:t>
+                </a:r>
                 <a14:m>
-                  <m:oMathPara xmlns:m="http://schemas.openxmlformats.org/officeDocument/2006/math">
-                    <m:oMathParaPr>
-                      <m:jc m:val="center"/>
-                    </m:oMathParaPr>
-                    <m:oMath>
-                      <m:r>
-                        <m:t> </m:t>
-                      </m:r>
-                    </m:oMath>
-                  </m:oMathPara>
+                  <m:oMath xmlns:m="http://schemas.openxmlformats.org/officeDocument/2006/math">
+                    <m:r>
+                      <m:t>π</m:t>
+                    </m:r>
+                    <m:r>
+                      <m:rPr>
+                        <m:sty m:val="p"/>
+                      </m:rPr>
+                      <m:t>=</m:t>
+                    </m:r>
+                    <m:r>
+                      <m:t>0.5</m:t>
+                    </m:r>
+                  </m:oMath>
                 </a14:m>
-              </a:p>
-              <a:p>
-                <a:pPr lvl="0" marL="0" indent="0">
-                  <a:buNone/>
-                </a:pPr>
-                <a:r>
-                  <a:rPr/>
-                  <a:t>You may struggle with the prior distribution: how do you decide what is a good prior distribution?</a:t>
-                </a:r>
-              </a:p>
-              <a:p>
-                <a:pPr lvl="0" marL="0" indent="0">
-                  <a:buNone/>
-                </a:pPr>
-                <a:r>
-                  <a:rPr/>
-                  <a:t>A good solution is to ask experts in the field you are working in. You can even combine priors from several experts through a mixture distribution of priors and this also allows you to specify different weights for different expert.</a:t>
-                </a:r>
-              </a:p>
-              <a:p>
-                <a:pPr lvl="0" marL="0" indent="0">
-                  <a:buNone/>
-                </a:pPr>
-                <a:r>
-                  <a:rPr/>
-                  <a:t>However, experts are not always available…</a:t>
+                <a:r>
+                  <a:rPr/>
+                  <a:t>.</a:t>
                 </a:r>
               </a:p>
             </p:txBody>
@@ -19474,138 +19639,36 @@
           </a:p>
         </p:txBody>
       </p:sp>
-      <mc:AlternateContent xmlns:mc="http://schemas.openxmlformats.org/markup-compatibility/2006">
-        <mc:Choice xmlns:a14="http://schemas.microsoft.com/office/drawing/2010/main" Requires="a14">
-          <p:sp>
-            <p:nvSpPr>
-              <p:cNvPr id="3" name="Content Placeholder 2">
-                <a:extLst>
-                  <a:ext uri="{FF2B5EF4-FFF2-40B4-BE49-F238E27FC236}">
-                    <a16:creationId xmlns:a16="http://schemas.microsoft.com/office/drawing/2014/main" id="{288BC91F-1C76-43AE-8B2A-956D48B768BE}"/>
-                  </a:ext>
-                </a:extLst>
-              </p:cNvPr>
-              <p:cNvSpPr>
-                <a:spLocks noGrp="1"/>
-              </p:cNvSpPr>
-              <p:nvPr>
-                <p:ph idx="1"/>
-              </p:nvPr>
-            </p:nvSpPr>
-            <p:spPr/>
-            <p:txBody>
-              <a:bodyPr/>
-              <a:lstStyle/>
-              <a:p>
-                <a:pPr lvl="0" marL="0" indent="0">
-                  <a:buNone/>
-                </a:pPr>
-                <a:r>
-                  <a:rPr/>
-                  <a:t>In the first coin toss experiment we used a Beta(4,4) distribution. We argued this was appropriate since it had highest density at </a:t>
-                </a:r>
-                <a14:m>
-                  <m:oMath xmlns:m="http://schemas.openxmlformats.org/officeDocument/2006/math">
-                    <m:r>
-                      <m:t>π</m:t>
-                    </m:r>
-                    <m:r>
-                      <m:rPr>
-                        <m:sty m:val="p"/>
-                      </m:rPr>
-                      <m:t>=</m:t>
-                    </m:r>
-                    <m:r>
-                      <m:t>0.5</m:t>
-                    </m:r>
-                  </m:oMath>
-                </a14:m>
-                <a:r>
-                  <a:rPr/>
-                  <a:t> which reflected our prior belief that there is little reason to assume the coin is not well balanced.</a:t>
-                </a:r>
-              </a:p>
-              <a:p>
-                <a:pPr lvl="0" marL="0" indent="0">
-                  <a:buNone/>
-                </a:pPr>
-                <a:r>
-                  <a:rPr/>
-                  <a:t>Clearly this was </a:t>
-                </a:r>
-                <a:r>
-                  <a:rPr b="1"/>
-                  <a:t>informative</a:t>
-                </a:r>
-                <a:r>
-                  <a:rPr/>
-                  <a:t>: the prior distribution the prior expressed specific, definite information about </a:t>
-                </a:r>
-                <a14:m>
-                  <m:oMath xmlns:m="http://schemas.openxmlformats.org/officeDocument/2006/math">
-                    <m:r>
-                      <m:t>π</m:t>
-                    </m:r>
-                  </m:oMath>
-                </a14:m>
-                <a:r>
-                  <a:rPr/>
-                  <a:t> and favoured </a:t>
-                </a:r>
-                <a14:m>
-                  <m:oMath xmlns:m="http://schemas.openxmlformats.org/officeDocument/2006/math">
-                    <m:r>
-                      <m:t>π</m:t>
-                    </m:r>
-                    <m:r>
-                      <m:rPr>
-                        <m:sty m:val="p"/>
-                      </m:rPr>
-                      <m:t>=</m:t>
-                    </m:r>
-                    <m:r>
-                      <m:t>0.5</m:t>
-                    </m:r>
-                  </m:oMath>
-                </a14:m>
-                <a:r>
-                  <a:rPr/>
-                  <a:t>.</a:t>
-                </a:r>
-              </a:p>
-              <a:p>
-                <a:pPr lvl="0" marL="0" indent="0">
-                  <a:buNone/>
-                </a:pPr>
-                <a:r>
-                  <a:rPr/>
-                  <a:t>But a Beta(2,2) and a Beta(8,8) would also have had highest density at </a:t>
-                </a:r>
-                <a14:m>
-                  <m:oMath xmlns:m="http://schemas.openxmlformats.org/officeDocument/2006/math">
-                    <m:r>
-                      <m:t>π</m:t>
-                    </m:r>
-                    <m:r>
-                      <m:rPr>
-                        <m:sty m:val="p"/>
-                      </m:rPr>
-                      <m:t>=</m:t>
-                    </m:r>
-                    <m:r>
-                      <m:t>0.5</m:t>
-                    </m:r>
-                  </m:oMath>
-                </a14:m>
-                <a:r>
-                  <a:rPr/>
-                  <a:t>.</a:t>
-                </a:r>
-              </a:p>
-            </p:txBody>
-          </p:sp>
-        </mc:Choice>
-      </mc:AlternateContent>
+      <p:pic>
+        <p:nvPicPr>
+          <p:cNvPr descr="Chanco_STA623_BDA_2022_Henrion_Session2_files/figure-pptx/unnamed-chunk-7-1.png" id="0" name="Picture 1"/>
+          <p:cNvPicPr>
+            <a:picLocks noGrp="1" noChangeAspect="1"/>
+          </p:cNvPicPr>
+          <p:nvPr/>
+        </p:nvPicPr>
+        <p:blipFill>
+          <a:blip r:embed="rId2"/>
+          <a:stretch>
+            <a:fillRect/>
+          </a:stretch>
+        </p:blipFill>
+        <p:spPr bwMode="auto">
+          <a:xfrm>
+            <a:off x="1955800" y="1816100"/>
+            <a:ext cx="8280400" cy="4660900"/>
+          </a:xfrm>
+          <a:prstGeom prst="rect">
+            <a:avLst/>
+          </a:prstGeom>
+          <a:noFill/>
+          <a:ln w="9525">
+            <a:noFill/>
+            <a:headEnd/>
+            <a:tailEnd/>
+          </a:ln>
+        </p:spPr>
+      </p:pic>
     </p:spTree>
   </p:cSld>
 </p:sld>
@@ -19686,7 +19749,7 @@
             </a:r>
             <a:r>
               <a:rPr/>
-              <a:t>non-informative</a:t>
+              <a:t>vague</a:t>
             </a:r>
             <a:r>
               <a:rPr/>
@@ -19699,40 +19762,112 @@
           </a:p>
         </p:txBody>
       </p:sp>
-      <p:sp>
-        <p:nvSpPr>
-          <p:cNvPr id="3" name="Content Placeholder 2">
-            <a:extLst>
-              <a:ext uri="{FF2B5EF4-FFF2-40B4-BE49-F238E27FC236}">
-                <a16:creationId xmlns:a16="http://schemas.microsoft.com/office/drawing/2014/main" id="{288BC91F-1C76-43AE-8B2A-956D48B768BE}"/>
-              </a:ext>
-            </a:extLst>
-          </p:cNvPr>
-          <p:cNvSpPr>
-            <a:spLocks noGrp="1"/>
-          </p:cNvSpPr>
-          <p:nvPr>
-            <p:ph idx="1"/>
-          </p:nvPr>
-        </p:nvSpPr>
-        <p:spPr/>
-        <p:txBody>
-          <a:bodyPr/>
-          <a:lstStyle/>
-          <a:p>
-            <a:pPr lvl="0" indent="0">
-              <a:buNone/>
-            </a:pPr>
-            <a:r>
-              <a:rPr>
-                <a:latin typeface="Courier"/>
-              </a:rPr>
-              <a:t>## Warning: `guides(&lt;scale&gt; = FALSE)` is deprecated. Please use `guides(&lt;scale&gt; =
-## "none")` instead.</a:t>
-            </a:r>
-          </a:p>
-        </p:txBody>
-      </p:sp>
+      <mc:AlternateContent xmlns:mc="http://schemas.openxmlformats.org/markup-compatibility/2006">
+        <mc:Choice xmlns:a14="http://schemas.microsoft.com/office/drawing/2010/main" Requires="a14">
+          <p:sp>
+            <p:nvSpPr>
+              <p:cNvPr id="3" name="Content Placeholder 2">
+                <a:extLst>
+                  <a:ext uri="{FF2B5EF4-FFF2-40B4-BE49-F238E27FC236}">
+                    <a16:creationId xmlns:a16="http://schemas.microsoft.com/office/drawing/2014/main" id="{288BC91F-1C76-43AE-8B2A-956D48B768BE}"/>
+                  </a:ext>
+                </a:extLst>
+              </p:cNvPr>
+              <p:cNvSpPr>
+                <a:spLocks noGrp="1"/>
+              </p:cNvSpPr>
+              <p:nvPr>
+                <p:ph idx="1"/>
+              </p:nvPr>
+            </p:nvSpPr>
+            <p:spPr/>
+            <p:txBody>
+              <a:bodyPr/>
+              <a:lstStyle/>
+              <a:p>
+                <a:pPr lvl="0" marL="0" indent="0">
+                  <a:buNone/>
+                </a:pPr>
+                <a:r>
+                  <a:rPr/>
+                  <a:t>Depending on how sure we are, we can go for a more peaked distribution.</a:t>
+                </a:r>
+              </a:p>
+              <a:p>
+                <a:pPr lvl="0" marL="0" indent="0">
+                  <a:buNone/>
+                </a:pPr>
+                <a:r>
+                  <a:rPr/>
+                  <a:t>If we have no prior knowledge at all, you could also argue that all values of </a:t>
+                </a:r>
+                <a14:m>
+                  <m:oMath xmlns:m="http://schemas.openxmlformats.org/officeDocument/2006/math">
+                    <m:r>
+                      <m:t>π</m:t>
+                    </m:r>
+                  </m:oMath>
+                </a14:m>
+                <a:r>
+                  <a:rPr/>
+                  <a:t> are equally likely. This would justify a uniform(0,1) distribution.</a:t>
+                </a:r>
+              </a:p>
+              <a:p>
+                <a:pPr lvl="0" marL="0" indent="0">
+                  <a:buNone/>
+                </a:pPr>
+                <a:r>
+                  <a:rPr/>
+                  <a:t>A prior distribution which expresses only general or vague information about a parameter is called </a:t>
+                </a:r>
+                <a:r>
+                  <a:rPr b="1"/>
+                  <a:t>non-informative</a:t>
+                </a:r>
+                <a:r>
+                  <a:rPr/>
+                  <a:t>, </a:t>
+                </a:r>
+                <a:r>
+                  <a:rPr b="1"/>
+                  <a:t>vague</a:t>
+                </a:r>
+                <a:r>
+                  <a:rPr/>
+                  <a:t> or </a:t>
+                </a:r>
+                <a:r>
+                  <a:rPr b="1"/>
+                  <a:t>diffuse prior</a:t>
+                </a:r>
+                <a:r>
+                  <a:rPr/>
+                  <a:t>.</a:t>
+                </a:r>
+              </a:p>
+              <a:p>
+                <a:pPr lvl="0" marL="0" indent="0">
+                  <a:buNone/>
+                </a:pPr>
+                <a:r>
+                  <a:rPr/>
+                  <a:t>Note that assuming all possible values for a parameter to be equally likely is not, strictly speaking, equivalent to being completely ignorant.</a:t>
+                </a:r>
+              </a:p>
+              <a:p>
+                <a:pPr lvl="0" marL="0" indent="0">
+                  <a:buNone/>
+                </a:pPr>
+                <a:r>
+                  <a:rPr/>
+                  <a:t>Note: Beta(1,1) = Uniform(0,1).</a:t>
+                </a:r>
+              </a:p>
+            </p:txBody>
+          </p:sp>
+        </mc:Choice>
+      </mc:AlternateContent>
     </p:spTree>
   </p:cSld>
 </p:sld>
@@ -19755,36 +19890,184 @@
           <a:chExt cx="0" cy="0"/>
         </a:xfrm>
       </p:grpSpPr>
-      <p:pic>
-        <p:nvPicPr>
-          <p:cNvPr descr="Chanco_STA623_BDA_2022_Henrion_Session2_files/figure-pptx/unnamed-chunk-7-1.png" id="0" name="Picture 1"/>
-          <p:cNvPicPr>
-            <a:picLocks noGrp="1" noChangeAspect="1"/>
-          </p:cNvPicPr>
-          <p:nvPr/>
-        </p:nvPicPr>
-        <p:blipFill>
-          <a:blip r:embed="rId2"/>
-          <a:stretch>
-            <a:fillRect/>
-          </a:stretch>
-        </p:blipFill>
-        <p:spPr bwMode="auto">
-          <a:xfrm>
-            <a:off x="1955800" y="1816100"/>
-            <a:ext cx="8280400" cy="4660900"/>
-          </a:xfrm>
-          <a:prstGeom prst="rect">
-            <a:avLst/>
-          </a:prstGeom>
-          <a:noFill/>
-          <a:ln w="9525">
-            <a:noFill/>
-            <a:headEnd/>
-            <a:tailEnd/>
-          </a:ln>
-        </p:spPr>
-      </p:pic>
+      <p:sp>
+        <p:nvSpPr>
+          <p:cNvPr id="2" name="Title 1">
+            <a:extLst>
+              <a:ext uri="{FF2B5EF4-FFF2-40B4-BE49-F238E27FC236}">
+                <a16:creationId xmlns:a16="http://schemas.microsoft.com/office/drawing/2014/main" id="{D6AA89D5-560C-4369-A313-7C24EDF028A0}"/>
+              </a:ext>
+            </a:extLst>
+          </p:cNvPr>
+          <p:cNvSpPr>
+            <a:spLocks noGrp="1"/>
+          </p:cNvSpPr>
+          <p:nvPr>
+            <p:ph type="title"/>
+          </p:nvPr>
+        </p:nvSpPr>
+        <p:spPr/>
+        <p:txBody>
+          <a:bodyPr/>
+          <a:lstStyle/>
+          <a:p>
+            <a:pPr lvl="0" marL="0" indent="0">
+              <a:buNone/>
+            </a:pPr>
+            <a:r>
+              <a:rPr/>
+              <a:t>Prior</a:t>
+            </a:r>
+            <a:r>
+              <a:rPr/>
+              <a:t> </a:t>
+            </a:r>
+            <a:r>
+              <a:rPr/>
+              <a:t>distributions:</a:t>
+            </a:r>
+            <a:r>
+              <a:rPr/>
+              <a:t> </a:t>
+            </a:r>
+            <a:r>
+              <a:rPr/>
+              <a:t>informative</a:t>
+            </a:r>
+            <a:r>
+              <a:rPr/>
+              <a:t> </a:t>
+            </a:r>
+            <a:r>
+              <a:rPr/>
+              <a:t>&amp;</a:t>
+            </a:r>
+            <a:r>
+              <a:rPr/>
+              <a:t> </a:t>
+            </a:r>
+            <a:r>
+              <a:rPr/>
+              <a:t>vague</a:t>
+            </a:r>
+            <a:r>
+              <a:rPr/>
+              <a:t> </a:t>
+            </a:r>
+            <a:r>
+              <a:rPr/>
+              <a:t>priors</a:t>
+            </a:r>
+          </a:p>
+        </p:txBody>
+      </p:sp>
+      <mc:AlternateContent xmlns:mc="http://schemas.openxmlformats.org/markup-compatibility/2006">
+        <mc:Choice xmlns:a14="http://schemas.microsoft.com/office/drawing/2010/main" Requires="a14">
+          <p:sp>
+            <p:nvSpPr>
+              <p:cNvPr id="3" name="Content Placeholder 2">
+                <a:extLst>
+                  <a:ext uri="{FF2B5EF4-FFF2-40B4-BE49-F238E27FC236}">
+                    <a16:creationId xmlns:a16="http://schemas.microsoft.com/office/drawing/2014/main" id="{288BC91F-1C76-43AE-8B2A-956D48B768BE}"/>
+                  </a:ext>
+                </a:extLst>
+              </p:cNvPr>
+              <p:cNvSpPr>
+                <a:spLocks noGrp="1"/>
+              </p:cNvSpPr>
+              <p:nvPr>
+                <p:ph idx="1"/>
+              </p:nvPr>
+            </p:nvSpPr>
+            <p:spPr/>
+            <p:txBody>
+              <a:bodyPr/>
+              <a:lstStyle/>
+              <a:p>
+                <a:pPr lvl="0" marL="0" indent="0">
+                  <a:buNone/>
+                </a:pPr>
+                <a:r>
+                  <a:rPr/>
+                  <a:t>How do you come up with a vague prior?</a:t>
+                </a:r>
+              </a:p>
+              <a:p>
+                <a:pPr lvl="0" marL="0" indent="0">
+                  <a:buNone/>
+                </a:pPr>
+                <a:r>
+                  <a:rPr/>
+                  <a:t>Easy in the case of the discrete or continuous uniform distribution, but this does not work for discrete distributions with an infinity of possible values or a continuous distributions over an open-ended interval.</a:t>
+                </a:r>
+              </a:p>
+              <a:p>
+                <a:pPr lvl="0" marL="0" indent="0">
+                  <a:buNone/>
+                </a:pPr>
+                <a:r>
+                  <a:rPr/>
+                  <a:t>Solution: choose priors with an objective mean / median and large variance, e.g. </a:t>
+                </a:r>
+                <a14:m>
+                  <m:oMath xmlns:m="http://schemas.openxmlformats.org/officeDocument/2006/math">
+                    <m:r>
+                      <m:rPr>
+                        <m:sty m:val="p"/>
+                        <m:scr m:val="script"/>
+                      </m:rPr>
+                      <m:t>N</m:t>
+                    </m:r>
+                    <m:d>
+                      <m:dPr>
+                        <m:begChr m:val="("/>
+                        <m:endChr m:val=")"/>
+                        <m:sepChr m:val=""/>
+                        <m:grow/>
+                      </m:dPr>
+                      <m:e>
+                        <m:r>
+                          <m:t>0</m:t>
+                        </m:r>
+                        <m:r>
+                          <m:rPr>
+                            <m:sty m:val="p"/>
+                          </m:rPr>
+                          <m:t>,</m:t>
+                        </m:r>
+                        <m:r>
+                          <m:t>10</m:t>
+                        </m:r>
+                      </m:e>
+                    </m:d>
+                  </m:oMath>
+                </a14:m>
+                <a:r>
+                  <a:rPr/>
+                  <a:t>.</a:t>
+                </a:r>
+              </a:p>
+              <a:p>
+                <a:pPr lvl="0" marL="0" indent="0">
+                  <a:buNone/>
+                </a:pPr>
+                <a:r>
+                  <a:rPr/>
+                  <a:t>Such priors are called </a:t>
+                </a:r>
+                <a:r>
+                  <a:rPr b="1"/>
+                  <a:t>weakly informative</a:t>
+                </a:r>
+                <a:r>
+                  <a:rPr/>
+                  <a:t> and are very useful for regularisation, i.e. to keep inferences in a reasonable range.</a:t>
+                </a:r>
+              </a:p>
+            </p:txBody>
+          </p:sp>
+        </mc:Choice>
+      </mc:AlternateContent>
     </p:spTree>
   </p:cSld>
 </p:sld>
@@ -19849,7 +20132,7 @@
             </a:r>
             <a:r>
               <a:rPr/>
-              <a:t>informative</a:t>
+              <a:t>Jeffreys</a:t>
             </a:r>
             <a:r>
               <a:rPr/>
@@ -19857,23 +20140,7 @@
             </a:r>
             <a:r>
               <a:rPr/>
-              <a:t>&amp;</a:t>
-            </a:r>
-            <a:r>
-              <a:rPr/>
-              <a:t> </a:t>
-            </a:r>
-            <a:r>
-              <a:rPr/>
-              <a:t>non-informative</a:t>
-            </a:r>
-            <a:r>
-              <a:rPr/>
-              <a:t> </a:t>
-            </a:r>
-            <a:r>
-              <a:rPr/>
-              <a:t>priors</a:t>
+              <a:t>prior</a:t>
             </a:r>
           </a:p>
         </p:txBody>
@@ -19906,28 +20173,118 @@
                 </a:pPr>
                 <a:r>
                   <a:rPr/>
-                  <a:t>Depending on how sure we are, we can go for a more peaked distribution.</a:t>
+                  <a:t>Sir Harold Jeffreys devised a general rule for generating an objective or vague priors for a sampling model </a:t>
+                </a:r>
+                <a14:m>
+                  <m:oMath xmlns:m="http://schemas.openxmlformats.org/officeDocument/2006/math">
+                    <m:r>
+                      <m:t>p</m:t>
+                    </m:r>
+                    <m:d>
+                      <m:dPr>
+                        <m:begChr m:val="("/>
+                        <m:endChr m:val=")"/>
+                        <m:sepChr m:val=""/>
+                        <m:grow/>
+                      </m:dPr>
+                      <m:e>
+                        <m:r>
+                          <m:t>y</m:t>
+                        </m:r>
+                        <m:r>
+                          <m:rPr>
+                            <m:sty m:val="p"/>
+                          </m:rPr>
+                          <m:t>|</m:t>
+                        </m:r>
+                        <m:r>
+                          <m:t>θ</m:t>
+                        </m:r>
+                      </m:e>
+                    </m:d>
+                  </m:oMath>
+                </a14:m>
+                <a:r>
+                  <a:rPr/>
+                  <a:t>. The </a:t>
+                </a:r>
+                <a:r>
+                  <a:rPr b="1"/>
+                  <a:t>Jeffreys prior</a:t>
+                </a:r>
+                <a:r>
+                  <a:rPr/>
+                  <a:t> is given by</a:t>
                 </a:r>
               </a:p>
               <a:p>
                 <a:pPr lvl="0" marL="0" indent="0">
                   <a:buNone/>
                 </a:pPr>
-                <a:r>
-                  <a:rPr/>
-                  <a:t>If we have no prior knowledge at all, you could also argue that all values of </a:t>
-                </a:r>
                 <a14:m>
-                  <m:oMath xmlns:m="http://schemas.openxmlformats.org/officeDocument/2006/math">
-                    <m:r>
-                      <m:t>π</m:t>
-                    </m:r>
-                  </m:oMath>
+                  <m:oMathPara xmlns:m="http://schemas.openxmlformats.org/officeDocument/2006/math">
+                    <m:oMathParaPr>
+                      <m:jc m:val="center"/>
+                    </m:oMathParaPr>
+                    <m:oMath>
+                      <m:sSub>
+                        <m:e>
+                          <m:r>
+                            <m:t>p</m:t>
+                          </m:r>
+                        </m:e>
+                        <m:sub>
+                          <m:r>
+                            <m:t>J</m:t>
+                          </m:r>
+                        </m:sub>
+                      </m:sSub>
+                      <m:d>
+                        <m:dPr>
+                          <m:begChr m:val="("/>
+                          <m:endChr m:val=")"/>
+                          <m:sepChr m:val=""/>
+                          <m:grow/>
+                        </m:dPr>
+                        <m:e>
+                          <m:r>
+                            <m:t>θ</m:t>
+                          </m:r>
+                        </m:e>
+                      </m:d>
+                      <m:r>
+                        <m:rPr>
+                          <m:sty m:val="p"/>
+                        </m:rPr>
+                        <m:t>∝</m:t>
+                      </m:r>
+                      <m:rad>
+                        <m:radPr>
+                          <m:degHide m:val="1"/>
+                        </m:radPr>
+                        <m:deg/>
+                        <m:e>
+                          <m:r>
+                            <m:t>I</m:t>
+                          </m:r>
+                          <m:d>
+                            <m:dPr>
+                              <m:begChr m:val="("/>
+                              <m:endChr m:val=")"/>
+                              <m:sepChr m:val=""/>
+                              <m:grow/>
+                            </m:dPr>
+                            <m:e>
+                              <m:r>
+                                <m:t>θ</m:t>
+                              </m:r>
+                            </m:e>
+                          </m:d>
+                        </m:e>
+                      </m:rad>
+                    </m:oMath>
+                  </m:oMathPara>
                 </a14:m>
-                <a:r>
-                  <a:rPr/>
-                  <a:t> are equally likely. This would justify a uniform(0,1) distribution.</a:t>
-                </a:r>
               </a:p>
               <a:p>
                 <a:pPr lvl="0" marL="0" indent="0">
@@ -19935,19 +20292,144 @@
                 </a:pPr>
                 <a:r>
                   <a:rPr/>
-                  <a:t>A prior distribution which expresses only general or vague information about a parameter is called </a:t>
-                </a:r>
-                <a:r>
-                  <a:rPr b="1"/>
-                  <a:t>non-informative</a:t>
-                </a:r>
-                <a:r>
-                  <a:rPr/>
-                  <a:t> or </a:t>
-                </a:r>
-                <a:r>
-                  <a:rPr b="1"/>
-                  <a:t>diffuse prior</a:t>
+                  <a:t>where </a:t>
+                </a:r>
+                <a14:m>
+                  <m:oMath xmlns:m="http://schemas.openxmlformats.org/officeDocument/2006/math">
+                    <m:r>
+                      <m:t>I</m:t>
+                    </m:r>
+                    <m:d>
+                      <m:dPr>
+                        <m:begChr m:val="("/>
+                        <m:endChr m:val=")"/>
+                        <m:sepChr m:val=""/>
+                        <m:grow/>
+                      </m:dPr>
+                      <m:e>
+                        <m:r>
+                          <m:t>θ</m:t>
+                        </m:r>
+                      </m:e>
+                    </m:d>
+                    <m:r>
+                      <m:rPr>
+                        <m:sty m:val="p"/>
+                      </m:rPr>
+                      <m:t>=</m:t>
+                    </m:r>
+                    <m:r>
+                      <m:rPr>
+                        <m:sty m:val="p"/>
+                      </m:rPr>
+                      <m:t>−</m:t>
+                    </m:r>
+                    <m:r>
+                      <m:t>E</m:t>
+                    </m:r>
+                    <m:d>
+                      <m:dPr>
+                        <m:begChr m:val="["/>
+                        <m:endChr m:val="]"/>
+                        <m:sepChr m:val=""/>
+                        <m:grow/>
+                      </m:dPr>
+                      <m:e>
+                        <m:d>
+                          <m:dPr>
+                            <m:begChr m:val=""/>
+                            <m:endChr m:val="|"/>
+                            <m:sepChr m:val=""/>
+                            <m:grow/>
+                          </m:dPr>
+                          <m:e>
+                            <m:f>
+                              <m:fPr>
+                                <m:type m:val="bar"/>
+                              </m:fPr>
+                              <m:num>
+                                <m:sSup>
+                                  <m:e>
+                                    <m:r>
+                                      <m:t>δ</m:t>
+                                    </m:r>
+                                  </m:e>
+                                  <m:sup>
+                                    <m:r>
+                                      <m:t>2</m:t>
+                                    </m:r>
+                                  </m:sup>
+                                </m:sSup>
+                              </m:num>
+                              <m:den>
+                                <m:r>
+                                  <m:t>δ</m:t>
+                                </m:r>
+                                <m:sSup>
+                                  <m:e>
+                                    <m:r>
+                                      <m:t>θ</m:t>
+                                    </m:r>
+                                  </m:e>
+                                  <m:sup>
+                                    <m:r>
+                                      <m:t>2</m:t>
+                                    </m:r>
+                                  </m:sup>
+                                </m:sSup>
+                              </m:den>
+                            </m:f>
+                            <m:r>
+                              <m:rPr>
+                                <m:nor/>
+                                <m:sty m:val="p"/>
+                              </m:rPr>
+                              <m:t>log</m:t>
+                            </m:r>
+                            <m:r>
+                              <m:t> </m:t>
+                            </m:r>
+                            <m:r>
+                              <m:t>p</m:t>
+                            </m:r>
+                            <m:d>
+                              <m:dPr>
+                                <m:begChr m:val="("/>
+                                <m:endChr m:val=")"/>
+                                <m:sepChr m:val=""/>
+                                <m:grow/>
+                              </m:dPr>
+                              <m:e>
+                                <m:r>
+                                  <m:t>X</m:t>
+                                </m:r>
+                                <m:r>
+                                  <m:rPr>
+                                    <m:sty m:val="p"/>
+                                  </m:rPr>
+                                  <m:t>|</m:t>
+                                </m:r>
+                                <m:r>
+                                  <m:t>θ</m:t>
+                                </m:r>
+                              </m:e>
+                            </m:d>
+                          </m:e>
+                        </m:d>
+                        <m:r>
+                          <m:t>θ</m:t>
+                        </m:r>
+                      </m:e>
+                    </m:d>
+                  </m:oMath>
+                </a14:m>
+                <a:r>
+                  <a:rPr/>
+                  <a:t> is the </a:t>
+                </a:r>
+                <a:r>
+                  <a:rPr i="1"/>
+                  <a:t>Fisher information</a:t>
                 </a:r>
                 <a:r>
                   <a:rPr/>
@@ -19958,10 +20440,18 @@
                 <a:pPr lvl="0" marL="0" indent="0">
                   <a:buNone/>
                 </a:pPr>
-                <a:r>
-                  <a:rPr/>
-                  <a:t>Note that assuming all possible values for a parameter to be equally likely is not, strictly speaking, equivalent to being completely ignorant.</a:t>
-                </a:r>
+                <a14:m>
+                  <m:oMathPara xmlns:m="http://schemas.openxmlformats.org/officeDocument/2006/math">
+                    <m:oMathParaPr>
+                      <m:jc m:val="center"/>
+                    </m:oMathParaPr>
+                    <m:oMath>
+                      <m:r>
+                        <m:t> </m:t>
+                      </m:r>
+                    </m:oMath>
+                  </m:oMathPara>
+                </a14:m>
               </a:p>
               <a:p>
                 <a:pPr lvl="0" marL="0" indent="0">
@@ -19969,7 +20459,24 @@
                 </a:pPr>
                 <a:r>
                   <a:rPr/>
-                  <a:t>Note: Beta(1,1) = Uniform(0,1).</a:t>
+                  <a:t>This can lead to prior distributions which are not actually probability distributions. These are called </a:t>
+                </a:r>
+                <a:r>
+                  <a:rPr b="1"/>
+                  <a:t>improper priors</a:t>
+                </a:r>
+                <a:r>
+                  <a:rPr/>
+                  <a:t> (see practical).</a:t>
+                </a:r>
+              </a:p>
+              <a:p>
+                <a:pPr lvl="0" marL="0" indent="0">
+                  <a:buNone/>
+                </a:pPr>
+                <a:r>
+                  <a:rPr/>
+                  <a:t>An important property of Jeffreys priors is that they are invariant under transformation.</a:t>
                 </a:r>
               </a:p>
             </p:txBody>
@@ -20040,7 +20547,7 @@
             </a:r>
             <a:r>
               <a:rPr/>
-              <a:t>informative</a:t>
+              <a:t>Jeffreys</a:t>
             </a:r>
             <a:r>
               <a:rPr/>
@@ -20048,23 +20555,7 @@
             </a:r>
             <a:r>
               <a:rPr/>
-              <a:t>&amp;</a:t>
-            </a:r>
-            <a:r>
-              <a:rPr/>
-              <a:t> </a:t>
-            </a:r>
-            <a:r>
-              <a:rPr/>
-              <a:t>non-informative</a:t>
-            </a:r>
-            <a:r>
-              <a:rPr/>
-              <a:t> </a:t>
-            </a:r>
-            <a:r>
-              <a:rPr/>
-              <a:t>priors</a:t>
+              <a:t>prior</a:t>
             </a:r>
           </a:p>
         </p:txBody>
@@ -20097,605 +20588,6 @@
                 </a:pPr>
                 <a:r>
                   <a:rPr/>
-                  <a:t>How do you come up with a non-informative prior?</a:t>
-                </a:r>
-              </a:p>
-              <a:p>
-                <a:pPr lvl="0" marL="0" indent="0">
-                  <a:buNone/>
-                </a:pPr>
-                <a:r>
-                  <a:rPr/>
-                  <a:t>Easy in the case of the discrete or continuous uniform distribution, but this does not work for discrete distributions with an infinity of possible values or a continuous distributions over an open-ended interval.</a:t>
-                </a:r>
-              </a:p>
-              <a:p>
-                <a:pPr lvl="0" marL="0" indent="0">
-                  <a:buNone/>
-                </a:pPr>
-                <a:r>
-                  <a:rPr/>
-                  <a:t>Solution: choose priors with an objective mean / median and large variance, e.g. </a:t>
-                </a:r>
-                <a14:m>
-                  <m:oMath xmlns:m="http://schemas.openxmlformats.org/officeDocument/2006/math">
-                    <m:r>
-                      <m:rPr>
-                        <m:sty m:val="p"/>
-                        <m:scr m:val="script"/>
-                      </m:rPr>
-                      <m:t>N</m:t>
-                    </m:r>
-                    <m:d>
-                      <m:dPr>
-                        <m:begChr m:val="("/>
-                        <m:endChr m:val=")"/>
-                        <m:sepChr m:val=""/>
-                        <m:grow/>
-                      </m:dPr>
-                      <m:e>
-                        <m:r>
-                          <m:t>0</m:t>
-                        </m:r>
-                        <m:r>
-                          <m:rPr>
-                            <m:sty m:val="p"/>
-                          </m:rPr>
-                          <m:t>,</m:t>
-                        </m:r>
-                        <m:r>
-                          <m:t>10</m:t>
-                        </m:r>
-                      </m:e>
-                    </m:d>
-                  </m:oMath>
-                </a14:m>
-                <a:r>
-                  <a:rPr/>
-                  <a:t>.</a:t>
-                </a:r>
-              </a:p>
-              <a:p>
-                <a:pPr lvl="0" marL="0" indent="0">
-                  <a:buNone/>
-                </a:pPr>
-                <a:r>
-                  <a:rPr/>
-                  <a:t>Such priors are called </a:t>
-                </a:r>
-                <a:r>
-                  <a:rPr b="1"/>
-                  <a:t>weakly informative</a:t>
-                </a:r>
-                <a:r>
-                  <a:rPr/>
-                  <a:t> and are very useful for regularisation, i.e. to keep inferences in a reasonable range.</a:t>
-                </a:r>
-              </a:p>
-            </p:txBody>
-          </p:sp>
-        </mc:Choice>
-      </mc:AlternateContent>
-    </p:spTree>
-  </p:cSld>
-</p:sld>
-</file>
-
-<file path=ppt/slides/slide56.xml><?xml version="1.0" encoding="utf-8"?>
-<p:sld xmlns:a="http://schemas.openxmlformats.org/drawingml/2006/main" xmlns:r="http://schemas.openxmlformats.org/officeDocument/2006/relationships" xmlns:p="http://schemas.openxmlformats.org/presentationml/2006/main">
-  <p:cSld>
-    <p:spTree>
-      <p:nvGrpSpPr>
-        <p:cNvPr id="1" name=""/>
-        <p:cNvGrpSpPr/>
-        <p:nvPr/>
-      </p:nvGrpSpPr>
-      <p:grpSpPr>
-        <a:xfrm>
-          <a:off x="0" y="0"/>
-          <a:ext cx="0" cy="0"/>
-          <a:chOff x="0" y="0"/>
-          <a:chExt cx="0" cy="0"/>
-        </a:xfrm>
-      </p:grpSpPr>
-      <p:sp>
-        <p:nvSpPr>
-          <p:cNvPr id="2" name="Title 1">
-            <a:extLst>
-              <a:ext uri="{FF2B5EF4-FFF2-40B4-BE49-F238E27FC236}">
-                <a16:creationId xmlns:a16="http://schemas.microsoft.com/office/drawing/2014/main" id="{D6AA89D5-560C-4369-A313-7C24EDF028A0}"/>
-              </a:ext>
-            </a:extLst>
-          </p:cNvPr>
-          <p:cNvSpPr>
-            <a:spLocks noGrp="1"/>
-          </p:cNvSpPr>
-          <p:nvPr>
-            <p:ph type="title"/>
-          </p:nvPr>
-        </p:nvSpPr>
-        <p:spPr/>
-        <p:txBody>
-          <a:bodyPr/>
-          <a:lstStyle/>
-          <a:p>
-            <a:pPr lvl="0" marL="0" indent="0">
-              <a:buNone/>
-            </a:pPr>
-            <a:r>
-              <a:rPr/>
-              <a:t>Prior</a:t>
-            </a:r>
-            <a:r>
-              <a:rPr/>
-              <a:t> </a:t>
-            </a:r>
-            <a:r>
-              <a:rPr/>
-              <a:t>distributions:</a:t>
-            </a:r>
-            <a:r>
-              <a:rPr/>
-              <a:t> </a:t>
-            </a:r>
-            <a:r>
-              <a:rPr/>
-              <a:t>Jeffreys</a:t>
-            </a:r>
-            <a:r>
-              <a:rPr/>
-              <a:t> </a:t>
-            </a:r>
-            <a:r>
-              <a:rPr/>
-              <a:t>prior</a:t>
-            </a:r>
-          </a:p>
-        </p:txBody>
-      </p:sp>
-      <mc:AlternateContent xmlns:mc="http://schemas.openxmlformats.org/markup-compatibility/2006">
-        <mc:Choice xmlns:a14="http://schemas.microsoft.com/office/drawing/2010/main" Requires="a14">
-          <p:sp>
-            <p:nvSpPr>
-              <p:cNvPr id="3" name="Content Placeholder 2">
-                <a:extLst>
-                  <a:ext uri="{FF2B5EF4-FFF2-40B4-BE49-F238E27FC236}">
-                    <a16:creationId xmlns:a16="http://schemas.microsoft.com/office/drawing/2014/main" id="{288BC91F-1C76-43AE-8B2A-956D48B768BE}"/>
-                  </a:ext>
-                </a:extLst>
-              </p:cNvPr>
-              <p:cNvSpPr>
-                <a:spLocks noGrp="1"/>
-              </p:cNvSpPr>
-              <p:nvPr>
-                <p:ph idx="1"/>
-              </p:nvPr>
-            </p:nvSpPr>
-            <p:spPr/>
-            <p:txBody>
-              <a:bodyPr/>
-              <a:lstStyle/>
-              <a:p>
-                <a:pPr lvl="0" marL="0" indent="0">
-                  <a:buNone/>
-                </a:pPr>
-                <a:r>
-                  <a:rPr/>
-                  <a:t>Sir Harold Jeffreys devised a general rule for generating an objective or non-informative priors for a sampling model </a:t>
-                </a:r>
-                <a14:m>
-                  <m:oMath xmlns:m="http://schemas.openxmlformats.org/officeDocument/2006/math">
-                    <m:r>
-                      <m:t>p</m:t>
-                    </m:r>
-                    <m:d>
-                      <m:dPr>
-                        <m:begChr m:val="("/>
-                        <m:endChr m:val=")"/>
-                        <m:sepChr m:val=""/>
-                        <m:grow/>
-                      </m:dPr>
-                      <m:e>
-                        <m:r>
-                          <m:t>y</m:t>
-                        </m:r>
-                        <m:r>
-                          <m:rPr>
-                            <m:sty m:val="p"/>
-                          </m:rPr>
-                          <m:t>|</m:t>
-                        </m:r>
-                        <m:r>
-                          <m:t>θ</m:t>
-                        </m:r>
-                      </m:e>
-                    </m:d>
-                  </m:oMath>
-                </a14:m>
-                <a:r>
-                  <a:rPr/>
-                  <a:t>. The </a:t>
-                </a:r>
-                <a:r>
-                  <a:rPr b="1"/>
-                  <a:t>Jeffreys prior</a:t>
-                </a:r>
-                <a:r>
-                  <a:rPr/>
-                  <a:t> is given by</a:t>
-                </a:r>
-              </a:p>
-              <a:p>
-                <a:pPr lvl="0" marL="0" indent="0">
-                  <a:buNone/>
-                </a:pPr>
-                <a14:m>
-                  <m:oMathPara xmlns:m="http://schemas.openxmlformats.org/officeDocument/2006/math">
-                    <m:oMathParaPr>
-                      <m:jc m:val="center"/>
-                    </m:oMathParaPr>
-                    <m:oMath>
-                      <m:sSub>
-                        <m:e>
-                          <m:r>
-                            <m:t>p</m:t>
-                          </m:r>
-                        </m:e>
-                        <m:sub>
-                          <m:r>
-                            <m:t>J</m:t>
-                          </m:r>
-                        </m:sub>
-                      </m:sSub>
-                      <m:d>
-                        <m:dPr>
-                          <m:begChr m:val="("/>
-                          <m:endChr m:val=")"/>
-                          <m:sepChr m:val=""/>
-                          <m:grow/>
-                        </m:dPr>
-                        <m:e>
-                          <m:r>
-                            <m:t>θ</m:t>
-                          </m:r>
-                        </m:e>
-                      </m:d>
-                      <m:r>
-                        <m:rPr>
-                          <m:sty m:val="p"/>
-                        </m:rPr>
-                        <m:t>∝</m:t>
-                      </m:r>
-                      <m:rad>
-                        <m:radPr>
-                          <m:degHide m:val="1"/>
-                        </m:radPr>
-                        <m:deg/>
-                        <m:e>
-                          <m:r>
-                            <m:t>I</m:t>
-                          </m:r>
-                          <m:d>
-                            <m:dPr>
-                              <m:begChr m:val="("/>
-                              <m:endChr m:val=")"/>
-                              <m:sepChr m:val=""/>
-                              <m:grow/>
-                            </m:dPr>
-                            <m:e>
-                              <m:r>
-                                <m:t>θ</m:t>
-                              </m:r>
-                            </m:e>
-                          </m:d>
-                        </m:e>
-                      </m:rad>
-                    </m:oMath>
-                  </m:oMathPara>
-                </a14:m>
-              </a:p>
-              <a:p>
-                <a:pPr lvl="0" marL="0" indent="0">
-                  <a:buNone/>
-                </a:pPr>
-                <a:r>
-                  <a:rPr/>
-                  <a:t>where </a:t>
-                </a:r>
-                <a14:m>
-                  <m:oMath xmlns:m="http://schemas.openxmlformats.org/officeDocument/2006/math">
-                    <m:r>
-                      <m:t>I</m:t>
-                    </m:r>
-                    <m:d>
-                      <m:dPr>
-                        <m:begChr m:val="("/>
-                        <m:endChr m:val=")"/>
-                        <m:sepChr m:val=""/>
-                        <m:grow/>
-                      </m:dPr>
-                      <m:e>
-                        <m:r>
-                          <m:t>θ</m:t>
-                        </m:r>
-                      </m:e>
-                    </m:d>
-                    <m:r>
-                      <m:rPr>
-                        <m:sty m:val="p"/>
-                      </m:rPr>
-                      <m:t>=</m:t>
-                    </m:r>
-                    <m:r>
-                      <m:rPr>
-                        <m:sty m:val="p"/>
-                      </m:rPr>
-                      <m:t>−</m:t>
-                    </m:r>
-                    <m:r>
-                      <m:t>E</m:t>
-                    </m:r>
-                    <m:d>
-                      <m:dPr>
-                        <m:begChr m:val="["/>
-                        <m:endChr m:val="]"/>
-                        <m:sepChr m:val=""/>
-                        <m:grow/>
-                      </m:dPr>
-                      <m:e>
-                        <m:d>
-                          <m:dPr>
-                            <m:begChr m:val=""/>
-                            <m:endChr m:val="|"/>
-                            <m:sepChr m:val=""/>
-                            <m:grow/>
-                          </m:dPr>
-                          <m:e>
-                            <m:f>
-                              <m:fPr>
-                                <m:type m:val="bar"/>
-                              </m:fPr>
-                              <m:num>
-                                <m:sSup>
-                                  <m:e>
-                                    <m:r>
-                                      <m:t>δ</m:t>
-                                    </m:r>
-                                  </m:e>
-                                  <m:sup>
-                                    <m:r>
-                                      <m:t>2</m:t>
-                                    </m:r>
-                                  </m:sup>
-                                </m:sSup>
-                              </m:num>
-                              <m:den>
-                                <m:r>
-                                  <m:t>δ</m:t>
-                                </m:r>
-                                <m:sSup>
-                                  <m:e>
-                                    <m:r>
-                                      <m:t>θ</m:t>
-                                    </m:r>
-                                  </m:e>
-                                  <m:sup>
-                                    <m:r>
-                                      <m:t>2</m:t>
-                                    </m:r>
-                                  </m:sup>
-                                </m:sSup>
-                              </m:den>
-                            </m:f>
-                            <m:r>
-                              <m:rPr>
-                                <m:nor/>
-                                <m:sty m:val="p"/>
-                              </m:rPr>
-                              <m:t>log</m:t>
-                            </m:r>
-                            <m:r>
-                              <m:t> </m:t>
-                            </m:r>
-                            <m:r>
-                              <m:t>p</m:t>
-                            </m:r>
-                            <m:d>
-                              <m:dPr>
-                                <m:begChr m:val="("/>
-                                <m:endChr m:val=")"/>
-                                <m:sepChr m:val=""/>
-                                <m:grow/>
-                              </m:dPr>
-                              <m:e>
-                                <m:r>
-                                  <m:t>X</m:t>
-                                </m:r>
-                                <m:r>
-                                  <m:rPr>
-                                    <m:sty m:val="p"/>
-                                  </m:rPr>
-                                  <m:t>|</m:t>
-                                </m:r>
-                                <m:r>
-                                  <m:t>θ</m:t>
-                                </m:r>
-                              </m:e>
-                            </m:d>
-                          </m:e>
-                        </m:d>
-                        <m:r>
-                          <m:t>θ</m:t>
-                        </m:r>
-                      </m:e>
-                    </m:d>
-                  </m:oMath>
-                </a14:m>
-                <a:r>
-                  <a:rPr/>
-                  <a:t> is the </a:t>
-                </a:r>
-                <a:r>
-                  <a:rPr i="1"/>
-                  <a:t>Fisher information</a:t>
-                </a:r>
-                <a:r>
-                  <a:rPr/>
-                  <a:t>.</a:t>
-                </a:r>
-              </a:p>
-              <a:p>
-                <a:pPr lvl="0" marL="0" indent="0">
-                  <a:buNone/>
-                </a:pPr>
-                <a14:m>
-                  <m:oMathPara xmlns:m="http://schemas.openxmlformats.org/officeDocument/2006/math">
-                    <m:oMathParaPr>
-                      <m:jc m:val="center"/>
-                    </m:oMathParaPr>
-                    <m:oMath>
-                      <m:r>
-                        <m:t> </m:t>
-                      </m:r>
-                    </m:oMath>
-                  </m:oMathPara>
-                </a14:m>
-              </a:p>
-              <a:p>
-                <a:pPr lvl="0" marL="0" indent="0">
-                  <a:buNone/>
-                </a:pPr>
-                <a:r>
-                  <a:rPr/>
-                  <a:t>This can lead to prior distributions which are not actually probability distributions. These are called </a:t>
-                </a:r>
-                <a:r>
-                  <a:rPr b="1"/>
-                  <a:t>improper priors</a:t>
-                </a:r>
-                <a:r>
-                  <a:rPr/>
-                  <a:t> (see practical).</a:t>
-                </a:r>
-              </a:p>
-              <a:p>
-                <a:pPr lvl="0" marL="0" indent="0">
-                  <a:buNone/>
-                </a:pPr>
-                <a:r>
-                  <a:rPr/>
-                  <a:t>An important property of Jeffreys priors is that they are invariant under transformation.</a:t>
-                </a:r>
-              </a:p>
-            </p:txBody>
-          </p:sp>
-        </mc:Choice>
-      </mc:AlternateContent>
-    </p:spTree>
-  </p:cSld>
-</p:sld>
-</file>
-
-<file path=ppt/slides/slide57.xml><?xml version="1.0" encoding="utf-8"?>
-<p:sld xmlns:a="http://schemas.openxmlformats.org/drawingml/2006/main" xmlns:r="http://schemas.openxmlformats.org/officeDocument/2006/relationships" xmlns:p="http://schemas.openxmlformats.org/presentationml/2006/main">
-  <p:cSld>
-    <p:spTree>
-      <p:nvGrpSpPr>
-        <p:cNvPr id="1" name=""/>
-        <p:cNvGrpSpPr/>
-        <p:nvPr/>
-      </p:nvGrpSpPr>
-      <p:grpSpPr>
-        <a:xfrm>
-          <a:off x="0" y="0"/>
-          <a:ext cx="0" cy="0"/>
-          <a:chOff x="0" y="0"/>
-          <a:chExt cx="0" cy="0"/>
-        </a:xfrm>
-      </p:grpSpPr>
-      <p:sp>
-        <p:nvSpPr>
-          <p:cNvPr id="2" name="Title 1">
-            <a:extLst>
-              <a:ext uri="{FF2B5EF4-FFF2-40B4-BE49-F238E27FC236}">
-                <a16:creationId xmlns:a16="http://schemas.microsoft.com/office/drawing/2014/main" id="{D6AA89D5-560C-4369-A313-7C24EDF028A0}"/>
-              </a:ext>
-            </a:extLst>
-          </p:cNvPr>
-          <p:cNvSpPr>
-            <a:spLocks noGrp="1"/>
-          </p:cNvSpPr>
-          <p:nvPr>
-            <p:ph type="title"/>
-          </p:nvPr>
-        </p:nvSpPr>
-        <p:spPr/>
-        <p:txBody>
-          <a:bodyPr/>
-          <a:lstStyle/>
-          <a:p>
-            <a:pPr lvl="0" marL="0" indent="0">
-              <a:buNone/>
-            </a:pPr>
-            <a:r>
-              <a:rPr/>
-              <a:t>Prior</a:t>
-            </a:r>
-            <a:r>
-              <a:rPr/>
-              <a:t> </a:t>
-            </a:r>
-            <a:r>
-              <a:rPr/>
-              <a:t>distributions:</a:t>
-            </a:r>
-            <a:r>
-              <a:rPr/>
-              <a:t> </a:t>
-            </a:r>
-            <a:r>
-              <a:rPr/>
-              <a:t>Jeffreys</a:t>
-            </a:r>
-            <a:r>
-              <a:rPr/>
-              <a:t> </a:t>
-            </a:r>
-            <a:r>
-              <a:rPr/>
-              <a:t>prior</a:t>
-            </a:r>
-          </a:p>
-        </p:txBody>
-      </p:sp>
-      <mc:AlternateContent xmlns:mc="http://schemas.openxmlformats.org/markup-compatibility/2006">
-        <mc:Choice xmlns:a14="http://schemas.microsoft.com/office/drawing/2010/main" Requires="a14">
-          <p:sp>
-            <p:nvSpPr>
-              <p:cNvPr id="3" name="Content Placeholder 2">
-                <a:extLst>
-                  <a:ext uri="{FF2B5EF4-FFF2-40B4-BE49-F238E27FC236}">
-                    <a16:creationId xmlns:a16="http://schemas.microsoft.com/office/drawing/2014/main" id="{288BC91F-1C76-43AE-8B2A-956D48B768BE}"/>
-                  </a:ext>
-                </a:extLst>
-              </p:cNvPr>
-              <p:cNvSpPr>
-                <a:spLocks noGrp="1"/>
-              </p:cNvSpPr>
-              <p:nvPr>
-                <p:ph idx="1"/>
-              </p:nvPr>
-            </p:nvSpPr>
-            <p:spPr/>
-            <p:txBody>
-              <a:bodyPr/>
-              <a:lstStyle/>
-              <a:p>
-                <a:pPr lvl="0" marL="0" indent="0">
-                  <a:buNone/>
-                </a:pPr>
-                <a:r>
-                  <a:rPr/>
                   <a:t>Example</a:t>
                 </a:r>
               </a:p>
@@ -20815,7 +20707,7 @@
 </p:sld>
 </file>
 
-<file path=ppt/slides/slide58.xml><?xml version="1.0" encoding="utf-8"?>
+<file path=ppt/slides/slide56.xml><?xml version="1.0" encoding="utf-8"?>
 <p:sld xmlns:a="http://schemas.openxmlformats.org/drawingml/2006/main" xmlns:r="http://schemas.openxmlformats.org/officeDocument/2006/relationships" xmlns:p="http://schemas.openxmlformats.org/presentationml/2006/main">
   <p:cSld>
     <p:spTree>
@@ -21576,7 +21468,7 @@
 </p:sld>
 </file>
 
-<file path=ppt/slides/slide59.xml><?xml version="1.0" encoding="utf-8"?>
+<file path=ppt/slides/slide57.xml><?xml version="1.0" encoding="utf-8"?>
 <p:sld xmlns:a="http://schemas.openxmlformats.org/drawingml/2006/main" xmlns:r="http://schemas.openxmlformats.org/officeDocument/2006/relationships" xmlns:p="http://schemas.openxmlformats.org/presentationml/2006/main">
   <p:cSld>
     <p:spTree>
@@ -22313,164 +22205,7 @@
 </p:sld>
 </file>
 
-<file path=ppt/slides/slide6.xml><?xml version="1.0" encoding="utf-8"?>
-<p:sld xmlns:a="http://schemas.openxmlformats.org/drawingml/2006/main" xmlns:r="http://schemas.openxmlformats.org/officeDocument/2006/relationships" xmlns:p="http://schemas.openxmlformats.org/presentationml/2006/main">
-  <p:cSld>
-    <p:spTree>
-      <p:nvGrpSpPr>
-        <p:cNvPr id="1" name=""/>
-        <p:cNvGrpSpPr/>
-        <p:nvPr/>
-      </p:nvGrpSpPr>
-      <p:grpSpPr>
-        <a:xfrm>
-          <a:off x="0" y="0"/>
-          <a:ext cx="0" cy="0"/>
-          <a:chOff x="0" y="0"/>
-          <a:chExt cx="0" cy="0"/>
-        </a:xfrm>
-      </p:grpSpPr>
-      <p:sp>
-        <p:nvSpPr>
-          <p:cNvPr id="2" name="Title 1">
-            <a:extLst>
-              <a:ext uri="{FF2B5EF4-FFF2-40B4-BE49-F238E27FC236}">
-                <a16:creationId xmlns:a16="http://schemas.microsoft.com/office/drawing/2014/main" id="{D6AA89D5-560C-4369-A313-7C24EDF028A0}"/>
-              </a:ext>
-            </a:extLst>
-          </p:cNvPr>
-          <p:cNvSpPr>
-            <a:spLocks noGrp="1"/>
-          </p:cNvSpPr>
-          <p:nvPr>
-            <p:ph type="title"/>
-          </p:nvPr>
-        </p:nvSpPr>
-        <p:spPr/>
-        <p:txBody>
-          <a:bodyPr/>
-          <a:lstStyle/>
-          <a:p>
-            <a:pPr lvl="0" marL="0" indent="0">
-              <a:buNone/>
-            </a:pPr>
-            <a:r>
-              <a:rPr/>
-              <a:t>Bayesian</a:t>
-            </a:r>
-            <a:r>
-              <a:rPr/>
-              <a:t> </a:t>
-            </a:r>
-            <a:r>
-              <a:rPr/>
-              <a:t>inference</a:t>
-            </a:r>
-          </a:p>
-        </p:txBody>
-      </p:sp>
-      <mc:AlternateContent xmlns:mc="http://schemas.openxmlformats.org/markup-compatibility/2006">
-        <mc:Choice xmlns:a14="http://schemas.microsoft.com/office/drawing/2010/main" Requires="a14">
-          <p:sp>
-            <p:nvSpPr>
-              <p:cNvPr id="3" name="Content Placeholder 2">
-                <a:extLst>
-                  <a:ext uri="{FF2B5EF4-FFF2-40B4-BE49-F238E27FC236}">
-                    <a16:creationId xmlns:a16="http://schemas.microsoft.com/office/drawing/2014/main" id="{288BC91F-1C76-43AE-8B2A-956D48B768BE}"/>
-                  </a:ext>
-                </a:extLst>
-              </p:cNvPr>
-              <p:cNvSpPr>
-                <a:spLocks noGrp="1"/>
-              </p:cNvSpPr>
-              <p:nvPr>
-                <p:ph idx="1"/>
-              </p:nvPr>
-            </p:nvSpPr>
-            <p:spPr/>
-            <p:txBody>
-              <a:bodyPr/>
-              <a:lstStyle/>
-              <a:p>
-                <a:pPr lvl="0" marL="0" indent="0">
-                  <a:buNone/>
-                </a:pPr>
-                <a:r>
-                  <a:rPr/>
-                  <a:t>Let’s start with an example (taken from Stone, J.V. (2013). “Bayes’ Rule: A Tutorial Introduction to Bayesian Analysis.”, Sebtel Press.).</a:t>
-                </a:r>
-              </a:p>
-              <a:p>
-                <a:pPr lvl="0" marL="0" indent="0">
-                  <a:buNone/>
-                </a:pPr>
-                <a14:m>
-                  <m:oMathPara xmlns:m="http://schemas.openxmlformats.org/officeDocument/2006/math">
-                    <m:oMathParaPr>
-                      <m:jc m:val="center"/>
-                    </m:oMathParaPr>
-                    <m:oMath>
-                      <m:r>
-                        <m:t> </m:t>
-                      </m:r>
-                    </m:oMath>
-                  </m:oMathPara>
-                </a14:m>
-              </a:p>
-              <a:p>
-                <a:pPr lvl="0" marL="0" indent="0">
-                  <a:buNone/>
-                </a:pPr>
-                <a:r>
-                  <a:rPr/>
-                  <a:t>You wake up one morning with spots all over your face. You are worried and go to the doctor. The doctor tells you that </a:t>
-                </a:r>
-                <a14:m>
-                  <m:oMath xmlns:m="http://schemas.openxmlformats.org/officeDocument/2006/math">
-                    <m:r>
-                      <m:t>90</m:t>
-                    </m:r>
-                    <m:r>
-                      <m:rPr>
-                        <m:sty m:val="p"/>
-                      </m:rPr>
-                      <m:t>%</m:t>
-                    </m:r>
-                  </m:oMath>
-                </a14:m>
-                <a:r>
-                  <a:rPr/>
-                  <a:t> of people with smallpox present with spots on their face.</a:t>
-                </a:r>
-              </a:p>
-              <a:p>
-                <a:pPr lvl="0" marL="0" indent="0">
-                  <a:buNone/>
-                </a:pPr>
-                <a:r>
-                  <a:rPr/>
-                  <a:t>You are (naturally) very worried now as smallpox is a very serious disease (also: it has been eradicated since the 1980s).</a:t>
-                </a:r>
-              </a:p>
-              <a:p>
-                <a:pPr lvl="0" marL="0" indent="0">
-                  <a:buNone/>
-                </a:pPr>
-                <a:r>
-                  <a:rPr/>
-                  <a:t>However, more useful to know would be the probability of having smallpox.</a:t>
-                </a:r>
-              </a:p>
-            </p:txBody>
-          </p:sp>
-        </mc:Choice>
-      </mc:AlternateContent>
-    </p:spTree>
-  </p:cSld>
-</p:sld>
-</file>
-
-<file path=ppt/slides/slide60.xml><?xml version="1.0" encoding="utf-8"?>
+<file path=ppt/slides/slide58.xml><?xml version="1.0" encoding="utf-8"?>
 <p:sld xmlns:a="http://schemas.openxmlformats.org/drawingml/2006/main" xmlns:r="http://schemas.openxmlformats.org/officeDocument/2006/relationships" xmlns:p="http://schemas.openxmlformats.org/presentationml/2006/main">
   <p:cSld>
     <p:spTree>
@@ -23184,7 +22919,7 @@
 </p:sld>
 </file>
 
-<file path=ppt/slides/slide61.xml><?xml version="1.0" encoding="utf-8"?>
+<file path=ppt/slides/slide59.xml><?xml version="1.0" encoding="utf-8"?>
 <p:sld xmlns:a="http://schemas.openxmlformats.org/drawingml/2006/main" xmlns:r="http://schemas.openxmlformats.org/officeDocument/2006/relationships" xmlns:p="http://schemas.openxmlformats.org/presentationml/2006/main">
   <p:cSld>
     <p:spTree>
@@ -23256,62 +22991,6 @@
           </a:p>
         </p:txBody>
       </p:sp>
-      <p:sp>
-        <p:nvSpPr>
-          <p:cNvPr id="3" name="Content Placeholder 2">
-            <a:extLst>
-              <a:ext uri="{FF2B5EF4-FFF2-40B4-BE49-F238E27FC236}">
-                <a16:creationId xmlns:a16="http://schemas.microsoft.com/office/drawing/2014/main" id="{288BC91F-1C76-43AE-8B2A-956D48B768BE}"/>
-              </a:ext>
-            </a:extLst>
-          </p:cNvPr>
-          <p:cNvSpPr>
-            <a:spLocks noGrp="1"/>
-          </p:cNvSpPr>
-          <p:nvPr>
-            <p:ph idx="1"/>
-          </p:nvPr>
-        </p:nvSpPr>
-        <p:spPr/>
-        <p:txBody>
-          <a:bodyPr/>
-          <a:lstStyle/>
-          <a:p>
-            <a:pPr lvl="0" indent="0">
-              <a:buNone/>
-            </a:pPr>
-            <a:r>
-              <a:rPr>
-                <a:latin typeface="Courier"/>
-              </a:rPr>
-              <a:t>## Warning: `guides(&lt;scale&gt; = FALSE)` is deprecated. Please use `guides(&lt;scale&gt; =
-## "none")` instead.</a:t>
-            </a:r>
-          </a:p>
-        </p:txBody>
-      </p:sp>
-    </p:spTree>
-  </p:cSld>
-</p:sld>
-</file>
-
-<file path=ppt/slides/slide62.xml><?xml version="1.0" encoding="utf-8"?>
-<p:sld xmlns:a="http://schemas.openxmlformats.org/drawingml/2006/main" xmlns:r="http://schemas.openxmlformats.org/officeDocument/2006/relationships" xmlns:p="http://schemas.openxmlformats.org/presentationml/2006/main">
-  <p:cSld>
-    <p:spTree>
-      <p:nvGrpSpPr>
-        <p:cNvPr id="1" name=""/>
-        <p:cNvGrpSpPr/>
-        <p:nvPr/>
-      </p:nvGrpSpPr>
-      <p:grpSpPr>
-        <a:xfrm>
-          <a:off x="0" y="0"/>
-          <a:ext cx="0" cy="0"/>
-          <a:chOff x="0" y="0"/>
-          <a:chExt cx="0" cy="0"/>
-        </a:xfrm>
-      </p:grpSpPr>
       <p:pic>
         <p:nvPicPr>
           <p:cNvPr descr="Chanco_STA623_BDA_2022_Henrion_Session2_files/figure-pptx/unnamed-chunk-8-1.png" id="0" name="Picture 1"/>
@@ -23347,7 +23026,164 @@
 </p:sld>
 </file>
 
-<file path=ppt/slides/slide63.xml><?xml version="1.0" encoding="utf-8"?>
+<file path=ppt/slides/slide6.xml><?xml version="1.0" encoding="utf-8"?>
+<p:sld xmlns:a="http://schemas.openxmlformats.org/drawingml/2006/main" xmlns:r="http://schemas.openxmlformats.org/officeDocument/2006/relationships" xmlns:p="http://schemas.openxmlformats.org/presentationml/2006/main">
+  <p:cSld>
+    <p:spTree>
+      <p:nvGrpSpPr>
+        <p:cNvPr id="1" name=""/>
+        <p:cNvGrpSpPr/>
+        <p:nvPr/>
+      </p:nvGrpSpPr>
+      <p:grpSpPr>
+        <a:xfrm>
+          <a:off x="0" y="0"/>
+          <a:ext cx="0" cy="0"/>
+          <a:chOff x="0" y="0"/>
+          <a:chExt cx="0" cy="0"/>
+        </a:xfrm>
+      </p:grpSpPr>
+      <p:sp>
+        <p:nvSpPr>
+          <p:cNvPr id="2" name="Title 1">
+            <a:extLst>
+              <a:ext uri="{FF2B5EF4-FFF2-40B4-BE49-F238E27FC236}">
+                <a16:creationId xmlns:a16="http://schemas.microsoft.com/office/drawing/2014/main" id="{D6AA89D5-560C-4369-A313-7C24EDF028A0}"/>
+              </a:ext>
+            </a:extLst>
+          </p:cNvPr>
+          <p:cNvSpPr>
+            <a:spLocks noGrp="1"/>
+          </p:cNvSpPr>
+          <p:nvPr>
+            <p:ph type="title"/>
+          </p:nvPr>
+        </p:nvSpPr>
+        <p:spPr/>
+        <p:txBody>
+          <a:bodyPr/>
+          <a:lstStyle/>
+          <a:p>
+            <a:pPr lvl="0" marL="0" indent="0">
+              <a:buNone/>
+            </a:pPr>
+            <a:r>
+              <a:rPr/>
+              <a:t>Bayesian</a:t>
+            </a:r>
+            <a:r>
+              <a:rPr/>
+              <a:t> </a:t>
+            </a:r>
+            <a:r>
+              <a:rPr/>
+              <a:t>inference</a:t>
+            </a:r>
+          </a:p>
+        </p:txBody>
+      </p:sp>
+      <mc:AlternateContent xmlns:mc="http://schemas.openxmlformats.org/markup-compatibility/2006">
+        <mc:Choice xmlns:a14="http://schemas.microsoft.com/office/drawing/2010/main" Requires="a14">
+          <p:sp>
+            <p:nvSpPr>
+              <p:cNvPr id="3" name="Content Placeholder 2">
+                <a:extLst>
+                  <a:ext uri="{FF2B5EF4-FFF2-40B4-BE49-F238E27FC236}">
+                    <a16:creationId xmlns:a16="http://schemas.microsoft.com/office/drawing/2014/main" id="{288BC91F-1C76-43AE-8B2A-956D48B768BE}"/>
+                  </a:ext>
+                </a:extLst>
+              </p:cNvPr>
+              <p:cNvSpPr>
+                <a:spLocks noGrp="1"/>
+              </p:cNvSpPr>
+              <p:nvPr>
+                <p:ph idx="1"/>
+              </p:nvPr>
+            </p:nvSpPr>
+            <p:spPr/>
+            <p:txBody>
+              <a:bodyPr/>
+              <a:lstStyle/>
+              <a:p>
+                <a:pPr lvl="0" marL="0" indent="0">
+                  <a:buNone/>
+                </a:pPr>
+                <a:r>
+                  <a:rPr/>
+                  <a:t>Let’s start with an example (taken from Stone, J.V. (2013). “Bayes’ Rule: A Tutorial Introduction to Bayesian Analysis.”, Sebtel Press.).</a:t>
+                </a:r>
+              </a:p>
+              <a:p>
+                <a:pPr lvl="0" marL="0" indent="0">
+                  <a:buNone/>
+                </a:pPr>
+                <a14:m>
+                  <m:oMathPara xmlns:m="http://schemas.openxmlformats.org/officeDocument/2006/math">
+                    <m:oMathParaPr>
+                      <m:jc m:val="center"/>
+                    </m:oMathParaPr>
+                    <m:oMath>
+                      <m:r>
+                        <m:t> </m:t>
+                      </m:r>
+                    </m:oMath>
+                  </m:oMathPara>
+                </a14:m>
+              </a:p>
+              <a:p>
+                <a:pPr lvl="0" marL="0" indent="0">
+                  <a:buNone/>
+                </a:pPr>
+                <a:r>
+                  <a:rPr/>
+                  <a:t>You wake up one morning with spots all over your face. You are worried and go to the doctor. The doctor tells you that </a:t>
+                </a:r>
+                <a14:m>
+                  <m:oMath xmlns:m="http://schemas.openxmlformats.org/officeDocument/2006/math">
+                    <m:r>
+                      <m:t>90</m:t>
+                    </m:r>
+                    <m:r>
+                      <m:rPr>
+                        <m:sty m:val="p"/>
+                      </m:rPr>
+                      <m:t>%</m:t>
+                    </m:r>
+                  </m:oMath>
+                </a14:m>
+                <a:r>
+                  <a:rPr/>
+                  <a:t> of people with smallpox present with spots on their face.</a:t>
+                </a:r>
+              </a:p>
+              <a:p>
+                <a:pPr lvl="0" marL="0" indent="0">
+                  <a:buNone/>
+                </a:pPr>
+                <a:r>
+                  <a:rPr/>
+                  <a:t>You are (naturally) very worried now as smallpox is a very serious disease (also: it has been eradicated since the 1980s).</a:t>
+                </a:r>
+              </a:p>
+              <a:p>
+                <a:pPr lvl="0" marL="0" indent="0">
+                  <a:buNone/>
+                </a:pPr>
+                <a:r>
+                  <a:rPr/>
+                  <a:t>However, more useful to know would be the probability of having smallpox.</a:t>
+                </a:r>
+              </a:p>
+            </p:txBody>
+          </p:sp>
+        </mc:Choice>
+      </mc:AlternateContent>
+    </p:spTree>
+  </p:cSld>
+</p:sld>
+</file>
+
+<file path=ppt/slides/slide60.xml><?xml version="1.0" encoding="utf-8"?>
 <p:sld xmlns:a="http://schemas.openxmlformats.org/drawingml/2006/main" xmlns:r="http://schemas.openxmlformats.org/officeDocument/2006/relationships" xmlns:p="http://schemas.openxmlformats.org/presentationml/2006/main">
   <p:cSld>
     <p:spTree>
@@ -23586,7 +23422,7 @@
 </p:sld>
 </file>
 
-<file path=ppt/slides/slide64.xml><?xml version="1.0" encoding="utf-8"?>
+<file path=ppt/slides/slide61.xml><?xml version="1.0" encoding="utf-8"?>
 <p:sld xmlns:a="http://schemas.openxmlformats.org/drawingml/2006/main" xmlns:r="http://schemas.openxmlformats.org/officeDocument/2006/relationships" xmlns:p="http://schemas.openxmlformats.org/presentationml/2006/main">
   <p:cSld>
     <p:spTree>
@@ -23890,7 +23726,7 @@
 </p:sld>
 </file>
 
-<file path=ppt/slides/slide65.xml><?xml version="1.0" encoding="utf-8"?>
+<file path=ppt/slides/slide62.xml><?xml version="1.0" encoding="utf-8"?>
 <p:sld xmlns:a="http://schemas.openxmlformats.org/drawingml/2006/main" xmlns:r="http://schemas.openxmlformats.org/officeDocument/2006/relationships" xmlns:p="http://schemas.openxmlformats.org/presentationml/2006/main">
   <p:cSld>
     <p:spTree>
@@ -23995,7 +23831,7 @@
 </p:sld>
 </file>
 
-<file path=ppt/slides/slide66.xml><?xml version="1.0" encoding="utf-8"?>
+<file path=ppt/slides/slide63.xml><?xml version="1.0" encoding="utf-8"?>
 <p:sld xmlns:a="http://schemas.openxmlformats.org/drawingml/2006/main" xmlns:r="http://schemas.openxmlformats.org/officeDocument/2006/relationships" xmlns:p="http://schemas.openxmlformats.org/presentationml/2006/main">
   <p:cSld>
     <p:spTree>
@@ -24432,7 +24268,7 @@
 </p:sld>
 </file>
 
-<file path=ppt/slides/slide67.xml><?xml version="1.0" encoding="utf-8"?>
+<file path=ppt/slides/slide64.xml><?xml version="1.0" encoding="utf-8"?>
 <p:sld xmlns:a="http://schemas.openxmlformats.org/drawingml/2006/main" xmlns:r="http://schemas.openxmlformats.org/officeDocument/2006/relationships" xmlns:p="http://schemas.openxmlformats.org/presentationml/2006/main">
   <p:cSld>
     <p:spTree>
@@ -24523,7 +24359,7 @@
 </p:sld>
 </file>
 
-<file path=ppt/slides/slide68.xml><?xml version="1.0" encoding="utf-8"?>
+<file path=ppt/slides/slide65.xml><?xml version="1.0" encoding="utf-8"?>
 <p:sld xmlns:a="http://schemas.openxmlformats.org/drawingml/2006/main" xmlns:r="http://schemas.openxmlformats.org/officeDocument/2006/relationships" xmlns:p="http://schemas.openxmlformats.org/presentationml/2006/main">
   <p:cSld>
     <p:spTree>
@@ -25212,7 +25048,7 @@
 </p:sld>
 </file>
 
-<file path=ppt/slides/slide69.xml><?xml version="1.0" encoding="utf-8"?>
+<file path=ppt/slides/slide66.xml><?xml version="1.0" encoding="utf-8"?>
 <p:sld xmlns:a="http://schemas.openxmlformats.org/drawingml/2006/main" xmlns:r="http://schemas.openxmlformats.org/officeDocument/2006/relationships" xmlns:p="http://schemas.openxmlformats.org/presentationml/2006/main">
   <p:cSld>
     <p:spTree>
@@ -25501,267 +25337,7 @@
 </p:sld>
 </file>
 
-<file path=ppt/slides/slide7.xml><?xml version="1.0" encoding="utf-8"?>
-<p:sld xmlns:a="http://schemas.openxmlformats.org/drawingml/2006/main" xmlns:r="http://schemas.openxmlformats.org/officeDocument/2006/relationships" xmlns:p="http://schemas.openxmlformats.org/presentationml/2006/main">
-  <p:cSld>
-    <p:spTree>
-      <p:nvGrpSpPr>
-        <p:cNvPr id="1" name=""/>
-        <p:cNvGrpSpPr/>
-        <p:nvPr/>
-      </p:nvGrpSpPr>
-      <p:grpSpPr>
-        <a:xfrm>
-          <a:off x="0" y="0"/>
-          <a:ext cx="0" cy="0"/>
-          <a:chOff x="0" y="0"/>
-          <a:chExt cx="0" cy="0"/>
-        </a:xfrm>
-      </p:grpSpPr>
-      <p:sp>
-        <p:nvSpPr>
-          <p:cNvPr id="2" name="Title 1">
-            <a:extLst>
-              <a:ext uri="{FF2B5EF4-FFF2-40B4-BE49-F238E27FC236}">
-                <a16:creationId xmlns:a16="http://schemas.microsoft.com/office/drawing/2014/main" id="{D6AA89D5-560C-4369-A313-7C24EDF028A0}"/>
-              </a:ext>
-            </a:extLst>
-          </p:cNvPr>
-          <p:cNvSpPr>
-            <a:spLocks noGrp="1"/>
-          </p:cNvSpPr>
-          <p:nvPr>
-            <p:ph type="title"/>
-          </p:nvPr>
-        </p:nvSpPr>
-        <p:spPr/>
-        <p:txBody>
-          <a:bodyPr/>
-          <a:lstStyle/>
-          <a:p>
-            <a:pPr lvl="0" marL="0" indent="0">
-              <a:buNone/>
-            </a:pPr>
-            <a:r>
-              <a:rPr/>
-              <a:t>Bayesian</a:t>
-            </a:r>
-            <a:r>
-              <a:rPr/>
-              <a:t> </a:t>
-            </a:r>
-            <a:r>
-              <a:rPr/>
-              <a:t>inference</a:t>
-            </a:r>
-          </a:p>
-        </p:txBody>
-      </p:sp>
-      <mc:AlternateContent xmlns:mc="http://schemas.openxmlformats.org/markup-compatibility/2006">
-        <mc:Choice xmlns:a14="http://schemas.microsoft.com/office/drawing/2010/main" Requires="a14">
-          <p:sp>
-            <p:nvSpPr>
-              <p:cNvPr id="3" name="Content Placeholder 2">
-                <a:extLst>
-                  <a:ext uri="{FF2B5EF4-FFF2-40B4-BE49-F238E27FC236}">
-                    <a16:creationId xmlns:a16="http://schemas.microsoft.com/office/drawing/2014/main" id="{288BC91F-1C76-43AE-8B2A-956D48B768BE}"/>
-                  </a:ext>
-                </a:extLst>
-              </p:cNvPr>
-              <p:cNvSpPr>
-                <a:spLocks noGrp="1"/>
-              </p:cNvSpPr>
-              <p:nvPr>
-                <p:ph idx="1"/>
-              </p:nvPr>
-            </p:nvSpPr>
-            <p:spPr/>
-            <p:txBody>
-              <a:bodyPr/>
-              <a:lstStyle/>
-              <a:p>
-                <a:pPr lvl="0" marL="0" indent="0">
-                  <a:buNone/>
-                </a:pPr>
-                <a:r>
-                  <a:rPr/>
-                  <a:t>Suppose doctors collect data on people presenting with smallpox and chickenpox and the symptoms they present.</a:t>
-                </a:r>
-              </a:p>
-              <a:p>
-                <a:pPr lvl="0" marL="0" indent="0">
-                  <a:buNone/>
-                </a:pPr>
-                <a:r>
-                  <a:rPr/>
-                  <a:t>Based on this, the doctor will calculate</a:t>
-                </a:r>
-              </a:p>
-              <a:p>
-                <a:pPr lvl="0" marL="0" indent="0">
-                  <a:buNone/>
-                </a:pPr>
-                <a14:m>
-                  <m:oMathPara xmlns:m="http://schemas.openxmlformats.org/officeDocument/2006/math">
-                    <m:oMathParaPr>
-                      <m:jc m:val="center"/>
-                    </m:oMathParaPr>
-                    <m:oMath>
-                      <m:r>
-                        <m:t>p</m:t>
-                      </m:r>
-                      <m:d>
-                        <m:dPr>
-                          <m:begChr m:val="("/>
-                          <m:endChr m:val=")"/>
-                          <m:sepChr m:val=""/>
-                          <m:grow/>
-                        </m:dPr>
-                        <m:e>
-                          <m:r>
-                            <m:rPr>
-                              <m:nor/>
-                              <m:sty m:val="p"/>
-                            </m:rPr>
-                            <m:t>spots </m:t>
-                          </m:r>
-                          <m:r>
-                            <m:rPr>
-                              <m:sty m:val="p"/>
-                            </m:rPr>
-                            <m:t>|</m:t>
-                          </m:r>
-                          <m:r>
-                            <m:rPr>
-                              <m:nor/>
-                              <m:sty m:val="p"/>
-                            </m:rPr>
-                            <m:t> smallpox</m:t>
-                          </m:r>
-                        </m:e>
-                      </m:d>
-                      <m:r>
-                        <m:rPr>
-                          <m:sty m:val="p"/>
-                        </m:rPr>
-                        <m:t>=</m:t>
-                      </m:r>
-                      <m:r>
-                        <m:t>0.9</m:t>
-                      </m:r>
-                    </m:oMath>
-                  </m:oMathPara>
-                </a14:m>
-              </a:p>
-              <a:p>
-                <a:pPr lvl="0" marL="0" indent="0">
-                  <a:buNone/>
-                </a:pPr>
-                <a:r>
-                  <a:rPr/>
-                  <a:t>and</a:t>
-                </a:r>
-              </a:p>
-              <a:p>
-                <a:pPr lvl="0" marL="0" indent="0">
-                  <a:buNone/>
-                </a:pPr>
-                <a14:m>
-                  <m:oMathPara xmlns:m="http://schemas.openxmlformats.org/officeDocument/2006/math">
-                    <m:oMathParaPr>
-                      <m:jc m:val="center"/>
-                    </m:oMathParaPr>
-                    <m:oMath>
-                      <m:r>
-                        <m:t>p</m:t>
-                      </m:r>
-                      <m:d>
-                        <m:dPr>
-                          <m:begChr m:val="("/>
-                          <m:endChr m:val=")"/>
-                          <m:sepChr m:val=""/>
-                          <m:grow/>
-                        </m:dPr>
-                        <m:e>
-                          <m:r>
-                            <m:rPr>
-                              <m:nor/>
-                              <m:sty m:val="p"/>
-                            </m:rPr>
-                            <m:t>spots </m:t>
-                          </m:r>
-                          <m:r>
-                            <m:rPr>
-                              <m:sty m:val="p"/>
-                            </m:rPr>
-                            <m:t>|</m:t>
-                          </m:r>
-                          <m:r>
-                            <m:rPr>
-                              <m:nor/>
-                              <m:sty m:val="p"/>
-                            </m:rPr>
-                            <m:t> chickenpox</m:t>
-                          </m:r>
-                        </m:e>
-                      </m:d>
-                      <m:r>
-                        <m:rPr>
-                          <m:sty m:val="p"/>
-                        </m:rPr>
-                        <m:t>=</m:t>
-                      </m:r>
-                      <m:r>
-                        <m:t>0.8</m:t>
-                      </m:r>
-                    </m:oMath>
-                  </m:oMathPara>
-                </a14:m>
-              </a:p>
-              <a:p>
-                <a:pPr lvl="0" marL="0" indent="0">
-                  <a:buNone/>
-                </a:pPr>
-                <a:r>
-                  <a:rPr/>
-                  <a:t>These two expression are called the </a:t>
-                </a:r>
-                <a:r>
-                  <a:rPr i="1"/>
-                  <a:t>likelihood</a:t>
-                </a:r>
-                <a:r>
-                  <a:rPr/>
-                  <a:t> of smallpox / chickenpox and are obtained from the </a:t>
-                </a:r>
-                <a:r>
-                  <a:rPr i="1"/>
-                  <a:t>sampling model</a:t>
-                </a:r>
-                <a:r>
-                  <a:rPr/>
-                  <a:t> that we assume for the data.</a:t>
-                </a:r>
-              </a:p>
-              <a:p>
-                <a:pPr lvl="0" marL="0" indent="0">
-                  <a:buNone/>
-                </a:pPr>
-                <a:r>
-                  <a:rPr/>
-                  <a:t>The maximum likelihood estimate for the disease based on these two is smallpox.</a:t>
-                </a:r>
-              </a:p>
-            </p:txBody>
-          </p:sp>
-        </mc:Choice>
-      </mc:AlternateContent>
-    </p:spTree>
-  </p:cSld>
-</p:sld>
-</file>
-
-<file path=ppt/slides/slide70.xml><?xml version="1.0" encoding="utf-8"?>
+<file path=ppt/slides/slide67.xml><?xml version="1.0" encoding="utf-8"?>
 <p:sld xmlns:a="http://schemas.openxmlformats.org/drawingml/2006/main" xmlns:r="http://schemas.openxmlformats.org/officeDocument/2006/relationships" xmlns:p="http://schemas.openxmlformats.org/presentationml/2006/main">
   <p:cSld>
     <p:spTree>
@@ -26421,7 +25997,7 @@
 </p:sld>
 </file>
 
-<file path=ppt/slides/slide71.xml><?xml version="1.0" encoding="utf-8"?>
+<file path=ppt/slides/slide68.xml><?xml version="1.0" encoding="utf-8"?>
 <p:sld xmlns:a="http://schemas.openxmlformats.org/drawingml/2006/main" xmlns:r="http://schemas.openxmlformats.org/officeDocument/2006/relationships" xmlns:p="http://schemas.openxmlformats.org/presentationml/2006/main">
   <p:cSld>
     <p:spTree>
@@ -27155,7 +26731,7 @@
 </p:sld>
 </file>
 
-<file path=ppt/slides/slide72.xml><?xml version="1.0" encoding="utf-8"?>
+<file path=ppt/slides/slide69.xml><?xml version="1.0" encoding="utf-8"?>
 <p:sld xmlns:a="http://schemas.openxmlformats.org/drawingml/2006/main" xmlns:r="http://schemas.openxmlformats.org/officeDocument/2006/relationships" xmlns:p="http://schemas.openxmlformats.org/presentationml/2006/main">
   <p:cSld>
     <p:spTree>
@@ -27211,62 +26787,6 @@
           </a:p>
         </p:txBody>
       </p:sp>
-      <p:sp>
-        <p:nvSpPr>
-          <p:cNvPr id="3" name="Content Placeholder 2">
-            <a:extLst>
-              <a:ext uri="{FF2B5EF4-FFF2-40B4-BE49-F238E27FC236}">
-                <a16:creationId xmlns:a16="http://schemas.microsoft.com/office/drawing/2014/main" id="{288BC91F-1C76-43AE-8B2A-956D48B768BE}"/>
-              </a:ext>
-            </a:extLst>
-          </p:cNvPr>
-          <p:cNvSpPr>
-            <a:spLocks noGrp="1"/>
-          </p:cNvSpPr>
-          <p:nvPr>
-            <p:ph idx="1"/>
-          </p:nvPr>
-        </p:nvSpPr>
-        <p:spPr/>
-        <p:txBody>
-          <a:bodyPr/>
-          <a:lstStyle/>
-          <a:p>
-            <a:pPr lvl="0" indent="0">
-              <a:buNone/>
-            </a:pPr>
-            <a:r>
-              <a:rPr>
-                <a:latin typeface="Courier"/>
-              </a:rPr>
-              <a:t>## Warning: `guides(&lt;scale&gt; = FALSE)` is deprecated. Please use `guides(&lt;scale&gt; =
-## "none")` instead.</a:t>
-            </a:r>
-          </a:p>
-        </p:txBody>
-      </p:sp>
-    </p:spTree>
-  </p:cSld>
-</p:sld>
-</file>
-
-<file path=ppt/slides/slide73.xml><?xml version="1.0" encoding="utf-8"?>
-<p:sld xmlns:a="http://schemas.openxmlformats.org/drawingml/2006/main" xmlns:r="http://schemas.openxmlformats.org/officeDocument/2006/relationships" xmlns:p="http://schemas.openxmlformats.org/presentationml/2006/main">
-  <p:cSld>
-    <p:spTree>
-      <p:nvGrpSpPr>
-        <p:cNvPr id="1" name=""/>
-        <p:cNvGrpSpPr/>
-        <p:nvPr/>
-      </p:nvGrpSpPr>
-      <p:grpSpPr>
-        <a:xfrm>
-          <a:off x="0" y="0"/>
-          <a:ext cx="0" cy="0"/>
-          <a:chOff x="0" y="0"/>
-          <a:chExt cx="0" cy="0"/>
-        </a:xfrm>
-      </p:grpSpPr>
       <p:pic>
         <p:nvPicPr>
           <p:cNvPr descr="Chanco_STA623_BDA_2022_Henrion_Session2_files/figure-pptx/unnamed-chunk-10-1.png" id="0" name="Picture 1"/>
@@ -27302,7 +26822,267 @@
 </p:sld>
 </file>
 
-<file path=ppt/slides/slide74.xml><?xml version="1.0" encoding="utf-8"?>
+<file path=ppt/slides/slide7.xml><?xml version="1.0" encoding="utf-8"?>
+<p:sld xmlns:a="http://schemas.openxmlformats.org/drawingml/2006/main" xmlns:r="http://schemas.openxmlformats.org/officeDocument/2006/relationships" xmlns:p="http://schemas.openxmlformats.org/presentationml/2006/main">
+  <p:cSld>
+    <p:spTree>
+      <p:nvGrpSpPr>
+        <p:cNvPr id="1" name=""/>
+        <p:cNvGrpSpPr/>
+        <p:nvPr/>
+      </p:nvGrpSpPr>
+      <p:grpSpPr>
+        <a:xfrm>
+          <a:off x="0" y="0"/>
+          <a:ext cx="0" cy="0"/>
+          <a:chOff x="0" y="0"/>
+          <a:chExt cx="0" cy="0"/>
+        </a:xfrm>
+      </p:grpSpPr>
+      <p:sp>
+        <p:nvSpPr>
+          <p:cNvPr id="2" name="Title 1">
+            <a:extLst>
+              <a:ext uri="{FF2B5EF4-FFF2-40B4-BE49-F238E27FC236}">
+                <a16:creationId xmlns:a16="http://schemas.microsoft.com/office/drawing/2014/main" id="{D6AA89D5-560C-4369-A313-7C24EDF028A0}"/>
+              </a:ext>
+            </a:extLst>
+          </p:cNvPr>
+          <p:cNvSpPr>
+            <a:spLocks noGrp="1"/>
+          </p:cNvSpPr>
+          <p:nvPr>
+            <p:ph type="title"/>
+          </p:nvPr>
+        </p:nvSpPr>
+        <p:spPr/>
+        <p:txBody>
+          <a:bodyPr/>
+          <a:lstStyle/>
+          <a:p>
+            <a:pPr lvl="0" marL="0" indent="0">
+              <a:buNone/>
+            </a:pPr>
+            <a:r>
+              <a:rPr/>
+              <a:t>Bayesian</a:t>
+            </a:r>
+            <a:r>
+              <a:rPr/>
+              <a:t> </a:t>
+            </a:r>
+            <a:r>
+              <a:rPr/>
+              <a:t>inference</a:t>
+            </a:r>
+          </a:p>
+        </p:txBody>
+      </p:sp>
+      <mc:AlternateContent xmlns:mc="http://schemas.openxmlformats.org/markup-compatibility/2006">
+        <mc:Choice xmlns:a14="http://schemas.microsoft.com/office/drawing/2010/main" Requires="a14">
+          <p:sp>
+            <p:nvSpPr>
+              <p:cNvPr id="3" name="Content Placeholder 2">
+                <a:extLst>
+                  <a:ext uri="{FF2B5EF4-FFF2-40B4-BE49-F238E27FC236}">
+                    <a16:creationId xmlns:a16="http://schemas.microsoft.com/office/drawing/2014/main" id="{288BC91F-1C76-43AE-8B2A-956D48B768BE}"/>
+                  </a:ext>
+                </a:extLst>
+              </p:cNvPr>
+              <p:cNvSpPr>
+                <a:spLocks noGrp="1"/>
+              </p:cNvSpPr>
+              <p:nvPr>
+                <p:ph idx="1"/>
+              </p:nvPr>
+            </p:nvSpPr>
+            <p:spPr/>
+            <p:txBody>
+              <a:bodyPr/>
+              <a:lstStyle/>
+              <a:p>
+                <a:pPr lvl="0" marL="0" indent="0">
+                  <a:buNone/>
+                </a:pPr>
+                <a:r>
+                  <a:rPr/>
+                  <a:t>Suppose doctors collect data on people presenting with smallpox and chickenpox and the symptoms they present.</a:t>
+                </a:r>
+              </a:p>
+              <a:p>
+                <a:pPr lvl="0" marL="0" indent="0">
+                  <a:buNone/>
+                </a:pPr>
+                <a:r>
+                  <a:rPr/>
+                  <a:t>Based on this, the doctor will calculate</a:t>
+                </a:r>
+              </a:p>
+              <a:p>
+                <a:pPr lvl="0" marL="0" indent="0">
+                  <a:buNone/>
+                </a:pPr>
+                <a14:m>
+                  <m:oMathPara xmlns:m="http://schemas.openxmlformats.org/officeDocument/2006/math">
+                    <m:oMathParaPr>
+                      <m:jc m:val="center"/>
+                    </m:oMathParaPr>
+                    <m:oMath>
+                      <m:r>
+                        <m:t>p</m:t>
+                      </m:r>
+                      <m:d>
+                        <m:dPr>
+                          <m:begChr m:val="("/>
+                          <m:endChr m:val=")"/>
+                          <m:sepChr m:val=""/>
+                          <m:grow/>
+                        </m:dPr>
+                        <m:e>
+                          <m:r>
+                            <m:rPr>
+                              <m:nor/>
+                              <m:sty m:val="p"/>
+                            </m:rPr>
+                            <m:t>spots </m:t>
+                          </m:r>
+                          <m:r>
+                            <m:rPr>
+                              <m:sty m:val="p"/>
+                            </m:rPr>
+                            <m:t>|</m:t>
+                          </m:r>
+                          <m:r>
+                            <m:rPr>
+                              <m:nor/>
+                              <m:sty m:val="p"/>
+                            </m:rPr>
+                            <m:t> smallpox</m:t>
+                          </m:r>
+                        </m:e>
+                      </m:d>
+                      <m:r>
+                        <m:rPr>
+                          <m:sty m:val="p"/>
+                        </m:rPr>
+                        <m:t>=</m:t>
+                      </m:r>
+                      <m:r>
+                        <m:t>0.9</m:t>
+                      </m:r>
+                    </m:oMath>
+                  </m:oMathPara>
+                </a14:m>
+              </a:p>
+              <a:p>
+                <a:pPr lvl="0" marL="0" indent="0">
+                  <a:buNone/>
+                </a:pPr>
+                <a:r>
+                  <a:rPr/>
+                  <a:t>and</a:t>
+                </a:r>
+              </a:p>
+              <a:p>
+                <a:pPr lvl="0" marL="0" indent="0">
+                  <a:buNone/>
+                </a:pPr>
+                <a14:m>
+                  <m:oMathPara xmlns:m="http://schemas.openxmlformats.org/officeDocument/2006/math">
+                    <m:oMathParaPr>
+                      <m:jc m:val="center"/>
+                    </m:oMathParaPr>
+                    <m:oMath>
+                      <m:r>
+                        <m:t>p</m:t>
+                      </m:r>
+                      <m:d>
+                        <m:dPr>
+                          <m:begChr m:val="("/>
+                          <m:endChr m:val=")"/>
+                          <m:sepChr m:val=""/>
+                          <m:grow/>
+                        </m:dPr>
+                        <m:e>
+                          <m:r>
+                            <m:rPr>
+                              <m:nor/>
+                              <m:sty m:val="p"/>
+                            </m:rPr>
+                            <m:t>spots </m:t>
+                          </m:r>
+                          <m:r>
+                            <m:rPr>
+                              <m:sty m:val="p"/>
+                            </m:rPr>
+                            <m:t>|</m:t>
+                          </m:r>
+                          <m:r>
+                            <m:rPr>
+                              <m:nor/>
+                              <m:sty m:val="p"/>
+                            </m:rPr>
+                            <m:t> chickenpox</m:t>
+                          </m:r>
+                        </m:e>
+                      </m:d>
+                      <m:r>
+                        <m:rPr>
+                          <m:sty m:val="p"/>
+                        </m:rPr>
+                        <m:t>=</m:t>
+                      </m:r>
+                      <m:r>
+                        <m:t>0.8</m:t>
+                      </m:r>
+                    </m:oMath>
+                  </m:oMathPara>
+                </a14:m>
+              </a:p>
+              <a:p>
+                <a:pPr lvl="0" marL="0" indent="0">
+                  <a:buNone/>
+                </a:pPr>
+                <a:r>
+                  <a:rPr/>
+                  <a:t>These two expression are called the </a:t>
+                </a:r>
+                <a:r>
+                  <a:rPr i="1"/>
+                  <a:t>likelihood</a:t>
+                </a:r>
+                <a:r>
+                  <a:rPr/>
+                  <a:t> of smallpox / chickenpox and are obtained from the </a:t>
+                </a:r>
+                <a:r>
+                  <a:rPr i="1"/>
+                  <a:t>sampling model</a:t>
+                </a:r>
+                <a:r>
+                  <a:rPr/>
+                  <a:t> that we assume for the data.</a:t>
+                </a:r>
+              </a:p>
+              <a:p>
+                <a:pPr lvl="0" marL="0" indent="0">
+                  <a:buNone/>
+                </a:pPr>
+                <a:r>
+                  <a:rPr/>
+                  <a:t>The maximum likelihood estimate for the disease based on these two is smallpox.</a:t>
+                </a:r>
+              </a:p>
+            </p:txBody>
+          </p:sp>
+        </mc:Choice>
+      </mc:AlternateContent>
+    </p:spTree>
+  </p:cSld>
+</p:sld>
+</file>
+
+<file path=ppt/slides/slide70.xml><?xml version="1.0" encoding="utf-8"?>
 <p:sld xmlns:a="http://schemas.openxmlformats.org/drawingml/2006/main" xmlns:r="http://schemas.openxmlformats.org/officeDocument/2006/relationships" xmlns:p="http://schemas.openxmlformats.org/presentationml/2006/main">
   <p:cSld>
     <p:spTree>
@@ -28135,7 +27915,7 @@
 </p:sld>
 </file>
 
-<file path=ppt/slides/slide75.xml><?xml version="1.0" encoding="utf-8"?>
+<file path=ppt/slides/slide71.xml><?xml version="1.0" encoding="utf-8"?>
 <p:sld xmlns:a="http://schemas.openxmlformats.org/drawingml/2006/main" xmlns:r="http://schemas.openxmlformats.org/officeDocument/2006/relationships" xmlns:p="http://schemas.openxmlformats.org/presentationml/2006/main">
   <p:cSld>
     <p:spTree>
@@ -28653,7 +28433,7 @@
 </p:sld>
 </file>
 
-<file path=ppt/slides/slide76.xml><?xml version="1.0" encoding="utf-8"?>
+<file path=ppt/slides/slide72.xml><?xml version="1.0" encoding="utf-8"?>
 <p:sld xmlns:a="http://schemas.openxmlformats.org/drawingml/2006/main" xmlns:r="http://schemas.openxmlformats.org/officeDocument/2006/relationships" xmlns:p="http://schemas.openxmlformats.org/presentationml/2006/main">
   <p:cSld>
     <p:spTree>
@@ -28972,7 +28752,7 @@
 </p:sld>
 </file>
 
-<file path=ppt/slides/slide77.xml><?xml version="1.0" encoding="utf-8"?>
+<file path=ppt/slides/slide73.xml><?xml version="1.0" encoding="utf-8"?>
 <p:sld xmlns:a="http://schemas.openxmlformats.org/drawingml/2006/main" xmlns:r="http://schemas.openxmlformats.org/officeDocument/2006/relationships" xmlns:p="http://schemas.openxmlformats.org/presentationml/2006/main">
   <p:cSld>
     <p:spTree>
@@ -29319,7 +29099,7 @@
 </p:sld>
 </file>
 
-<file path=ppt/slides/slide78.xml><?xml version="1.0" encoding="utf-8"?>
+<file path=ppt/slides/slide74.xml><?xml version="1.0" encoding="utf-8"?>
 <p:sld xmlns:a="http://schemas.openxmlformats.org/drawingml/2006/main" xmlns:r="http://schemas.openxmlformats.org/officeDocument/2006/relationships" xmlns:p="http://schemas.openxmlformats.org/presentationml/2006/main">
   <p:cSld>
     <p:spTree>
@@ -30127,7 +29907,7 @@
 </p:sld>
 </file>
 
-<file path=ppt/slides/slide79.xml><?xml version="1.0" encoding="utf-8"?>
+<file path=ppt/slides/slide75.xml><?xml version="1.0" encoding="utf-8"?>
 <p:sld xmlns:a="http://schemas.openxmlformats.org/drawingml/2006/main" xmlns:r="http://schemas.openxmlformats.org/officeDocument/2006/relationships" xmlns:p="http://schemas.openxmlformats.org/presentationml/2006/main">
   <p:cSld>
     <p:spTree>
@@ -30452,7 +30232,7 @@
 </p:sld>
 </file>
 
-<file path=ppt/slides/slide8.xml><?xml version="1.0" encoding="utf-8"?>
+<file path=ppt/slides/slide76.xml><?xml version="1.0" encoding="utf-8"?>
 <p:sld xmlns:a="http://schemas.openxmlformats.org/drawingml/2006/main" xmlns:r="http://schemas.openxmlformats.org/officeDocument/2006/relationships" xmlns:p="http://schemas.openxmlformats.org/presentationml/2006/main">
   <p:cSld>
     <p:spTree>
@@ -30495,7 +30275,7 @@
             </a:pPr>
             <a:r>
               <a:rPr/>
-              <a:t>Bayesian</a:t>
+              <a:t>Conjugate</a:t>
             </a:r>
             <a:r>
               <a:rPr/>
@@ -30503,7 +30283,39 @@
             </a:r>
             <a:r>
               <a:rPr/>
-              <a:t>inference</a:t>
+              <a:t>priors</a:t>
+            </a:r>
+            <a:r>
+              <a:rPr/>
+              <a:t> </a:t>
+            </a:r>
+            <a:r>
+              <a:rPr/>
+              <a:t>for</a:t>
+            </a:r>
+            <a:r>
+              <a:rPr/>
+              <a:t> </a:t>
+            </a:r>
+            <a:r>
+              <a:rPr/>
+              <a:t>exponential</a:t>
+            </a:r>
+            <a:r>
+              <a:rPr/>
+              <a:t> </a:t>
+            </a:r>
+            <a:r>
+              <a:rPr/>
+              <a:t>family</a:t>
+            </a:r>
+            <a:r>
+              <a:rPr/>
+              <a:t> </a:t>
+            </a:r>
+            <a:r>
+              <a:rPr/>
+              <a:t>distributions</a:t>
             </a:r>
           </a:p>
         </p:txBody>
@@ -30536,315 +30348,7 @@
                 </a:pPr>
                 <a:r>
                   <a:rPr/>
-                  <a:t>However, smallpox is very rare and chickenpox more common.</a:t>
-                </a:r>
-              </a:p>
-              <a:p>
-                <a:pPr lvl="0" marL="0" indent="0">
-                  <a:buNone/>
-                </a:pPr>
-                <a:r>
-                  <a:rPr/>
-                  <a:t>The doctor also has the recorded prevalences for these two diseases; this is the </a:t>
-                </a:r>
-                <a:r>
-                  <a:rPr i="1"/>
-                  <a:t>prior</a:t>
-                </a:r>
-                <a:r>
-                  <a:rPr/>
-                  <a:t> knowledge:</a:t>
-                </a:r>
-              </a:p>
-              <a:p>
-                <a:pPr lvl="0" marL="0" indent="0">
-                  <a:buNone/>
-                </a:pPr>
-                <a14:m>
-                  <m:oMathPara xmlns:m="http://schemas.openxmlformats.org/officeDocument/2006/math">
-                    <m:oMathParaPr>
-                      <m:jc m:val="center"/>
-                    </m:oMathParaPr>
-                    <m:oMath>
-                      <m:r>
-                        <m:t>p</m:t>
-                      </m:r>
-                      <m:d>
-                        <m:dPr>
-                          <m:begChr m:val="("/>
-                          <m:endChr m:val=")"/>
-                          <m:sepChr m:val=""/>
-                          <m:grow/>
-                        </m:dPr>
-                        <m:e>
-                          <m:r>
-                            <m:rPr>
-                              <m:nor/>
-                              <m:sty m:val="p"/>
-                            </m:rPr>
-                            <m:t>smallpox</m:t>
-                          </m:r>
-                        </m:e>
-                      </m:d>
-                      <m:r>
-                        <m:rPr>
-                          <m:sty m:val="p"/>
-                        </m:rPr>
-                        <m:t>=</m:t>
-                      </m:r>
-                      <m:r>
-                        <m:t>0.001</m:t>
-                      </m:r>
-                    </m:oMath>
-                  </m:oMathPara>
-                </a14:m>
-              </a:p>
-              <a:p>
-                <a:pPr lvl="0" marL="0" indent="0">
-                  <a:buNone/>
-                </a:pPr>
-                <a:r>
-                  <a:rPr/>
-                  <a:t>and</a:t>
-                </a:r>
-              </a:p>
-              <a:p>
-                <a:pPr lvl="0" marL="0" indent="0">
-                  <a:buNone/>
-                </a:pPr>
-                <a14:m>
-                  <m:oMathPara xmlns:m="http://schemas.openxmlformats.org/officeDocument/2006/math">
-                    <m:oMathParaPr>
-                      <m:jc m:val="center"/>
-                    </m:oMathParaPr>
-                    <m:oMath>
-                      <m:r>
-                        <m:t>p</m:t>
-                      </m:r>
-                      <m:d>
-                        <m:dPr>
-                          <m:begChr m:val="("/>
-                          <m:endChr m:val=")"/>
-                          <m:sepChr m:val=""/>
-                          <m:grow/>
-                        </m:dPr>
-                        <m:e>
-                          <m:r>
-                            <m:rPr>
-                              <m:nor/>
-                              <m:sty m:val="p"/>
-                            </m:rPr>
-                            <m:t>chickenpox</m:t>
-                          </m:r>
-                        </m:e>
-                      </m:d>
-                      <m:r>
-                        <m:rPr>
-                          <m:sty m:val="p"/>
-                        </m:rPr>
-                        <m:t>=</m:t>
-                      </m:r>
-                      <m:r>
-                        <m:t>0.1</m:t>
-                      </m:r>
-                    </m:oMath>
-                  </m:oMathPara>
-                </a14:m>
-              </a:p>
-              <a:p>
-                <a:pPr lvl="0" marL="0" indent="0">
-                  <a:buNone/>
-                </a:pPr>
-                <a:r>
-                  <a:rPr/>
-                  <a:t>Further, the overall proportion of people with spots on their faces in the population, called the </a:t>
-                </a:r>
-                <a:r>
-                  <a:rPr i="1"/>
-                  <a:t>marginal likelihood</a:t>
-                </a:r>
-                <a:r>
-                  <a:rPr/>
-                  <a:t> or the </a:t>
-                </a:r>
-                <a:r>
-                  <a:rPr i="1"/>
-                  <a:t>evidence</a:t>
-                </a:r>
-                <a:r>
-                  <a:rPr/>
-                  <a:t>, is given by</a:t>
-                </a:r>
-              </a:p>
-              <a:p>
-                <a:pPr lvl="0" marL="0" indent="0">
-                  <a:buNone/>
-                </a:pPr>
-                <a14:m>
-                  <m:oMathPara xmlns:m="http://schemas.openxmlformats.org/officeDocument/2006/math">
-                    <m:oMathParaPr>
-                      <m:jc m:val="center"/>
-                    </m:oMathParaPr>
-                    <m:oMath>
-                      <m:r>
-                        <m:t>p</m:t>
-                      </m:r>
-                      <m:d>
-                        <m:dPr>
-                          <m:begChr m:val="("/>
-                          <m:endChr m:val=")"/>
-                          <m:sepChr m:val=""/>
-                          <m:grow/>
-                        </m:dPr>
-                        <m:e>
-                          <m:r>
-                            <m:rPr>
-                              <m:nor/>
-                              <m:sty m:val="p"/>
-                            </m:rPr>
-                            <m:t>spots</m:t>
-                          </m:r>
-                        </m:e>
-                      </m:d>
-                      <m:r>
-                        <m:rPr>
-                          <m:sty m:val="p"/>
-                        </m:rPr>
-                        <m:t>=</m:t>
-                      </m:r>
-                      <m:r>
-                        <m:t>0.081</m:t>
-                      </m:r>
-                    </m:oMath>
-                  </m:oMathPara>
-                </a14:m>
-              </a:p>
-            </p:txBody>
-          </p:sp>
-        </mc:Choice>
-      </mc:AlternateContent>
-    </p:spTree>
-  </p:cSld>
-</p:sld>
-</file>
-
-<file path=ppt/slides/slide80.xml><?xml version="1.0" encoding="utf-8"?>
-<p:sld xmlns:a="http://schemas.openxmlformats.org/drawingml/2006/main" xmlns:r="http://schemas.openxmlformats.org/officeDocument/2006/relationships" xmlns:p="http://schemas.openxmlformats.org/presentationml/2006/main">
-  <p:cSld>
-    <p:spTree>
-      <p:nvGrpSpPr>
-        <p:cNvPr id="1" name=""/>
-        <p:cNvGrpSpPr/>
-        <p:nvPr/>
-      </p:nvGrpSpPr>
-      <p:grpSpPr>
-        <a:xfrm>
-          <a:off x="0" y="0"/>
-          <a:ext cx="0" cy="0"/>
-          <a:chOff x="0" y="0"/>
-          <a:chExt cx="0" cy="0"/>
-        </a:xfrm>
-      </p:grpSpPr>
-      <p:sp>
-        <p:nvSpPr>
-          <p:cNvPr id="2" name="Title 1">
-            <a:extLst>
-              <a:ext uri="{FF2B5EF4-FFF2-40B4-BE49-F238E27FC236}">
-                <a16:creationId xmlns:a16="http://schemas.microsoft.com/office/drawing/2014/main" id="{D6AA89D5-560C-4369-A313-7C24EDF028A0}"/>
-              </a:ext>
-            </a:extLst>
-          </p:cNvPr>
-          <p:cNvSpPr>
-            <a:spLocks noGrp="1"/>
-          </p:cNvSpPr>
-          <p:nvPr>
-            <p:ph type="title"/>
-          </p:nvPr>
-        </p:nvSpPr>
-        <p:spPr/>
-        <p:txBody>
-          <a:bodyPr/>
-          <a:lstStyle/>
-          <a:p>
-            <a:pPr lvl="0" marL="0" indent="0">
-              <a:buNone/>
-            </a:pPr>
-            <a:r>
-              <a:rPr/>
-              <a:t>Conjugate</a:t>
-            </a:r>
-            <a:r>
-              <a:rPr/>
-              <a:t> </a:t>
-            </a:r>
-            <a:r>
-              <a:rPr/>
-              <a:t>priors</a:t>
-            </a:r>
-            <a:r>
-              <a:rPr/>
-              <a:t> </a:t>
-            </a:r>
-            <a:r>
-              <a:rPr/>
-              <a:t>for</a:t>
-            </a:r>
-            <a:r>
-              <a:rPr/>
-              <a:t> </a:t>
-            </a:r>
-            <a:r>
-              <a:rPr/>
-              <a:t>exponential</a:t>
-            </a:r>
-            <a:r>
-              <a:rPr/>
-              <a:t> </a:t>
-            </a:r>
-            <a:r>
-              <a:rPr/>
-              <a:t>family</a:t>
-            </a:r>
-            <a:r>
-              <a:rPr/>
-              <a:t> </a:t>
-            </a:r>
-            <a:r>
-              <a:rPr/>
-              <a:t>distributions</a:t>
-            </a:r>
-          </a:p>
-        </p:txBody>
-      </p:sp>
-      <mc:AlternateContent xmlns:mc="http://schemas.openxmlformats.org/markup-compatibility/2006">
-        <mc:Choice xmlns:a14="http://schemas.microsoft.com/office/drawing/2010/main" Requires="a14">
-          <p:sp>
-            <p:nvSpPr>
-              <p:cNvPr id="3" name="Content Placeholder 2">
-                <a:extLst>
-                  <a:ext uri="{FF2B5EF4-FFF2-40B4-BE49-F238E27FC236}">
-                    <a16:creationId xmlns:a16="http://schemas.microsoft.com/office/drawing/2014/main" id="{288BC91F-1C76-43AE-8B2A-956D48B768BE}"/>
-                  </a:ext>
-                </a:extLst>
-              </p:cNvPr>
-              <p:cNvSpPr>
-                <a:spLocks noGrp="1"/>
-              </p:cNvSpPr>
-              <p:nvPr>
-                <p:ph idx="1"/>
-              </p:nvPr>
-            </p:nvSpPr>
-            <p:spPr/>
-            <p:txBody>
-              <a:bodyPr/>
-              <a:lstStyle/>
-              <a:p>
-                <a:pPr lvl="0" marL="0" indent="0">
-                  <a:buNone/>
-                </a:pPr>
-                <a:r>
-                  <a:rPr/>
-                  <a:t>As an aside, recall from STA6103:</a:t>
+                  <a:t>As an aside, recall from the GLM module:</a:t>
                 </a:r>
               </a:p>
               <a:p>
@@ -31262,7 +30766,7 @@
 </p:sld>
 </file>
 
-<file path=ppt/slides/slide81.xml><?xml version="1.0" encoding="utf-8"?>
+<file path=ppt/slides/slide77.xml><?xml version="1.0" encoding="utf-8"?>
 <p:sld xmlns:a="http://schemas.openxmlformats.org/drawingml/2006/main" xmlns:r="http://schemas.openxmlformats.org/officeDocument/2006/relationships" xmlns:p="http://schemas.openxmlformats.org/presentationml/2006/main">
   <p:cSld>
     <p:spTree>
@@ -31463,7 +30967,7 @@
                 <a:pPr lvl="1"/>
                 <a:r>
                   <a:rPr/>
-                  <a:t>If you don’t want to favor any one value over another, use a non-informative or diffuse prior, e.g. the uniform prior.</a:t>
+                  <a:t>If you don’t want to favor any one value over another, use a non-informative, vague or diffuse prior, e.g. the uniform prior.</a:t>
                 </a:r>
               </a:p>
               <a:p>
@@ -31482,7 +30986,7 @@
 </p:sld>
 </file>
 
-<file path=ppt/slides/slide82.xml><?xml version="1.0" encoding="utf-8"?>
+<file path=ppt/slides/slide78.xml><?xml version="1.0" encoding="utf-8"?>
 <p:sld xmlns:a="http://schemas.openxmlformats.org/drawingml/2006/main" xmlns:r="http://schemas.openxmlformats.org/officeDocument/2006/relationships" xmlns:p="http://schemas.openxmlformats.org/presentationml/2006/main">
   <p:cSld>
     <p:spTree>
@@ -31619,7 +31123,7 @@
 </p:sld>
 </file>
 
-<file path=ppt/slides/slide83.xml><?xml version="1.0" encoding="utf-8"?>
+<file path=ppt/slides/slide79.xml><?xml version="1.0" encoding="utf-8"?>
 <p:sld xmlns:a="http://schemas.openxmlformats.org/drawingml/2006/main" xmlns:r="http://schemas.openxmlformats.org/officeDocument/2006/relationships" xmlns:p="http://schemas.openxmlformats.org/presentationml/2006/main">
   <p:cSld>
     <p:spTree>
@@ -31662,11 +31166,287 @@
             </a:pPr>
             <a:r>
               <a:rPr/>
-              <a:t>[end of STA6206 Bayesian Data analysis Session 2]</a:t>
+              <a:t>[end of STA623 Bayesian Data analysis Session 2]</a:t>
             </a:r>
           </a:p>
         </p:txBody>
       </p:sp>
+    </p:spTree>
+  </p:cSld>
+</p:sld>
+</file>
+
+<file path=ppt/slides/slide8.xml><?xml version="1.0" encoding="utf-8"?>
+<p:sld xmlns:a="http://schemas.openxmlformats.org/drawingml/2006/main" xmlns:r="http://schemas.openxmlformats.org/officeDocument/2006/relationships" xmlns:p="http://schemas.openxmlformats.org/presentationml/2006/main">
+  <p:cSld>
+    <p:spTree>
+      <p:nvGrpSpPr>
+        <p:cNvPr id="1" name=""/>
+        <p:cNvGrpSpPr/>
+        <p:nvPr/>
+      </p:nvGrpSpPr>
+      <p:grpSpPr>
+        <a:xfrm>
+          <a:off x="0" y="0"/>
+          <a:ext cx="0" cy="0"/>
+          <a:chOff x="0" y="0"/>
+          <a:chExt cx="0" cy="0"/>
+        </a:xfrm>
+      </p:grpSpPr>
+      <p:sp>
+        <p:nvSpPr>
+          <p:cNvPr id="2" name="Title 1">
+            <a:extLst>
+              <a:ext uri="{FF2B5EF4-FFF2-40B4-BE49-F238E27FC236}">
+                <a16:creationId xmlns:a16="http://schemas.microsoft.com/office/drawing/2014/main" id="{D6AA89D5-560C-4369-A313-7C24EDF028A0}"/>
+              </a:ext>
+            </a:extLst>
+          </p:cNvPr>
+          <p:cNvSpPr>
+            <a:spLocks noGrp="1"/>
+          </p:cNvSpPr>
+          <p:nvPr>
+            <p:ph type="title"/>
+          </p:nvPr>
+        </p:nvSpPr>
+        <p:spPr/>
+        <p:txBody>
+          <a:bodyPr/>
+          <a:lstStyle/>
+          <a:p>
+            <a:pPr lvl="0" marL="0" indent="0">
+              <a:buNone/>
+            </a:pPr>
+            <a:r>
+              <a:rPr/>
+              <a:t>Bayesian</a:t>
+            </a:r>
+            <a:r>
+              <a:rPr/>
+              <a:t> </a:t>
+            </a:r>
+            <a:r>
+              <a:rPr/>
+              <a:t>inference</a:t>
+            </a:r>
+          </a:p>
+        </p:txBody>
+      </p:sp>
+      <mc:AlternateContent xmlns:mc="http://schemas.openxmlformats.org/markup-compatibility/2006">
+        <mc:Choice xmlns:a14="http://schemas.microsoft.com/office/drawing/2010/main" Requires="a14">
+          <p:sp>
+            <p:nvSpPr>
+              <p:cNvPr id="3" name="Content Placeholder 2">
+                <a:extLst>
+                  <a:ext uri="{FF2B5EF4-FFF2-40B4-BE49-F238E27FC236}">
+                    <a16:creationId xmlns:a16="http://schemas.microsoft.com/office/drawing/2014/main" id="{288BC91F-1C76-43AE-8B2A-956D48B768BE}"/>
+                  </a:ext>
+                </a:extLst>
+              </p:cNvPr>
+              <p:cNvSpPr>
+                <a:spLocks noGrp="1"/>
+              </p:cNvSpPr>
+              <p:nvPr>
+                <p:ph idx="1"/>
+              </p:nvPr>
+            </p:nvSpPr>
+            <p:spPr/>
+            <p:txBody>
+              <a:bodyPr/>
+              <a:lstStyle/>
+              <a:p>
+                <a:pPr lvl="0" marL="0" indent="0">
+                  <a:buNone/>
+                </a:pPr>
+                <a:r>
+                  <a:rPr/>
+                  <a:t>However, smallpox is very rare and chickenpox more common.</a:t>
+                </a:r>
+              </a:p>
+              <a:p>
+                <a:pPr lvl="0" marL="0" indent="0">
+                  <a:buNone/>
+                </a:pPr>
+                <a:r>
+                  <a:rPr/>
+                  <a:t>The doctor also has the recorded prevalences for these two diseases; this is the </a:t>
+                </a:r>
+                <a:r>
+                  <a:rPr i="1"/>
+                  <a:t>prior</a:t>
+                </a:r>
+                <a:r>
+                  <a:rPr/>
+                  <a:t> knowledge:</a:t>
+                </a:r>
+              </a:p>
+              <a:p>
+                <a:pPr lvl="0" marL="0" indent="0">
+                  <a:buNone/>
+                </a:pPr>
+                <a14:m>
+                  <m:oMathPara xmlns:m="http://schemas.openxmlformats.org/officeDocument/2006/math">
+                    <m:oMathParaPr>
+                      <m:jc m:val="center"/>
+                    </m:oMathParaPr>
+                    <m:oMath>
+                      <m:r>
+                        <m:t>p</m:t>
+                      </m:r>
+                      <m:d>
+                        <m:dPr>
+                          <m:begChr m:val="("/>
+                          <m:endChr m:val=")"/>
+                          <m:sepChr m:val=""/>
+                          <m:grow/>
+                        </m:dPr>
+                        <m:e>
+                          <m:r>
+                            <m:rPr>
+                              <m:nor/>
+                              <m:sty m:val="p"/>
+                            </m:rPr>
+                            <m:t>smallpox</m:t>
+                          </m:r>
+                        </m:e>
+                      </m:d>
+                      <m:r>
+                        <m:rPr>
+                          <m:sty m:val="p"/>
+                        </m:rPr>
+                        <m:t>=</m:t>
+                      </m:r>
+                      <m:r>
+                        <m:t>0.001</m:t>
+                      </m:r>
+                    </m:oMath>
+                  </m:oMathPara>
+                </a14:m>
+              </a:p>
+              <a:p>
+                <a:pPr lvl="0" marL="0" indent="0">
+                  <a:buNone/>
+                </a:pPr>
+                <a:r>
+                  <a:rPr/>
+                  <a:t>and</a:t>
+                </a:r>
+              </a:p>
+              <a:p>
+                <a:pPr lvl="0" marL="0" indent="0">
+                  <a:buNone/>
+                </a:pPr>
+                <a14:m>
+                  <m:oMathPara xmlns:m="http://schemas.openxmlformats.org/officeDocument/2006/math">
+                    <m:oMathParaPr>
+                      <m:jc m:val="center"/>
+                    </m:oMathParaPr>
+                    <m:oMath>
+                      <m:r>
+                        <m:t>p</m:t>
+                      </m:r>
+                      <m:d>
+                        <m:dPr>
+                          <m:begChr m:val="("/>
+                          <m:endChr m:val=")"/>
+                          <m:sepChr m:val=""/>
+                          <m:grow/>
+                        </m:dPr>
+                        <m:e>
+                          <m:r>
+                            <m:rPr>
+                              <m:nor/>
+                              <m:sty m:val="p"/>
+                            </m:rPr>
+                            <m:t>chickenpox</m:t>
+                          </m:r>
+                        </m:e>
+                      </m:d>
+                      <m:r>
+                        <m:rPr>
+                          <m:sty m:val="p"/>
+                        </m:rPr>
+                        <m:t>=</m:t>
+                      </m:r>
+                      <m:r>
+                        <m:t>0.1</m:t>
+                      </m:r>
+                    </m:oMath>
+                  </m:oMathPara>
+                </a14:m>
+              </a:p>
+              <a:p>
+                <a:pPr lvl="0" marL="0" indent="0">
+                  <a:buNone/>
+                </a:pPr>
+                <a:r>
+                  <a:rPr/>
+                  <a:t>Further, the overall proportion of people with spots on their faces in the population, called the </a:t>
+                </a:r>
+                <a:r>
+                  <a:rPr i="1"/>
+                  <a:t>marginal likelihood</a:t>
+                </a:r>
+                <a:r>
+                  <a:rPr/>
+                  <a:t> or the </a:t>
+                </a:r>
+                <a:r>
+                  <a:rPr i="1"/>
+                  <a:t>evidence</a:t>
+                </a:r>
+                <a:r>
+                  <a:rPr/>
+                  <a:t>, is given by</a:t>
+                </a:r>
+              </a:p>
+              <a:p>
+                <a:pPr lvl="0" marL="0" indent="0">
+                  <a:buNone/>
+                </a:pPr>
+                <a14:m>
+                  <m:oMathPara xmlns:m="http://schemas.openxmlformats.org/officeDocument/2006/math">
+                    <m:oMathParaPr>
+                      <m:jc m:val="center"/>
+                    </m:oMathParaPr>
+                    <m:oMath>
+                      <m:r>
+                        <m:t>p</m:t>
+                      </m:r>
+                      <m:d>
+                        <m:dPr>
+                          <m:begChr m:val="("/>
+                          <m:endChr m:val=")"/>
+                          <m:sepChr m:val=""/>
+                          <m:grow/>
+                        </m:dPr>
+                        <m:e>
+                          <m:r>
+                            <m:rPr>
+                              <m:nor/>
+                              <m:sty m:val="p"/>
+                            </m:rPr>
+                            <m:t>spots</m:t>
+                          </m:r>
+                        </m:e>
+                      </m:d>
+                      <m:r>
+                        <m:rPr>
+                          <m:sty m:val="p"/>
+                        </m:rPr>
+                        <m:t>=</m:t>
+                      </m:r>
+                      <m:r>
+                        <m:t>0.081</m:t>
+                      </m:r>
+                    </m:oMath>
+                  </m:oMathPara>
+                </a14:m>
+              </a:p>
+            </p:txBody>
+          </p:sp>
+        </mc:Choice>
+      </mc:AlternateContent>
     </p:spTree>
   </p:cSld>
 </p:sld>
